--- a/FindMe.pptx
+++ b/FindMe.pptx
@@ -8,6 +8,14 @@
     <p:sldId id="256" r:id="rId2"/>
     <p:sldId id="257" r:id="rId3"/>
     <p:sldId id="258" r:id="rId4"/>
+    <p:sldId id="259" r:id="rId5"/>
+    <p:sldId id="261" r:id="rId6"/>
+    <p:sldId id="260" r:id="rId7"/>
+    <p:sldId id="262" r:id="rId8"/>
+    <p:sldId id="263" r:id="rId9"/>
+    <p:sldId id="264" r:id="rId10"/>
+    <p:sldId id="265" r:id="rId11"/>
+    <p:sldId id="266" r:id="rId12"/>
   </p:sldIdLst>
   <p:sldSz cx="12192000" cy="6858000"/>
   <p:notesSz cx="6858000" cy="9144000"/>
@@ -6146,6 +6154,674 @@
 </p:sld>
 </file>
 
+<file path=ppt/slides/slide10.xml><?xml version="1.0" encoding="utf-8"?>
+<p:sld xmlns:a="http://schemas.openxmlformats.org/drawingml/2006/main" xmlns:r="http://schemas.openxmlformats.org/officeDocument/2006/relationships" xmlns:p="http://schemas.openxmlformats.org/presentationml/2006/main">
+  <p:cSld>
+    <p:spTree>
+      <p:nvGrpSpPr>
+        <p:cNvPr id="1" name=""/>
+        <p:cNvGrpSpPr/>
+        <p:nvPr/>
+      </p:nvGrpSpPr>
+      <p:grpSpPr>
+        <a:xfrm>
+          <a:off x="0" y="0"/>
+          <a:ext cx="0" cy="0"/>
+          <a:chOff x="0" y="0"/>
+          <a:chExt cx="0" cy="0"/>
+        </a:xfrm>
+      </p:grpSpPr>
+      <p:sp>
+        <p:nvSpPr>
+          <p:cNvPr id="2" name="Titel 1"/>
+          <p:cNvSpPr>
+            <a:spLocks noGrp="1"/>
+          </p:cNvSpPr>
+          <p:nvPr>
+            <p:ph type="title"/>
+          </p:nvPr>
+        </p:nvSpPr>
+        <p:spPr>
+          <a:xfrm>
+            <a:off x="1484311" y="-4155"/>
+            <a:ext cx="10018713" cy="1752599"/>
+          </a:xfrm>
+        </p:spPr>
+        <p:txBody>
+          <a:bodyPr/>
+          <a:lstStyle/>
+          <a:p>
+            <a:r>
+              <a:rPr lang="de-CH" dirty="0"/>
+              <a:t>Technische </a:t>
+            </a:r>
+            <a:r>
+              <a:rPr lang="de-CH" dirty="0" smtClean="0"/>
+              <a:t>Anforderungen</a:t>
+            </a:r>
+            <a:endParaRPr lang="en-US" dirty="0"/>
+          </a:p>
+        </p:txBody>
+      </p:sp>
+      <p:sp>
+        <p:nvSpPr>
+          <p:cNvPr id="3" name="Inhaltsplatzhalter 2"/>
+          <p:cNvSpPr>
+            <a:spLocks noGrp="1"/>
+          </p:cNvSpPr>
+          <p:nvPr>
+            <p:ph idx="1"/>
+          </p:nvPr>
+        </p:nvSpPr>
+        <p:spPr>
+          <a:xfrm>
+            <a:off x="1384557" y="2151610"/>
+            <a:ext cx="6712039" cy="1771997"/>
+          </a:xfrm>
+        </p:spPr>
+        <p:txBody>
+          <a:bodyPr>
+            <a:normAutofit lnSpcReduction="10000"/>
+          </a:bodyPr>
+          <a:lstStyle/>
+          <a:p>
+            <a:r>
+              <a:rPr lang="de-CH" sz="2000" dirty="0" smtClean="0"/>
+              <a:t>Server Verbindung über </a:t>
+            </a:r>
+            <a:r>
+              <a:rPr lang="de-CH" sz="2000" dirty="0" err="1" smtClean="0"/>
+              <a:t>TCPSocket</a:t>
+            </a:r>
+            <a:r>
+              <a:rPr lang="de-CH" sz="2000" dirty="0" smtClean="0"/>
+              <a:t> (IP und Port)</a:t>
+            </a:r>
+          </a:p>
+          <a:p>
+            <a:r>
+              <a:rPr lang="de-CH" sz="2000" dirty="0" smtClean="0"/>
+              <a:t>Server mit JSON Datenbank</a:t>
+            </a:r>
+          </a:p>
+          <a:p>
+            <a:r>
+              <a:rPr lang="de-CH" sz="2000" dirty="0" err="1" smtClean="0"/>
+              <a:t>Serialized</a:t>
+            </a:r>
+            <a:r>
+              <a:rPr lang="de-CH" sz="2000" dirty="0" smtClean="0"/>
+              <a:t> </a:t>
+            </a:r>
+            <a:r>
+              <a:rPr lang="de-CH" sz="2000" dirty="0" err="1" smtClean="0"/>
+              <a:t>Object</a:t>
+            </a:r>
+            <a:r>
+              <a:rPr lang="de-CH" sz="2000" dirty="0" smtClean="0"/>
+              <a:t> vom Typ Benutzer Class an Server</a:t>
+            </a:r>
+          </a:p>
+          <a:p>
+            <a:r>
+              <a:rPr lang="de-CH" sz="2000" dirty="0" err="1" smtClean="0"/>
+              <a:t>Serialized</a:t>
+            </a:r>
+            <a:r>
+              <a:rPr lang="de-CH" sz="2000" dirty="0" smtClean="0"/>
+              <a:t> </a:t>
+            </a:r>
+            <a:r>
+              <a:rPr lang="de-CH" sz="2000" dirty="0" err="1" smtClean="0"/>
+              <a:t>ArrayList</a:t>
+            </a:r>
+            <a:r>
+              <a:rPr lang="de-CH" sz="2000" dirty="0" smtClean="0"/>
+              <a:t>&lt;Benutzer&gt; an Handy</a:t>
+            </a:r>
+          </a:p>
+          <a:p>
+            <a:endParaRPr lang="en-US" sz="2000" dirty="0"/>
+          </a:p>
+        </p:txBody>
+      </p:sp>
+      <p:pic>
+        <p:nvPicPr>
+          <p:cNvPr id="8194" name="Picture 2" descr="https://3.bp.blogspot.com/-JqKMEYHEfjY/UfvZcNdwbII/AAAAAAAAM2c/JDPO2Uke1LU/s1600/ScreenLock.png"/>
+          <p:cNvPicPr>
+            <a:picLocks noChangeAspect="1" noChangeArrowheads="1"/>
+          </p:cNvPicPr>
+          <p:nvPr/>
+        </p:nvPicPr>
+        <p:blipFill rotWithShape="1">
+          <a:blip r:embed="rId2">
+            <a:extLst>
+              <a:ext uri="{28A0092B-C50C-407E-A947-70E740481C1C}">
+                <a14:useLocalDpi xmlns:a14="http://schemas.microsoft.com/office/drawing/2010/main" val="0"/>
+              </a:ext>
+            </a:extLst>
+          </a:blip>
+          <a:srcRect l="12564" t="7778" r="8141" b="6385"/>
+          <a:stretch/>
+        </p:blipFill>
+        <p:spPr bwMode="auto">
+          <a:xfrm>
+            <a:off x="8911242" y="2394582"/>
+            <a:ext cx="1477077" cy="2667691"/>
+          </a:xfrm>
+          <a:prstGeom prst="rect">
+            <a:avLst/>
+          </a:prstGeom>
+          <a:noFill/>
+          <a:extLst>
+            <a:ext uri="{909E8E84-426E-40DD-AFC4-6F175D3DCCD1}">
+              <a14:hiddenFill xmlns:a14="http://schemas.microsoft.com/office/drawing/2010/main">
+                <a:solidFill>
+                  <a:srgbClr val="FFFFFF"/>
+                </a:solidFill>
+              </a14:hiddenFill>
+            </a:ext>
+          </a:extLst>
+        </p:spPr>
+      </p:pic>
+      <p:grpSp>
+        <p:nvGrpSpPr>
+          <p:cNvPr id="8" name="Gruppieren 7"/>
+          <p:cNvGrpSpPr/>
+          <p:nvPr/>
+        </p:nvGrpSpPr>
+        <p:grpSpPr>
+          <a:xfrm>
+            <a:off x="2779543" y="4594939"/>
+            <a:ext cx="2856024" cy="2152996"/>
+            <a:chOff x="4179467" y="3489919"/>
+            <a:chExt cx="2856024" cy="2152996"/>
+          </a:xfrm>
+        </p:grpSpPr>
+        <p:pic>
+          <p:nvPicPr>
+            <p:cNvPr id="8202" name="Picture 10" descr="http://www.vemag.ch/media/images/saas-large.png"/>
+            <p:cNvPicPr>
+              <a:picLocks noChangeAspect="1" noChangeArrowheads="1"/>
+            </p:cNvPicPr>
+            <p:nvPr/>
+          </p:nvPicPr>
+          <p:blipFill>
+            <a:blip r:embed="rId3">
+              <a:extLst>
+                <a:ext uri="{28A0092B-C50C-407E-A947-70E740481C1C}">
+                  <a14:useLocalDpi xmlns:a14="http://schemas.microsoft.com/office/drawing/2010/main" val="0"/>
+                </a:ext>
+              </a:extLst>
+            </a:blip>
+            <a:srcRect/>
+            <a:stretch>
+              <a:fillRect/>
+            </a:stretch>
+          </p:blipFill>
+          <p:spPr bwMode="auto">
+            <a:xfrm>
+              <a:off x="4436073" y="3489919"/>
+              <a:ext cx="2599418" cy="2152996"/>
+            </a:xfrm>
+            <a:prstGeom prst="rect">
+              <a:avLst/>
+            </a:prstGeom>
+            <a:noFill/>
+            <a:extLst>
+              <a:ext uri="{909E8E84-426E-40DD-AFC4-6F175D3DCCD1}">
+                <a14:hiddenFill xmlns:a14="http://schemas.microsoft.com/office/drawing/2010/main">
+                  <a:solidFill>
+                    <a:srgbClr val="FFFFFF"/>
+                  </a:solidFill>
+                </a14:hiddenFill>
+              </a:ext>
+            </a:extLst>
+          </p:spPr>
+        </p:pic>
+        <p:pic>
+          <p:nvPicPr>
+            <p:cNvPr id="8204" name="Picture 12" descr="http://www.unixstickers.com/image/cache/data/stickers/json/json_bumper.sh-600x600.png"/>
+            <p:cNvPicPr>
+              <a:picLocks noChangeAspect="1" noChangeArrowheads="1"/>
+            </p:cNvPicPr>
+            <p:nvPr/>
+          </p:nvPicPr>
+          <p:blipFill>
+            <a:blip r:embed="rId4">
+              <a:extLst>
+                <a:ext uri="{28A0092B-C50C-407E-A947-70E740481C1C}">
+                  <a14:useLocalDpi xmlns:a14="http://schemas.microsoft.com/office/drawing/2010/main" val="0"/>
+                </a:ext>
+              </a:extLst>
+            </a:blip>
+            <a:srcRect/>
+            <a:stretch>
+              <a:fillRect/>
+            </a:stretch>
+          </p:blipFill>
+          <p:spPr bwMode="auto">
+            <a:xfrm>
+              <a:off x="4179467" y="4414018"/>
+              <a:ext cx="1122218" cy="1122218"/>
+            </a:xfrm>
+            <a:prstGeom prst="rect">
+              <a:avLst/>
+            </a:prstGeom>
+            <a:noFill/>
+            <a:extLst>
+              <a:ext uri="{909E8E84-426E-40DD-AFC4-6F175D3DCCD1}">
+                <a14:hiddenFill xmlns:a14="http://schemas.microsoft.com/office/drawing/2010/main">
+                  <a:solidFill>
+                    <a:srgbClr val="FFFFFF"/>
+                  </a:solidFill>
+                </a14:hiddenFill>
+              </a:ext>
+            </a:extLst>
+          </p:spPr>
+        </p:pic>
+      </p:grpSp>
+      <p:pic>
+        <p:nvPicPr>
+          <p:cNvPr id="12" name="Picture 2" descr="https://3.bp.blogspot.com/-JqKMEYHEfjY/UfvZcNdwbII/AAAAAAAAM2c/JDPO2Uke1LU/s1600/ScreenLock.png"/>
+          <p:cNvPicPr>
+            <a:picLocks noChangeAspect="1" noChangeArrowheads="1"/>
+          </p:cNvPicPr>
+          <p:nvPr/>
+        </p:nvPicPr>
+        <p:blipFill rotWithShape="1">
+          <a:blip r:embed="rId2">
+            <a:extLst>
+              <a:ext uri="{28A0092B-C50C-407E-A947-70E740481C1C}">
+                <a14:useLocalDpi xmlns:a14="http://schemas.microsoft.com/office/drawing/2010/main" val="0"/>
+              </a:ext>
+            </a:extLst>
+          </a:blip>
+          <a:srcRect l="12564" t="7778" r="8141" b="6385"/>
+          <a:stretch/>
+        </p:blipFill>
+        <p:spPr bwMode="auto">
+          <a:xfrm>
+            <a:off x="7314604" y="2151610"/>
+            <a:ext cx="1477077" cy="2667691"/>
+          </a:xfrm>
+          <a:prstGeom prst="rect">
+            <a:avLst/>
+          </a:prstGeom>
+          <a:noFill/>
+          <a:extLst>
+            <a:ext uri="{909E8E84-426E-40DD-AFC4-6F175D3DCCD1}">
+              <a14:hiddenFill xmlns:a14="http://schemas.microsoft.com/office/drawing/2010/main">
+                <a:solidFill>
+                  <a:srgbClr val="FFFFFF"/>
+                </a:solidFill>
+              </a14:hiddenFill>
+            </a:ext>
+          </a:extLst>
+        </p:spPr>
+      </p:pic>
+      <p:pic>
+        <p:nvPicPr>
+          <p:cNvPr id="13" name="Picture 2" descr="https://3.bp.blogspot.com/-JqKMEYHEfjY/UfvZcNdwbII/AAAAAAAAM2c/JDPO2Uke1LU/s1600/ScreenLock.png"/>
+          <p:cNvPicPr>
+            <a:picLocks noChangeAspect="1" noChangeArrowheads="1"/>
+          </p:cNvPicPr>
+          <p:nvPr/>
+        </p:nvPicPr>
+        <p:blipFill rotWithShape="1">
+          <a:blip r:embed="rId2">
+            <a:extLst>
+              <a:ext uri="{28A0092B-C50C-407E-A947-70E740481C1C}">
+                <a14:useLocalDpi xmlns:a14="http://schemas.microsoft.com/office/drawing/2010/main" val="0"/>
+              </a:ext>
+            </a:extLst>
+          </a:blip>
+          <a:srcRect l="12564" t="7778" r="8141" b="6385"/>
+          <a:stretch/>
+        </p:blipFill>
+        <p:spPr bwMode="auto">
+          <a:xfrm>
+            <a:off x="10388319" y="2813335"/>
+            <a:ext cx="1477077" cy="2667691"/>
+          </a:xfrm>
+          <a:prstGeom prst="rect">
+            <a:avLst/>
+          </a:prstGeom>
+          <a:noFill/>
+          <a:extLst>
+            <a:ext uri="{909E8E84-426E-40DD-AFC4-6F175D3DCCD1}">
+              <a14:hiddenFill xmlns:a14="http://schemas.microsoft.com/office/drawing/2010/main">
+                <a:solidFill>
+                  <a:srgbClr val="FFFFFF"/>
+                </a:solidFill>
+              </a14:hiddenFill>
+            </a:ext>
+          </a:extLst>
+        </p:spPr>
+      </p:pic>
+      <p:cxnSp>
+        <p:nvCxnSpPr>
+          <p:cNvPr id="10" name="Gerade Verbindung mit Pfeil 9"/>
+          <p:cNvCxnSpPr/>
+          <p:nvPr/>
+        </p:nvCxnSpPr>
+        <p:spPr>
+          <a:xfrm flipH="1">
+            <a:off x="5228705" y="4081549"/>
+            <a:ext cx="1966338" cy="737752"/>
+          </a:xfrm>
+          <a:prstGeom prst="straightConnector1">
+            <a:avLst/>
+          </a:prstGeom>
+          <a:ln w="57150">
+            <a:tailEnd type="triangle"/>
+          </a:ln>
+        </p:spPr>
+        <p:style>
+          <a:lnRef idx="3">
+            <a:schemeClr val="dk1"/>
+          </a:lnRef>
+          <a:fillRef idx="0">
+            <a:schemeClr val="dk1"/>
+          </a:fillRef>
+          <a:effectRef idx="2">
+            <a:schemeClr val="dk1"/>
+          </a:effectRef>
+          <a:fontRef idx="minor">
+            <a:schemeClr val="tx1"/>
+          </a:fontRef>
+        </p:style>
+      </p:cxnSp>
+      <p:cxnSp>
+        <p:nvCxnSpPr>
+          <p:cNvPr id="26" name="Gerade Verbindung mit Pfeil 25"/>
+          <p:cNvCxnSpPr/>
+          <p:nvPr/>
+        </p:nvCxnSpPr>
+        <p:spPr>
+          <a:xfrm flipV="1">
+            <a:off x="5635567" y="4831854"/>
+            <a:ext cx="2417575" cy="1003681"/>
+          </a:xfrm>
+          <a:prstGeom prst="straightConnector1">
+            <a:avLst/>
+          </a:prstGeom>
+          <a:ln w="57150">
+            <a:tailEnd type="triangle"/>
+          </a:ln>
+        </p:spPr>
+        <p:style>
+          <a:lnRef idx="3">
+            <a:schemeClr val="dk1"/>
+          </a:lnRef>
+          <a:fillRef idx="0">
+            <a:schemeClr val="dk1"/>
+          </a:fillRef>
+          <a:effectRef idx="2">
+            <a:schemeClr val="dk1"/>
+          </a:effectRef>
+          <a:fontRef idx="minor">
+            <a:schemeClr val="tx1"/>
+          </a:fontRef>
+        </p:style>
+      </p:cxnSp>
+      <p:sp>
+        <p:nvSpPr>
+          <p:cNvPr id="29" name="Textfeld 28"/>
+          <p:cNvSpPr txBox="1"/>
+          <p:nvPr/>
+        </p:nvSpPr>
+        <p:spPr>
+          <a:xfrm rot="20412229">
+            <a:off x="5469777" y="4129215"/>
+            <a:ext cx="1382439" cy="307777"/>
+          </a:xfrm>
+          <a:prstGeom prst="rect">
+            <a:avLst/>
+          </a:prstGeom>
+          <a:noFill/>
+        </p:spPr>
+        <p:txBody>
+          <a:bodyPr wrap="square" rtlCol="0">
+            <a:spAutoFit/>
+          </a:bodyPr>
+          <a:lstStyle/>
+          <a:p>
+            <a:r>
+              <a:rPr lang="de-CH" sz="1400" dirty="0" smtClean="0"/>
+              <a:t>Benutzer </a:t>
+            </a:r>
+            <a:r>
+              <a:rPr lang="de-CH" sz="1400" dirty="0" err="1" smtClean="0"/>
+              <a:t>class</a:t>
+            </a:r>
+            <a:endParaRPr lang="en-US" sz="1400" dirty="0"/>
+          </a:p>
+        </p:txBody>
+      </p:sp>
+      <p:sp>
+        <p:nvSpPr>
+          <p:cNvPr id="33" name="Textfeld 32"/>
+          <p:cNvSpPr txBox="1"/>
+          <p:nvPr/>
+        </p:nvSpPr>
+        <p:spPr>
+          <a:xfrm rot="20351987">
+            <a:off x="5883367" y="5024632"/>
+            <a:ext cx="1856966" cy="307777"/>
+          </a:xfrm>
+          <a:prstGeom prst="rect">
+            <a:avLst/>
+          </a:prstGeom>
+          <a:noFill/>
+        </p:spPr>
+        <p:txBody>
+          <a:bodyPr wrap="square" rtlCol="0">
+            <a:spAutoFit/>
+          </a:bodyPr>
+          <a:lstStyle/>
+          <a:p>
+            <a:r>
+              <a:rPr lang="de-CH" sz="1400" dirty="0" err="1"/>
+              <a:t>ArrayList</a:t>
+            </a:r>
+            <a:r>
+              <a:rPr lang="de-CH" sz="1400" dirty="0"/>
+              <a:t>&lt;Benutzer&gt;</a:t>
+            </a:r>
+            <a:endParaRPr lang="en-US" sz="1400" dirty="0"/>
+          </a:p>
+        </p:txBody>
+      </p:sp>
+    </p:spTree>
+    <p:extLst>
+      <p:ext uri="{BB962C8B-B14F-4D97-AF65-F5344CB8AC3E}">
+        <p14:creationId xmlns:p14="http://schemas.microsoft.com/office/powerpoint/2010/main" val="227312534"/>
+      </p:ext>
+    </p:extLst>
+  </p:cSld>
+  <p:clrMapOvr>
+    <a:masterClrMapping/>
+  </p:clrMapOvr>
+  <p:timing>
+    <p:tnLst>
+      <p:par>
+        <p:cTn id="1" dur="indefinite" restart="never" nodeType="tmRoot"/>
+      </p:par>
+    </p:tnLst>
+  </p:timing>
+</p:sld>
+</file>
+
+<file path=ppt/slides/slide11.xml><?xml version="1.0" encoding="utf-8"?>
+<p:sld xmlns:a="http://schemas.openxmlformats.org/drawingml/2006/main" xmlns:r="http://schemas.openxmlformats.org/officeDocument/2006/relationships" xmlns:p="http://schemas.openxmlformats.org/presentationml/2006/main">
+  <p:cSld>
+    <p:spTree>
+      <p:nvGrpSpPr>
+        <p:cNvPr id="1" name=""/>
+        <p:cNvGrpSpPr/>
+        <p:nvPr/>
+      </p:nvGrpSpPr>
+      <p:grpSpPr>
+        <a:xfrm>
+          <a:off x="0" y="0"/>
+          <a:ext cx="0" cy="0"/>
+          <a:chOff x="0" y="0"/>
+          <a:chExt cx="0" cy="0"/>
+        </a:xfrm>
+      </p:grpSpPr>
+      <p:sp>
+        <p:nvSpPr>
+          <p:cNvPr id="2" name="Titel 1"/>
+          <p:cNvSpPr>
+            <a:spLocks noGrp="1"/>
+          </p:cNvSpPr>
+          <p:nvPr>
+            <p:ph type="title"/>
+          </p:nvPr>
+        </p:nvSpPr>
+        <p:spPr>
+          <a:xfrm>
+            <a:off x="1484311" y="-4155"/>
+            <a:ext cx="10018713" cy="1752599"/>
+          </a:xfrm>
+        </p:spPr>
+        <p:txBody>
+          <a:bodyPr/>
+          <a:lstStyle/>
+          <a:p>
+            <a:r>
+              <a:rPr lang="de-CH" dirty="0"/>
+              <a:t>Technische </a:t>
+            </a:r>
+            <a:r>
+              <a:rPr lang="de-CH" dirty="0" smtClean="0"/>
+              <a:t>Anforderungen</a:t>
+            </a:r>
+            <a:endParaRPr lang="en-US" dirty="0"/>
+          </a:p>
+        </p:txBody>
+      </p:sp>
+      <p:sp>
+        <p:nvSpPr>
+          <p:cNvPr id="3" name="Inhaltsplatzhalter 2"/>
+          <p:cNvSpPr>
+            <a:spLocks noGrp="1"/>
+          </p:cNvSpPr>
+          <p:nvPr>
+            <p:ph idx="1"/>
+          </p:nvPr>
+        </p:nvSpPr>
+        <p:spPr>
+          <a:xfrm>
+            <a:off x="1384557" y="2151610"/>
+            <a:ext cx="6712039" cy="1771997"/>
+          </a:xfrm>
+        </p:spPr>
+        <p:txBody>
+          <a:bodyPr>
+            <a:normAutofit/>
+          </a:bodyPr>
+          <a:lstStyle/>
+          <a:p>
+            <a:r>
+              <a:rPr lang="de-CH" sz="2000" dirty="0" smtClean="0"/>
+              <a:t>Lokale Persistenz</a:t>
+            </a:r>
+          </a:p>
+          <a:p>
+            <a:r>
+              <a:rPr lang="de-CH" sz="2000" dirty="0" smtClean="0"/>
+              <a:t>JSON File für Freunde und eigene Benutzerdaten</a:t>
+            </a:r>
+            <a:endParaRPr lang="en-US" sz="2000" dirty="0"/>
+          </a:p>
+        </p:txBody>
+      </p:sp>
+      <p:pic>
+        <p:nvPicPr>
+          <p:cNvPr id="14" name="Grafik 13"/>
+          <p:cNvPicPr>
+            <a:picLocks noChangeAspect="1"/>
+          </p:cNvPicPr>
+          <p:nvPr/>
+        </p:nvPicPr>
+        <p:blipFill rotWithShape="1">
+          <a:blip r:embed="rId2"/>
+          <a:srcRect l="31652" t="54983" r="40961" b="32280"/>
+          <a:stretch/>
+        </p:blipFill>
+        <p:spPr>
+          <a:xfrm>
+            <a:off x="3306099" y="3768437"/>
+            <a:ext cx="6951635" cy="1751215"/>
+          </a:xfrm>
+          <a:prstGeom prst="rect">
+            <a:avLst/>
+          </a:prstGeom>
+        </p:spPr>
+      </p:pic>
+      <p:pic>
+        <p:nvPicPr>
+          <p:cNvPr id="15" name="Picture 12" descr="http://www.unixstickers.com/image/cache/data/stickers/json/json_bumper.sh-600x600.png"/>
+          <p:cNvPicPr>
+            <a:picLocks noChangeAspect="1" noChangeArrowheads="1"/>
+          </p:cNvPicPr>
+          <p:nvPr/>
+        </p:nvPicPr>
+        <p:blipFill>
+          <a:blip r:embed="rId3">
+            <a:extLst>
+              <a:ext uri="{28A0092B-C50C-407E-A947-70E740481C1C}">
+                <a14:useLocalDpi xmlns:a14="http://schemas.microsoft.com/office/drawing/2010/main" val="0"/>
+              </a:ext>
+            </a:extLst>
+          </a:blip>
+          <a:srcRect/>
+          <a:stretch>
+            <a:fillRect/>
+          </a:stretch>
+        </p:blipFill>
+        <p:spPr bwMode="auto">
+          <a:xfrm>
+            <a:off x="1640699" y="4082935"/>
+            <a:ext cx="1122218" cy="1122218"/>
+          </a:xfrm>
+          <a:prstGeom prst="rect">
+            <a:avLst/>
+          </a:prstGeom>
+          <a:noFill/>
+          <a:extLst>
+            <a:ext uri="{909E8E84-426E-40DD-AFC4-6F175D3DCCD1}">
+              <a14:hiddenFill xmlns:a14="http://schemas.microsoft.com/office/drawing/2010/main">
+                <a:solidFill>
+                  <a:srgbClr val="FFFFFF"/>
+                </a:solidFill>
+              </a14:hiddenFill>
+            </a:ext>
+          </a:extLst>
+        </p:spPr>
+      </p:pic>
+    </p:spTree>
+    <p:extLst>
+      <p:ext uri="{BB962C8B-B14F-4D97-AF65-F5344CB8AC3E}">
+        <p14:creationId xmlns:p14="http://schemas.microsoft.com/office/powerpoint/2010/main" val="925257231"/>
+      </p:ext>
+    </p:extLst>
+  </p:cSld>
+  <p:clrMapOvr>
+    <a:masterClrMapping/>
+  </p:clrMapOvr>
+  <p:timing>
+    <p:tnLst>
+      <p:par>
+        <p:cTn id="1" dur="indefinite" restart="never" nodeType="tmRoot"/>
+      </p:par>
+    </p:tnLst>
+  </p:timing>
+</p:sld>
+</file>
+
 <file path=ppt/slides/slide2.xml><?xml version="1.0" encoding="utf-8"?>
 <p:sld xmlns:a="http://schemas.openxmlformats.org/drawingml/2006/main" xmlns:r="http://schemas.openxmlformats.org/officeDocument/2006/relationships" xmlns:p="http://schemas.openxmlformats.org/presentationml/2006/main">
   <p:cSld>
@@ -6233,6 +6909,12 @@
             <a:r>
               <a:rPr lang="de-CH" dirty="0" smtClean="0"/>
               <a:t>Probleme</a:t>
+            </a:r>
+          </a:p>
+          <a:p>
+            <a:r>
+              <a:rPr lang="de-CH" dirty="0" smtClean="0"/>
+              <a:t>Demo</a:t>
             </a:r>
             <a:endParaRPr lang="en-US" dirty="0"/>
           </a:p>
@@ -6285,7 +6967,12 @@
             <p:ph type="title"/>
           </p:nvPr>
         </p:nvSpPr>
-        <p:spPr/>
+        <p:spPr>
+          <a:xfrm>
+            <a:off x="1484310" y="0"/>
+            <a:ext cx="5872453" cy="1008610"/>
+          </a:xfrm>
+        </p:spPr>
         <p:txBody>
           <a:bodyPr/>
           <a:lstStyle/>
@@ -6312,71 +6999,1195 @@
             <p:ph idx="1"/>
           </p:nvPr>
         </p:nvSpPr>
-        <p:spPr/>
-        <p:txBody>
-          <a:bodyPr/>
+        <p:spPr>
+          <a:xfrm>
+            <a:off x="8753302" y="1"/>
+            <a:ext cx="3438698" cy="2518756"/>
+          </a:xfrm>
+        </p:spPr>
+        <p:txBody>
+          <a:bodyPr>
+            <a:normAutofit/>
+          </a:bodyPr>
           <a:lstStyle/>
           <a:p>
             <a:r>
-              <a:rPr lang="de-CH" dirty="0" err="1" smtClean="0"/>
+              <a:rPr lang="de-CH" sz="1400" dirty="0" err="1" smtClean="0"/>
               <a:t>Indoor</a:t>
             </a:r>
             <a:r>
-              <a:rPr lang="de-CH" dirty="0" smtClean="0"/>
+              <a:rPr lang="de-CH" sz="1400" dirty="0" smtClean="0"/>
               <a:t> Personensuche</a:t>
             </a:r>
           </a:p>
           <a:p>
             <a:pPr lvl="1"/>
             <a:r>
-              <a:rPr lang="de-CH" dirty="0" smtClean="0"/>
+              <a:rPr lang="de-CH" sz="1200" dirty="0" smtClean="0"/>
               <a:t>Eintragen eigener Position</a:t>
             </a:r>
           </a:p>
           <a:p>
             <a:pPr lvl="1"/>
             <a:r>
-              <a:rPr lang="de-CH" dirty="0" smtClean="0"/>
+              <a:rPr lang="de-CH" sz="1200" dirty="0" smtClean="0"/>
               <a:t>Suche von Freunden</a:t>
             </a:r>
-            <a:endParaRPr lang="en-US" dirty="0" smtClean="0"/>
+            <a:endParaRPr lang="en-US" sz="1200" dirty="0" smtClean="0"/>
           </a:p>
           <a:p>
             <a:pPr lvl="1"/>
             <a:r>
-              <a:rPr lang="de-CH" dirty="0" smtClean="0"/>
+              <a:rPr lang="de-CH" sz="1200" dirty="0" smtClean="0"/>
               <a:t>Filtern von Personen</a:t>
             </a:r>
           </a:p>
           <a:p>
             <a:pPr lvl="1"/>
             <a:r>
-              <a:rPr lang="de-CH" dirty="0" smtClean="0"/>
+              <a:rPr lang="de-CH" sz="1200" dirty="0" smtClean="0"/>
               <a:t>Persönliche </a:t>
             </a:r>
             <a:r>
-              <a:rPr lang="de-CH" dirty="0" err="1" smtClean="0"/>
+              <a:rPr lang="de-CH" sz="1200" dirty="0" err="1" smtClean="0"/>
               <a:t>Friendslist</a:t>
             </a:r>
-            <a:endParaRPr lang="de-CH" dirty="0" smtClean="0"/>
+            <a:endParaRPr lang="de-CH" sz="1200" dirty="0" smtClean="0"/>
           </a:p>
           <a:p>
             <a:pPr lvl="1"/>
             <a:r>
-              <a:rPr lang="de-CH" dirty="0" smtClean="0"/>
-              <a:t>Persönliche Daten </a:t>
-            </a:r>
-            <a:r>
-              <a:rPr lang="de-CH" smtClean="0"/>
-              <a:t>lokal gespeichert</a:t>
-            </a:r>
-          </a:p>
-        </p:txBody>
-      </p:sp>
+              <a:rPr lang="de-CH" sz="1200" dirty="0" smtClean="0"/>
+              <a:t>Persönliche Daten lokal gespeichert</a:t>
+            </a:r>
+          </a:p>
+        </p:txBody>
+      </p:sp>
+      <p:pic>
+        <p:nvPicPr>
+          <p:cNvPr id="1026" name="Picture 2" descr="http://theshellfishpig.co.uk/wp-content/uploads/2015/03/Find-me-graphic.jpg"/>
+          <p:cNvPicPr>
+            <a:picLocks noChangeAspect="1" noChangeArrowheads="1"/>
+          </p:cNvPicPr>
+          <p:nvPr/>
+        </p:nvPicPr>
+        <p:blipFill>
+          <a:blip r:embed="rId2">
+            <a:extLst>
+              <a:ext uri="{BEBA8EAE-BF5A-486C-A8C5-ECC9F3942E4B}">
+                <a14:imgProps xmlns:a14="http://schemas.microsoft.com/office/drawing/2010/main">
+                  <a14:imgLayer r:embed="rId3">
+                    <a14:imgEffect>
+                      <a14:backgroundRemoval t="0" b="100000" l="0" r="100000">
+                        <a14:foregroundMark x1="20339" y1="25424" x2="20339" y2="25424"/>
+                        <a14:foregroundMark x1="36271" y1="25424" x2="37627" y2="43390"/>
+                        <a14:foregroundMark x1="46441" y1="22034" x2="46102" y2="46780"/>
+                        <a14:foregroundMark x1="49153" y1="25085" x2="61017" y2="42373"/>
+                        <a14:foregroundMark x1="57288" y1="17627" x2="57627" y2="33559"/>
+                        <a14:foregroundMark x1="65763" y1="19661" x2="70847" y2="37627"/>
+                        <a14:foregroundMark x1="71525" y1="22373" x2="67797" y2="38305"/>
+                        <a14:foregroundMark x1="23390" y1="22034" x2="31525" y2="17288"/>
+                        <a14:foregroundMark x1="21356" y1="33220" x2="27119" y2="47797"/>
+                        <a14:foregroundMark x1="25763" y1="46102" x2="22034" y2="56271"/>
+                        <a14:foregroundMark x1="32203" y1="69831" x2="76271" y2="59661"/>
+                        <a14:foregroundMark x1="62712" y1="52881" x2="67797" y2="82712"/>
+                        <a14:foregroundMark x1="38983" y1="82373" x2="52881" y2="68475"/>
+                        <a14:foregroundMark x1="73559" y1="76949" x2="73559" y2="76949"/>
+                        <a14:foregroundMark x1="55254" y1="73559" x2="55254" y2="73559"/>
+                        <a14:foregroundMark x1="73559" y1="32542" x2="73559" y2="32542"/>
+                      </a14:backgroundRemoval>
+                    </a14:imgEffect>
+                  </a14:imgLayer>
+                </a14:imgProps>
+              </a:ext>
+              <a:ext uri="{28A0092B-C50C-407E-A947-70E740481C1C}">
+                <a14:useLocalDpi xmlns:a14="http://schemas.microsoft.com/office/drawing/2010/main" val="0"/>
+              </a:ext>
+            </a:extLst>
+          </a:blip>
+          <a:srcRect/>
+          <a:stretch>
+            <a:fillRect/>
+          </a:stretch>
+        </p:blipFill>
+        <p:spPr bwMode="auto">
+          <a:xfrm>
+            <a:off x="4277114" y="2518757"/>
+            <a:ext cx="2044929" cy="2044930"/>
+          </a:xfrm>
+          <a:prstGeom prst="rect">
+            <a:avLst/>
+          </a:prstGeom>
+          <a:noFill/>
+          <a:extLst>
+            <a:ext uri="{909E8E84-426E-40DD-AFC4-6F175D3DCCD1}">
+              <a14:hiddenFill xmlns:a14="http://schemas.microsoft.com/office/drawing/2010/main">
+                <a:solidFill>
+                  <a:srgbClr val="FFFFFF"/>
+                </a:solidFill>
+              </a14:hiddenFill>
+            </a:ext>
+          </a:extLst>
+        </p:spPr>
+      </p:pic>
     </p:spTree>
     <p:extLst>
       <p:ext uri="{BB962C8B-B14F-4D97-AF65-F5344CB8AC3E}">
         <p14:creationId xmlns:p14="http://schemas.microsoft.com/office/powerpoint/2010/main" val="1295932078"/>
+      </p:ext>
+    </p:extLst>
+  </p:cSld>
+  <p:clrMapOvr>
+    <a:masterClrMapping/>
+  </p:clrMapOvr>
+  <p:timing>
+    <p:tnLst>
+      <p:par>
+        <p:cTn id="1" dur="indefinite" restart="never" nodeType="tmRoot"/>
+      </p:par>
+    </p:tnLst>
+  </p:timing>
+</p:sld>
+</file>
+
+<file path=ppt/slides/slide4.xml><?xml version="1.0" encoding="utf-8"?>
+<p:sld xmlns:a="http://schemas.openxmlformats.org/drawingml/2006/main" xmlns:r="http://schemas.openxmlformats.org/officeDocument/2006/relationships" xmlns:p="http://schemas.openxmlformats.org/presentationml/2006/main">
+  <p:cSld>
+    <p:spTree>
+      <p:nvGrpSpPr>
+        <p:cNvPr id="1" name=""/>
+        <p:cNvGrpSpPr/>
+        <p:nvPr/>
+      </p:nvGrpSpPr>
+      <p:grpSpPr>
+        <a:xfrm>
+          <a:off x="0" y="0"/>
+          <a:ext cx="0" cy="0"/>
+          <a:chOff x="0" y="0"/>
+          <a:chExt cx="0" cy="0"/>
+        </a:xfrm>
+      </p:grpSpPr>
+      <p:sp>
+        <p:nvSpPr>
+          <p:cNvPr id="2" name="Titel 1"/>
+          <p:cNvSpPr>
+            <a:spLocks noGrp="1"/>
+          </p:cNvSpPr>
+          <p:nvPr>
+            <p:ph type="title"/>
+          </p:nvPr>
+        </p:nvSpPr>
+        <p:spPr>
+          <a:xfrm>
+            <a:off x="1484310" y="0"/>
+            <a:ext cx="5872453" cy="1008610"/>
+          </a:xfrm>
+        </p:spPr>
+        <p:txBody>
+          <a:bodyPr/>
+          <a:lstStyle/>
+          <a:p>
+            <a:r>
+              <a:rPr lang="de-CH" dirty="0" smtClean="0"/>
+              <a:t>Features von </a:t>
+            </a:r>
+            <a:r>
+              <a:rPr lang="de-CH" dirty="0" err="1" smtClean="0"/>
+              <a:t>FindMe</a:t>
+            </a:r>
+            <a:endParaRPr lang="en-US" dirty="0"/>
+          </a:p>
+        </p:txBody>
+      </p:sp>
+      <p:sp>
+        <p:nvSpPr>
+          <p:cNvPr id="3" name="Inhaltsplatzhalter 2"/>
+          <p:cNvSpPr>
+            <a:spLocks noGrp="1"/>
+          </p:cNvSpPr>
+          <p:nvPr>
+            <p:ph idx="1"/>
+          </p:nvPr>
+        </p:nvSpPr>
+        <p:spPr>
+          <a:xfrm>
+            <a:off x="8753302" y="1"/>
+            <a:ext cx="3438698" cy="2518756"/>
+          </a:xfrm>
+        </p:spPr>
+        <p:txBody>
+          <a:bodyPr>
+            <a:normAutofit/>
+          </a:bodyPr>
+          <a:lstStyle/>
+          <a:p>
+            <a:r>
+              <a:rPr lang="de-CH" sz="1400" dirty="0" err="1" smtClean="0"/>
+              <a:t>Indoor</a:t>
+            </a:r>
+            <a:r>
+              <a:rPr lang="de-CH" sz="1400" dirty="0" smtClean="0"/>
+              <a:t> Personensuche</a:t>
+            </a:r>
+          </a:p>
+          <a:p>
+            <a:pPr lvl="1"/>
+            <a:r>
+              <a:rPr lang="de-CH" sz="1600" b="1" dirty="0" smtClean="0"/>
+              <a:t>Eintragen eigener Position</a:t>
+            </a:r>
+          </a:p>
+          <a:p>
+            <a:pPr lvl="1"/>
+            <a:r>
+              <a:rPr lang="de-CH" sz="1200" dirty="0" smtClean="0"/>
+              <a:t>Suche von Freunden</a:t>
+            </a:r>
+            <a:endParaRPr lang="en-US" sz="1200" dirty="0" smtClean="0"/>
+          </a:p>
+          <a:p>
+            <a:pPr lvl="1"/>
+            <a:r>
+              <a:rPr lang="de-CH" sz="1200" dirty="0" smtClean="0"/>
+              <a:t>Filtern von Personen</a:t>
+            </a:r>
+          </a:p>
+          <a:p>
+            <a:pPr lvl="1"/>
+            <a:r>
+              <a:rPr lang="de-CH" sz="1200" dirty="0" smtClean="0"/>
+              <a:t>Persönliche </a:t>
+            </a:r>
+            <a:r>
+              <a:rPr lang="de-CH" sz="1200" dirty="0" err="1" smtClean="0"/>
+              <a:t>Friendslist</a:t>
+            </a:r>
+            <a:endParaRPr lang="de-CH" sz="1200" dirty="0" smtClean="0"/>
+          </a:p>
+          <a:p>
+            <a:pPr lvl="1"/>
+            <a:r>
+              <a:rPr lang="de-CH" sz="1200" dirty="0" smtClean="0"/>
+              <a:t>Persönliche Daten lokal gespeichert</a:t>
+            </a:r>
+          </a:p>
+        </p:txBody>
+      </p:sp>
+      <p:pic>
+        <p:nvPicPr>
+          <p:cNvPr id="5" name="Grafik 4"/>
+          <p:cNvPicPr>
+            <a:picLocks noChangeAspect="1"/>
+          </p:cNvPicPr>
+          <p:nvPr/>
+        </p:nvPicPr>
+        <p:blipFill>
+          <a:blip r:embed="rId2">
+            <a:extLst>
+              <a:ext uri="{BEBA8EAE-BF5A-486C-A8C5-ECC9F3942E4B}">
+                <a14:imgProps xmlns:a14="http://schemas.microsoft.com/office/drawing/2010/main">
+                  <a14:imgLayer r:embed="rId3">
+                    <a14:imgEffect>
+                      <a14:backgroundRemoval t="1984" b="99067" l="3320" r="95021">
+                        <a14:foregroundMark x1="30913" y1="57876" x2="72407" y2="57410"/>
+                        <a14:foregroundMark x1="41494" y1="63011" x2="61618" y2="63827"/>
+                        <a14:backgroundMark x1="35062" y1="3734" x2="35062" y2="3734"/>
+                        <a14:backgroundMark x1="35477" y1="3734" x2="69917" y2="3384"/>
+                        <a14:backgroundMark x1="64523" y1="3851" x2="86100" y2="4784"/>
+                        <a14:backgroundMark x1="87759" y1="5251" x2="87759" y2="5251"/>
+                      </a14:backgroundRemoval>
+                    </a14:imgEffect>
+                  </a14:imgLayer>
+                </a14:imgProps>
+              </a:ext>
+            </a:extLst>
+          </a:blip>
+          <a:stretch>
+            <a:fillRect/>
+          </a:stretch>
+        </p:blipFill>
+        <p:spPr>
+          <a:xfrm>
+            <a:off x="3767121" y="723899"/>
+            <a:ext cx="3403645" cy="6051710"/>
+          </a:xfrm>
+          <a:prstGeom prst="rect">
+            <a:avLst/>
+          </a:prstGeom>
+        </p:spPr>
+      </p:pic>
+    </p:spTree>
+    <p:extLst>
+      <p:ext uri="{BB962C8B-B14F-4D97-AF65-F5344CB8AC3E}">
+        <p14:creationId xmlns:p14="http://schemas.microsoft.com/office/powerpoint/2010/main" val="2409040467"/>
+      </p:ext>
+    </p:extLst>
+  </p:cSld>
+  <p:clrMapOvr>
+    <a:masterClrMapping/>
+  </p:clrMapOvr>
+  <p:timing>
+    <p:tnLst>
+      <p:par>
+        <p:cTn id="1" dur="indefinite" restart="never" nodeType="tmRoot"/>
+      </p:par>
+    </p:tnLst>
+  </p:timing>
+</p:sld>
+</file>
+
+<file path=ppt/slides/slide5.xml><?xml version="1.0" encoding="utf-8"?>
+<p:sld xmlns:a="http://schemas.openxmlformats.org/drawingml/2006/main" xmlns:r="http://schemas.openxmlformats.org/officeDocument/2006/relationships" xmlns:p="http://schemas.openxmlformats.org/presentationml/2006/main">
+  <p:cSld>
+    <p:spTree>
+      <p:nvGrpSpPr>
+        <p:cNvPr id="1" name=""/>
+        <p:cNvGrpSpPr/>
+        <p:nvPr/>
+      </p:nvGrpSpPr>
+      <p:grpSpPr>
+        <a:xfrm>
+          <a:off x="0" y="0"/>
+          <a:ext cx="0" cy="0"/>
+          <a:chOff x="0" y="0"/>
+          <a:chExt cx="0" cy="0"/>
+        </a:xfrm>
+      </p:grpSpPr>
+      <p:pic>
+        <p:nvPicPr>
+          <p:cNvPr id="5" name="Grafik 4"/>
+          <p:cNvPicPr>
+            <a:picLocks noChangeAspect="1"/>
+          </p:cNvPicPr>
+          <p:nvPr/>
+        </p:nvPicPr>
+        <p:blipFill>
+          <a:blip r:embed="rId2">
+            <a:extLst>
+              <a:ext uri="{BEBA8EAE-BF5A-486C-A8C5-ECC9F3942E4B}">
+                <a14:imgProps xmlns:a14="http://schemas.microsoft.com/office/drawing/2010/main">
+                  <a14:imgLayer r:embed="rId3">
+                    <a14:imgEffect>
+                      <a14:backgroundRemoval t="2800" b="98250" l="5187" r="95643">
+                        <a14:backgroundMark x1="37759" y1="3501" x2="60373" y2="3384"/>
+                        <a14:backgroundMark x1="74481" y1="3734" x2="74481" y2="3734"/>
+                        <a14:backgroundMark x1="80083" y1="4201" x2="80083" y2="4201"/>
+                        <a14:backgroundMark x1="88797" y1="5601" x2="73237" y2="3734"/>
+                        <a14:backgroundMark x1="69917" y1="4084" x2="54357" y2="4084"/>
+                        <a14:backgroundMark x1="35270" y1="3851" x2="35270" y2="3851"/>
+                      </a14:backgroundRemoval>
+                    </a14:imgEffect>
+                  </a14:imgLayer>
+                </a14:imgProps>
+              </a:ext>
+            </a:extLst>
+          </a:blip>
+          <a:stretch>
+            <a:fillRect/>
+          </a:stretch>
+        </p:blipFill>
+        <p:spPr>
+          <a:xfrm>
+            <a:off x="3758807" y="664908"/>
+            <a:ext cx="3451299" cy="6136438"/>
+          </a:xfrm>
+          <a:prstGeom prst="rect">
+            <a:avLst/>
+          </a:prstGeom>
+        </p:spPr>
+      </p:pic>
+      <p:sp>
+        <p:nvSpPr>
+          <p:cNvPr id="2" name="Titel 1"/>
+          <p:cNvSpPr>
+            <a:spLocks noGrp="1"/>
+          </p:cNvSpPr>
+          <p:nvPr>
+            <p:ph type="title"/>
+          </p:nvPr>
+        </p:nvSpPr>
+        <p:spPr>
+          <a:xfrm>
+            <a:off x="1484310" y="0"/>
+            <a:ext cx="5872453" cy="1008610"/>
+          </a:xfrm>
+        </p:spPr>
+        <p:txBody>
+          <a:bodyPr/>
+          <a:lstStyle/>
+          <a:p>
+            <a:r>
+              <a:rPr lang="de-CH" dirty="0" smtClean="0"/>
+              <a:t>Features von </a:t>
+            </a:r>
+            <a:r>
+              <a:rPr lang="de-CH" dirty="0" err="1" smtClean="0"/>
+              <a:t>FindMe</a:t>
+            </a:r>
+            <a:endParaRPr lang="en-US" dirty="0"/>
+          </a:p>
+        </p:txBody>
+      </p:sp>
+      <p:sp>
+        <p:nvSpPr>
+          <p:cNvPr id="3" name="Inhaltsplatzhalter 2"/>
+          <p:cNvSpPr>
+            <a:spLocks noGrp="1"/>
+          </p:cNvSpPr>
+          <p:nvPr>
+            <p:ph idx="1"/>
+          </p:nvPr>
+        </p:nvSpPr>
+        <p:spPr>
+          <a:xfrm>
+            <a:off x="8753302" y="1"/>
+            <a:ext cx="3438698" cy="2518756"/>
+          </a:xfrm>
+        </p:spPr>
+        <p:txBody>
+          <a:bodyPr>
+            <a:normAutofit/>
+          </a:bodyPr>
+          <a:lstStyle/>
+          <a:p>
+            <a:r>
+              <a:rPr lang="de-CH" sz="1400" dirty="0" err="1" smtClean="0"/>
+              <a:t>Indoor</a:t>
+            </a:r>
+            <a:r>
+              <a:rPr lang="de-CH" sz="1400" dirty="0" smtClean="0"/>
+              <a:t> Personensuche</a:t>
+            </a:r>
+          </a:p>
+          <a:p>
+            <a:pPr lvl="1"/>
+            <a:r>
+              <a:rPr lang="de-CH" sz="1200" dirty="0"/>
+              <a:t>Eintragen eigener Position</a:t>
+            </a:r>
+          </a:p>
+          <a:p>
+            <a:pPr lvl="1"/>
+            <a:r>
+              <a:rPr lang="de-CH" sz="1600" b="1" dirty="0"/>
+              <a:t>Filtern von Personen</a:t>
+            </a:r>
+          </a:p>
+          <a:p>
+            <a:pPr lvl="1"/>
+            <a:r>
+              <a:rPr lang="de-CH" sz="1200" dirty="0"/>
+              <a:t>Suche von </a:t>
+            </a:r>
+            <a:r>
+              <a:rPr lang="de-CH" sz="1200" dirty="0" smtClean="0"/>
+              <a:t>Freunden</a:t>
+            </a:r>
+          </a:p>
+          <a:p>
+            <a:pPr lvl="1"/>
+            <a:r>
+              <a:rPr lang="de-CH" sz="1200" dirty="0" smtClean="0"/>
+              <a:t>Persönliche </a:t>
+            </a:r>
+            <a:r>
+              <a:rPr lang="de-CH" sz="1200" dirty="0" err="1" smtClean="0"/>
+              <a:t>Friendslist</a:t>
+            </a:r>
+            <a:endParaRPr lang="de-CH" sz="1200" dirty="0" smtClean="0"/>
+          </a:p>
+          <a:p>
+            <a:pPr lvl="1"/>
+            <a:r>
+              <a:rPr lang="de-CH" sz="1200" dirty="0" smtClean="0"/>
+              <a:t>Persönliche Daten lokal gespeichert</a:t>
+            </a:r>
+          </a:p>
+        </p:txBody>
+      </p:sp>
+    </p:spTree>
+    <p:extLst>
+      <p:ext uri="{BB962C8B-B14F-4D97-AF65-F5344CB8AC3E}">
+        <p14:creationId xmlns:p14="http://schemas.microsoft.com/office/powerpoint/2010/main" val="4098118744"/>
+      </p:ext>
+    </p:extLst>
+  </p:cSld>
+  <p:clrMapOvr>
+    <a:masterClrMapping/>
+  </p:clrMapOvr>
+  <p:timing>
+    <p:tnLst>
+      <p:par>
+        <p:cTn id="1" dur="indefinite" restart="never" nodeType="tmRoot"/>
+      </p:par>
+    </p:tnLst>
+  </p:timing>
+</p:sld>
+</file>
+
+<file path=ppt/slides/slide6.xml><?xml version="1.0" encoding="utf-8"?>
+<p:sld xmlns:a="http://schemas.openxmlformats.org/drawingml/2006/main" xmlns:r="http://schemas.openxmlformats.org/officeDocument/2006/relationships" xmlns:p="http://schemas.openxmlformats.org/presentationml/2006/main">
+  <p:cSld>
+    <p:spTree>
+      <p:nvGrpSpPr>
+        <p:cNvPr id="1" name=""/>
+        <p:cNvGrpSpPr/>
+        <p:nvPr/>
+      </p:nvGrpSpPr>
+      <p:grpSpPr>
+        <a:xfrm>
+          <a:off x="0" y="0"/>
+          <a:ext cx="0" cy="0"/>
+          <a:chOff x="0" y="0"/>
+          <a:chExt cx="0" cy="0"/>
+        </a:xfrm>
+      </p:grpSpPr>
+      <p:pic>
+        <p:nvPicPr>
+          <p:cNvPr id="4" name="Grafik 3"/>
+          <p:cNvPicPr>
+            <a:picLocks noChangeAspect="1"/>
+          </p:cNvPicPr>
+          <p:nvPr/>
+        </p:nvPicPr>
+        <p:blipFill>
+          <a:blip r:embed="rId2">
+            <a:extLst>
+              <a:ext uri="{BEBA8EAE-BF5A-486C-A8C5-ECC9F3942E4B}">
+                <a14:imgProps xmlns:a14="http://schemas.microsoft.com/office/drawing/2010/main">
+                  <a14:imgLayer r:embed="rId3">
+                    <a14:imgEffect>
+                      <a14:backgroundRemoval t="2334" b="98600" l="5602" r="94191">
+                        <a14:foregroundMark x1="13693" y1="26721" x2="10581" y2="33022"/>
+                        <a14:backgroundMark x1="35685" y1="3617" x2="75104" y2="3967"/>
+                        <a14:backgroundMark x1="85062" y1="5134" x2="85062" y2="5134"/>
+                        <a14:backgroundMark x1="87759" y1="5134" x2="87759" y2="5134"/>
+                        <a14:backgroundMark x1="81743" y1="4901" x2="89834" y2="5951"/>
+                        <a14:backgroundMark x1="79668" y1="4667" x2="79668" y2="4667"/>
+                      </a14:backgroundRemoval>
+                    </a14:imgEffect>
+                  </a14:imgLayer>
+                </a14:imgProps>
+              </a:ext>
+            </a:extLst>
+          </a:blip>
+          <a:stretch>
+            <a:fillRect/>
+          </a:stretch>
+        </p:blipFill>
+        <p:spPr>
+          <a:xfrm>
+            <a:off x="3758807" y="707273"/>
+            <a:ext cx="3403645" cy="6051709"/>
+          </a:xfrm>
+          <a:prstGeom prst="rect">
+            <a:avLst/>
+          </a:prstGeom>
+        </p:spPr>
+      </p:pic>
+      <p:sp>
+        <p:nvSpPr>
+          <p:cNvPr id="2" name="Titel 1"/>
+          <p:cNvSpPr>
+            <a:spLocks noGrp="1"/>
+          </p:cNvSpPr>
+          <p:nvPr>
+            <p:ph type="title"/>
+          </p:nvPr>
+        </p:nvSpPr>
+        <p:spPr>
+          <a:xfrm>
+            <a:off x="1484310" y="0"/>
+            <a:ext cx="5872453" cy="1008610"/>
+          </a:xfrm>
+        </p:spPr>
+        <p:txBody>
+          <a:bodyPr/>
+          <a:lstStyle/>
+          <a:p>
+            <a:r>
+              <a:rPr lang="de-CH" dirty="0" smtClean="0"/>
+              <a:t>Features von </a:t>
+            </a:r>
+            <a:r>
+              <a:rPr lang="de-CH" dirty="0" err="1" smtClean="0"/>
+              <a:t>FindMe</a:t>
+            </a:r>
+            <a:endParaRPr lang="en-US" dirty="0"/>
+          </a:p>
+        </p:txBody>
+      </p:sp>
+      <p:sp>
+        <p:nvSpPr>
+          <p:cNvPr id="3" name="Inhaltsplatzhalter 2"/>
+          <p:cNvSpPr>
+            <a:spLocks noGrp="1"/>
+          </p:cNvSpPr>
+          <p:nvPr>
+            <p:ph idx="1"/>
+          </p:nvPr>
+        </p:nvSpPr>
+        <p:spPr>
+          <a:xfrm>
+            <a:off x="8753302" y="1"/>
+            <a:ext cx="3438698" cy="2518756"/>
+          </a:xfrm>
+        </p:spPr>
+        <p:txBody>
+          <a:bodyPr>
+            <a:normAutofit/>
+          </a:bodyPr>
+          <a:lstStyle/>
+          <a:p>
+            <a:r>
+              <a:rPr lang="de-CH" sz="1400" dirty="0" err="1" smtClean="0"/>
+              <a:t>Indoor</a:t>
+            </a:r>
+            <a:r>
+              <a:rPr lang="de-CH" sz="1400" dirty="0" smtClean="0"/>
+              <a:t> Personensuche</a:t>
+            </a:r>
+          </a:p>
+          <a:p>
+            <a:pPr lvl="1"/>
+            <a:r>
+              <a:rPr lang="de-CH" sz="1200" dirty="0"/>
+              <a:t>Eintragen eigener Position</a:t>
+            </a:r>
+          </a:p>
+          <a:p>
+            <a:pPr lvl="1"/>
+            <a:r>
+              <a:rPr lang="de-CH" sz="1200" dirty="0" smtClean="0"/>
+              <a:t>Filtern von Personen</a:t>
+            </a:r>
+          </a:p>
+          <a:p>
+            <a:pPr lvl="1"/>
+            <a:r>
+              <a:rPr lang="de-CH" sz="1600" b="1" dirty="0"/>
+              <a:t>Suche von </a:t>
+            </a:r>
+            <a:r>
+              <a:rPr lang="de-CH" sz="1600" b="1" dirty="0"/>
+              <a:t>Freunden</a:t>
+            </a:r>
+          </a:p>
+          <a:p>
+            <a:pPr lvl="1"/>
+            <a:r>
+              <a:rPr lang="de-CH" sz="1200" dirty="0" smtClean="0"/>
+              <a:t>Persönliche </a:t>
+            </a:r>
+            <a:r>
+              <a:rPr lang="de-CH" sz="1200" dirty="0" err="1" smtClean="0"/>
+              <a:t>Friendslist</a:t>
+            </a:r>
+            <a:endParaRPr lang="de-CH" sz="1200" dirty="0" smtClean="0"/>
+          </a:p>
+          <a:p>
+            <a:pPr lvl="1"/>
+            <a:r>
+              <a:rPr lang="de-CH" sz="1200" dirty="0" smtClean="0"/>
+              <a:t>Persönliche Daten lokal gespeichert</a:t>
+            </a:r>
+          </a:p>
+        </p:txBody>
+      </p:sp>
+    </p:spTree>
+    <p:extLst>
+      <p:ext uri="{BB962C8B-B14F-4D97-AF65-F5344CB8AC3E}">
+        <p14:creationId xmlns:p14="http://schemas.microsoft.com/office/powerpoint/2010/main" val="1909945357"/>
+      </p:ext>
+    </p:extLst>
+  </p:cSld>
+  <p:clrMapOvr>
+    <a:masterClrMapping/>
+  </p:clrMapOvr>
+  <p:timing>
+    <p:tnLst>
+      <p:par>
+        <p:cTn id="1" dur="indefinite" restart="never" nodeType="tmRoot"/>
+      </p:par>
+    </p:tnLst>
+  </p:timing>
+</p:sld>
+</file>
+
+<file path=ppt/slides/slide7.xml><?xml version="1.0" encoding="utf-8"?>
+<p:sld xmlns:a="http://schemas.openxmlformats.org/drawingml/2006/main" xmlns:r="http://schemas.openxmlformats.org/officeDocument/2006/relationships" xmlns:p="http://schemas.openxmlformats.org/presentationml/2006/main">
+  <p:cSld>
+    <p:spTree>
+      <p:nvGrpSpPr>
+        <p:cNvPr id="1" name=""/>
+        <p:cNvGrpSpPr/>
+        <p:nvPr/>
+      </p:nvGrpSpPr>
+      <p:grpSpPr>
+        <a:xfrm>
+          <a:off x="0" y="0"/>
+          <a:ext cx="0" cy="0"/>
+          <a:chOff x="0" y="0"/>
+          <a:chExt cx="0" cy="0"/>
+        </a:xfrm>
+      </p:grpSpPr>
+      <p:pic>
+        <p:nvPicPr>
+          <p:cNvPr id="5" name="Grafik 4"/>
+          <p:cNvPicPr>
+            <a:picLocks noChangeAspect="1"/>
+          </p:cNvPicPr>
+          <p:nvPr/>
+        </p:nvPicPr>
+        <p:blipFill>
+          <a:blip r:embed="rId2">
+            <a:extLst>
+              <a:ext uri="{BEBA8EAE-BF5A-486C-A8C5-ECC9F3942E4B}">
+                <a14:imgProps xmlns:a14="http://schemas.microsoft.com/office/drawing/2010/main">
+                  <a14:imgLayer r:embed="rId3">
+                    <a14:imgEffect>
+                      <a14:backgroundRemoval t="2684" b="98600" l="6017" r="95228">
+                        <a14:foregroundMark x1="43776" y1="64644" x2="57676" y2="65111"/>
+                        <a14:foregroundMark x1="12241" y1="29288" x2="12448" y2="31272"/>
+                        <a14:backgroundMark x1="34025" y1="3734" x2="45228" y2="3501"/>
+                        <a14:backgroundMark x1="50830" y1="3734" x2="50830" y2="3734"/>
+                      </a14:backgroundRemoval>
+                    </a14:imgEffect>
+                  </a14:imgLayer>
+                </a14:imgProps>
+              </a:ext>
+            </a:extLst>
+          </a:blip>
+          <a:stretch>
+            <a:fillRect/>
+          </a:stretch>
+        </p:blipFill>
+        <p:spPr>
+          <a:xfrm>
+            <a:off x="3758806" y="707271"/>
+            <a:ext cx="3403646" cy="6051711"/>
+          </a:xfrm>
+          <a:prstGeom prst="rect">
+            <a:avLst/>
+          </a:prstGeom>
+        </p:spPr>
+      </p:pic>
+      <p:sp>
+        <p:nvSpPr>
+          <p:cNvPr id="2" name="Titel 1"/>
+          <p:cNvSpPr>
+            <a:spLocks noGrp="1"/>
+          </p:cNvSpPr>
+          <p:nvPr>
+            <p:ph type="title"/>
+          </p:nvPr>
+        </p:nvSpPr>
+        <p:spPr>
+          <a:xfrm>
+            <a:off x="1484310" y="0"/>
+            <a:ext cx="5872453" cy="1008610"/>
+          </a:xfrm>
+        </p:spPr>
+        <p:txBody>
+          <a:bodyPr/>
+          <a:lstStyle/>
+          <a:p>
+            <a:r>
+              <a:rPr lang="de-CH" dirty="0" smtClean="0"/>
+              <a:t>Features von </a:t>
+            </a:r>
+            <a:r>
+              <a:rPr lang="de-CH" dirty="0" err="1" smtClean="0"/>
+              <a:t>FindMe</a:t>
+            </a:r>
+            <a:endParaRPr lang="en-US" dirty="0"/>
+          </a:p>
+        </p:txBody>
+      </p:sp>
+      <p:sp>
+        <p:nvSpPr>
+          <p:cNvPr id="3" name="Inhaltsplatzhalter 2"/>
+          <p:cNvSpPr>
+            <a:spLocks noGrp="1"/>
+          </p:cNvSpPr>
+          <p:nvPr>
+            <p:ph idx="1"/>
+          </p:nvPr>
+        </p:nvSpPr>
+        <p:spPr>
+          <a:xfrm>
+            <a:off x="8753302" y="1"/>
+            <a:ext cx="3438698" cy="2518756"/>
+          </a:xfrm>
+        </p:spPr>
+        <p:txBody>
+          <a:bodyPr>
+            <a:normAutofit/>
+          </a:bodyPr>
+          <a:lstStyle/>
+          <a:p>
+            <a:r>
+              <a:rPr lang="de-CH" sz="1400" dirty="0" err="1" smtClean="0"/>
+              <a:t>Indoor</a:t>
+            </a:r>
+            <a:r>
+              <a:rPr lang="de-CH" sz="1400" dirty="0" smtClean="0"/>
+              <a:t> Personensuche</a:t>
+            </a:r>
+          </a:p>
+          <a:p>
+            <a:pPr lvl="1"/>
+            <a:r>
+              <a:rPr lang="de-CH" sz="1200" dirty="0"/>
+              <a:t>Eintragen eigener Position</a:t>
+            </a:r>
+          </a:p>
+          <a:p>
+            <a:pPr lvl="1"/>
+            <a:r>
+              <a:rPr lang="de-CH" sz="1200" dirty="0" smtClean="0"/>
+              <a:t>Filtern von Personen</a:t>
+            </a:r>
+          </a:p>
+          <a:p>
+            <a:pPr lvl="1"/>
+            <a:r>
+              <a:rPr lang="de-CH" sz="1200" dirty="0"/>
+              <a:t>Suche von Freunden</a:t>
+            </a:r>
+          </a:p>
+          <a:p>
+            <a:pPr lvl="1"/>
+            <a:r>
+              <a:rPr lang="de-CH" sz="1600" b="1" dirty="0"/>
+              <a:t>Persönliche </a:t>
+            </a:r>
+            <a:r>
+              <a:rPr lang="de-CH" sz="1600" b="1" dirty="0" err="1"/>
+              <a:t>Friendslist</a:t>
+            </a:r>
+            <a:endParaRPr lang="de-CH" sz="1600" b="1" dirty="0"/>
+          </a:p>
+          <a:p>
+            <a:pPr lvl="1"/>
+            <a:r>
+              <a:rPr lang="de-CH" sz="1200" dirty="0" smtClean="0"/>
+              <a:t>Persönliche Daten lokal gespeichert</a:t>
+            </a:r>
+          </a:p>
+        </p:txBody>
+      </p:sp>
+    </p:spTree>
+    <p:extLst>
+      <p:ext uri="{BB962C8B-B14F-4D97-AF65-F5344CB8AC3E}">
+        <p14:creationId xmlns:p14="http://schemas.microsoft.com/office/powerpoint/2010/main" val="4081135943"/>
+      </p:ext>
+    </p:extLst>
+  </p:cSld>
+  <p:clrMapOvr>
+    <a:masterClrMapping/>
+  </p:clrMapOvr>
+  <p:timing>
+    <p:tnLst>
+      <p:par>
+        <p:cTn id="1" dur="indefinite" restart="never" nodeType="tmRoot"/>
+      </p:par>
+    </p:tnLst>
+  </p:timing>
+</p:sld>
+</file>
+
+<file path=ppt/slides/slide8.xml><?xml version="1.0" encoding="utf-8"?>
+<p:sld xmlns:a="http://schemas.openxmlformats.org/drawingml/2006/main" xmlns:r="http://schemas.openxmlformats.org/officeDocument/2006/relationships" xmlns:p="http://schemas.openxmlformats.org/presentationml/2006/main">
+  <p:cSld>
+    <p:spTree>
+      <p:nvGrpSpPr>
+        <p:cNvPr id="1" name=""/>
+        <p:cNvGrpSpPr/>
+        <p:nvPr/>
+      </p:nvGrpSpPr>
+      <p:grpSpPr>
+        <a:xfrm>
+          <a:off x="0" y="0"/>
+          <a:ext cx="0" cy="0"/>
+          <a:chOff x="0" y="0"/>
+          <a:chExt cx="0" cy="0"/>
+        </a:xfrm>
+      </p:grpSpPr>
+      <p:sp>
+        <p:nvSpPr>
+          <p:cNvPr id="2" name="Titel 1"/>
+          <p:cNvSpPr>
+            <a:spLocks noGrp="1"/>
+          </p:cNvSpPr>
+          <p:nvPr>
+            <p:ph type="title"/>
+          </p:nvPr>
+        </p:nvSpPr>
+        <p:spPr>
+          <a:xfrm>
+            <a:off x="1484310" y="0"/>
+            <a:ext cx="5872453" cy="1008610"/>
+          </a:xfrm>
+        </p:spPr>
+        <p:txBody>
+          <a:bodyPr/>
+          <a:lstStyle/>
+          <a:p>
+            <a:r>
+              <a:rPr lang="de-CH" dirty="0" smtClean="0"/>
+              <a:t>Features von </a:t>
+            </a:r>
+            <a:r>
+              <a:rPr lang="de-CH" dirty="0" err="1" smtClean="0"/>
+              <a:t>FindMe</a:t>
+            </a:r>
+            <a:endParaRPr lang="en-US" dirty="0"/>
+          </a:p>
+        </p:txBody>
+      </p:sp>
+      <p:sp>
+        <p:nvSpPr>
+          <p:cNvPr id="3" name="Inhaltsplatzhalter 2"/>
+          <p:cNvSpPr>
+            <a:spLocks noGrp="1"/>
+          </p:cNvSpPr>
+          <p:nvPr>
+            <p:ph idx="1"/>
+          </p:nvPr>
+        </p:nvSpPr>
+        <p:spPr>
+          <a:xfrm>
+            <a:off x="8753302" y="1"/>
+            <a:ext cx="3438698" cy="2518756"/>
+          </a:xfrm>
+        </p:spPr>
+        <p:txBody>
+          <a:bodyPr>
+            <a:normAutofit/>
+          </a:bodyPr>
+          <a:lstStyle/>
+          <a:p>
+            <a:r>
+              <a:rPr lang="de-CH" sz="1400" dirty="0" err="1" smtClean="0"/>
+              <a:t>Indoor</a:t>
+            </a:r>
+            <a:r>
+              <a:rPr lang="de-CH" sz="1400" dirty="0" smtClean="0"/>
+              <a:t> Personensuche</a:t>
+            </a:r>
+          </a:p>
+          <a:p>
+            <a:pPr lvl="1"/>
+            <a:r>
+              <a:rPr lang="de-CH" sz="1200" dirty="0"/>
+              <a:t>Eintragen eigener Position</a:t>
+            </a:r>
+          </a:p>
+          <a:p>
+            <a:pPr lvl="1"/>
+            <a:r>
+              <a:rPr lang="de-CH" sz="1200" dirty="0" smtClean="0"/>
+              <a:t>Filtern von Personen</a:t>
+            </a:r>
+          </a:p>
+          <a:p>
+            <a:pPr lvl="1"/>
+            <a:r>
+              <a:rPr lang="de-CH" sz="1200" dirty="0"/>
+              <a:t>Suche von Freunden</a:t>
+            </a:r>
+          </a:p>
+          <a:p>
+            <a:pPr lvl="1"/>
+            <a:r>
+              <a:rPr lang="de-CH" sz="1200" dirty="0"/>
+              <a:t>Persönliche </a:t>
+            </a:r>
+            <a:r>
+              <a:rPr lang="de-CH" sz="1200" dirty="0" err="1"/>
+              <a:t>Friendslist</a:t>
+            </a:r>
+            <a:endParaRPr lang="de-CH" sz="1200" dirty="0"/>
+          </a:p>
+          <a:p>
+            <a:pPr lvl="1"/>
+            <a:r>
+              <a:rPr lang="de-CH" sz="1600" b="1" dirty="0"/>
+              <a:t>Persönliche Daten lokal gespeichert</a:t>
+            </a:r>
+          </a:p>
+        </p:txBody>
+      </p:sp>
+      <p:pic>
+        <p:nvPicPr>
+          <p:cNvPr id="4" name="Grafik 3"/>
+          <p:cNvPicPr>
+            <a:picLocks noChangeAspect="1"/>
+          </p:cNvPicPr>
+          <p:nvPr/>
+        </p:nvPicPr>
+        <p:blipFill rotWithShape="1">
+          <a:blip r:embed="rId2"/>
+          <a:srcRect l="31652" t="54983" r="40961" b="32280"/>
+          <a:stretch/>
+        </p:blipFill>
+        <p:spPr>
+          <a:xfrm>
+            <a:off x="2167255" y="3618808"/>
+            <a:ext cx="6951635" cy="1751215"/>
+          </a:xfrm>
+          <a:prstGeom prst="rect">
+            <a:avLst/>
+          </a:prstGeom>
+        </p:spPr>
+      </p:pic>
+      <p:pic>
+        <p:nvPicPr>
+          <p:cNvPr id="2050" name="Picture 2" descr="http://dx3.psychopyko.com/images/2011/android-device-monitor.png"/>
+          <p:cNvPicPr>
+            <a:picLocks noChangeAspect="1" noChangeArrowheads="1"/>
+          </p:cNvPicPr>
+          <p:nvPr/>
+        </p:nvPicPr>
+        <p:blipFill>
+          <a:blip r:embed="rId3">
+            <a:extLst>
+              <a:ext uri="{28A0092B-C50C-407E-A947-70E740481C1C}">
+                <a14:useLocalDpi xmlns:a14="http://schemas.microsoft.com/office/drawing/2010/main" val="0"/>
+              </a:ext>
+            </a:extLst>
+          </a:blip>
+          <a:srcRect/>
+          <a:stretch>
+            <a:fillRect/>
+          </a:stretch>
+        </p:blipFill>
+        <p:spPr bwMode="auto">
+          <a:xfrm>
+            <a:off x="2167255" y="1551553"/>
+            <a:ext cx="2720629" cy="1632377"/>
+          </a:xfrm>
+          <a:prstGeom prst="rect">
+            <a:avLst/>
+          </a:prstGeom>
+          <a:noFill/>
+          <a:extLst>
+            <a:ext uri="{909E8E84-426E-40DD-AFC4-6F175D3DCCD1}">
+              <a14:hiddenFill xmlns:a14="http://schemas.microsoft.com/office/drawing/2010/main">
+                <a:solidFill>
+                  <a:srgbClr val="FFFFFF"/>
+                </a:solidFill>
+              </a14:hiddenFill>
+            </a:ext>
+          </a:extLst>
+        </p:spPr>
+      </p:pic>
+    </p:spTree>
+    <p:extLst>
+      <p:ext uri="{BB962C8B-B14F-4D97-AF65-F5344CB8AC3E}">
+        <p14:creationId xmlns:p14="http://schemas.microsoft.com/office/powerpoint/2010/main" val="2621571576"/>
+      </p:ext>
+    </p:extLst>
+  </p:cSld>
+  <p:clrMapOvr>
+    <a:masterClrMapping/>
+  </p:clrMapOvr>
+  <p:timing>
+    <p:tnLst>
+      <p:par>
+        <p:cTn id="1" dur="indefinite" restart="never" nodeType="tmRoot"/>
+      </p:par>
+    </p:tnLst>
+  </p:timing>
+</p:sld>
+</file>
+
+<file path=ppt/slides/slide9.xml><?xml version="1.0" encoding="utf-8"?>
+<p:sld xmlns:a="http://schemas.openxmlformats.org/drawingml/2006/main" xmlns:r="http://schemas.openxmlformats.org/officeDocument/2006/relationships" xmlns:p="http://schemas.openxmlformats.org/presentationml/2006/main">
+  <p:cSld>
+    <p:spTree>
+      <p:nvGrpSpPr>
+        <p:cNvPr id="1" name=""/>
+        <p:cNvGrpSpPr/>
+        <p:nvPr/>
+      </p:nvGrpSpPr>
+      <p:grpSpPr>
+        <a:xfrm>
+          <a:off x="0" y="0"/>
+          <a:ext cx="0" cy="0"/>
+          <a:chOff x="0" y="0"/>
+          <a:chExt cx="0" cy="0"/>
+        </a:xfrm>
+      </p:grpSpPr>
+      <p:sp>
+        <p:nvSpPr>
+          <p:cNvPr id="2" name="Titel 1"/>
+          <p:cNvSpPr>
+            <a:spLocks noGrp="1"/>
+          </p:cNvSpPr>
+          <p:nvPr>
+            <p:ph type="title"/>
+          </p:nvPr>
+        </p:nvSpPr>
+        <p:spPr/>
+        <p:txBody>
+          <a:bodyPr/>
+          <a:lstStyle/>
+          <a:p>
+            <a:r>
+              <a:rPr lang="de-CH" dirty="0" smtClean="0"/>
+              <a:t>Zielpublikum</a:t>
+            </a:r>
+            <a:endParaRPr lang="en-US" dirty="0"/>
+          </a:p>
+        </p:txBody>
+      </p:sp>
+      <p:pic>
+        <p:nvPicPr>
+          <p:cNvPr id="7170" name="Picture 2" descr="http://first-togetherness.com/wp-content/uploads/2015/04/du.png"/>
+          <p:cNvPicPr>
+            <a:picLocks noChangeAspect="1" noChangeArrowheads="1"/>
+          </p:cNvPicPr>
+          <p:nvPr/>
+        </p:nvPicPr>
+        <p:blipFill>
+          <a:blip r:embed="rId2">
+            <a:extLst>
+              <a:ext uri="{28A0092B-C50C-407E-A947-70E740481C1C}">
+                <a14:useLocalDpi xmlns:a14="http://schemas.microsoft.com/office/drawing/2010/main" val="0"/>
+              </a:ext>
+            </a:extLst>
+          </a:blip>
+          <a:srcRect/>
+          <a:stretch>
+            <a:fillRect/>
+          </a:stretch>
+        </p:blipFill>
+        <p:spPr bwMode="auto">
+          <a:xfrm>
+            <a:off x="4892520" y="2334172"/>
+            <a:ext cx="3202294" cy="3202296"/>
+          </a:xfrm>
+          <a:prstGeom prst="rect">
+            <a:avLst/>
+          </a:prstGeom>
+          <a:noFill/>
+          <a:extLst>
+            <a:ext uri="{909E8E84-426E-40DD-AFC4-6F175D3DCCD1}">
+              <a14:hiddenFill xmlns:a14="http://schemas.microsoft.com/office/drawing/2010/main">
+                <a:solidFill>
+                  <a:srgbClr val="FFFFFF"/>
+                </a:solidFill>
+              </a14:hiddenFill>
+            </a:ext>
+          </a:extLst>
+        </p:spPr>
+      </p:pic>
+    </p:spTree>
+    <p:extLst>
+      <p:ext uri="{BB962C8B-B14F-4D97-AF65-F5344CB8AC3E}">
+        <p14:creationId xmlns:p14="http://schemas.microsoft.com/office/powerpoint/2010/main" val="3552013470"/>
       </p:ext>
     </p:extLst>
   </p:cSld>

--- a/FindMe.pptx
+++ b/FindMe.pptx
@@ -16,6 +16,11 @@
     <p:sldId id="264" r:id="rId10"/>
     <p:sldId id="265" r:id="rId11"/>
     <p:sldId id="266" r:id="rId12"/>
+    <p:sldId id="267" r:id="rId13"/>
+    <p:sldId id="268" r:id="rId14"/>
+    <p:sldId id="269" r:id="rId15"/>
+    <p:sldId id="270" r:id="rId16"/>
+    <p:sldId id="271" r:id="rId17"/>
   </p:sldIdLst>
   <p:sldSz cx="12192000" cy="6858000"/>
   <p:notesSz cx="6858000" cy="9144000"/>
@@ -114,6 +119,11 @@
       </a:defRPr>
     </a:lvl9pPr>
   </p:defaultTextStyle>
+  <p:extLst>
+    <p:ext uri="{EFAFB233-063F-42B5-8137-9DF3F51BA10A}">
+      <p15:sldGuideLst xmlns:p15="http://schemas.microsoft.com/office/powerpoint/2012/main"/>
+    </p:ext>
+  </p:extLst>
 </p:presentation>
 </file>
 
@@ -6134,6 +6144,73 @@
           </a:p>
         </p:txBody>
       </p:sp>
+      <p:pic>
+        <p:nvPicPr>
+          <p:cNvPr id="4" name="Picture 2" descr="http://theshellfishpig.co.uk/wp-content/uploads/2015/03/Find-me-graphic.jpg"/>
+          <p:cNvPicPr>
+            <a:picLocks noChangeAspect="1" noChangeArrowheads="1"/>
+          </p:cNvPicPr>
+          <p:nvPr/>
+        </p:nvPicPr>
+        <p:blipFill>
+          <a:blip r:embed="rId2">
+            <a:extLst>
+              <a:ext uri="{BEBA8EAE-BF5A-486C-A8C5-ECC9F3942E4B}">
+                <a14:imgProps xmlns:a14="http://schemas.microsoft.com/office/drawing/2010/main">
+                  <a14:imgLayer r:embed="rId3">
+                    <a14:imgEffect>
+                      <a14:backgroundRemoval t="0" b="100000" l="0" r="100000">
+                        <a14:foregroundMark x1="20339" y1="25424" x2="20339" y2="25424"/>
+                        <a14:foregroundMark x1="36271" y1="25424" x2="37627" y2="43390"/>
+                        <a14:foregroundMark x1="46441" y1="22034" x2="46102" y2="46780"/>
+                        <a14:foregroundMark x1="49153" y1="25085" x2="61017" y2="42373"/>
+                        <a14:foregroundMark x1="57288" y1="17627" x2="57627" y2="33559"/>
+                        <a14:foregroundMark x1="65763" y1="19661" x2="70847" y2="37627"/>
+                        <a14:foregroundMark x1="71525" y1="22373" x2="67797" y2="38305"/>
+                        <a14:foregroundMark x1="23390" y1="22034" x2="31525" y2="17288"/>
+                        <a14:foregroundMark x1="21356" y1="33220" x2="27119" y2="47797"/>
+                        <a14:foregroundMark x1="25763" y1="46102" x2="22034" y2="56271"/>
+                        <a14:foregroundMark x1="32203" y1="69831" x2="76271" y2="59661"/>
+                        <a14:foregroundMark x1="62712" y1="52881" x2="67797" y2="82712"/>
+                        <a14:foregroundMark x1="38983" y1="82373" x2="52881" y2="68475"/>
+                        <a14:foregroundMark x1="73559" y1="76949" x2="73559" y2="76949"/>
+                        <a14:foregroundMark x1="55254" y1="73559" x2="55254" y2="73559"/>
+                        <a14:foregroundMark x1="73559" y1="32542" x2="73559" y2="32542"/>
+                      </a14:backgroundRemoval>
+                    </a14:imgEffect>
+                  </a14:imgLayer>
+                </a14:imgProps>
+              </a:ext>
+              <a:ext uri="{28A0092B-C50C-407E-A947-70E740481C1C}">
+                <a14:useLocalDpi xmlns:a14="http://schemas.microsoft.com/office/drawing/2010/main" val="0"/>
+              </a:ext>
+            </a:extLst>
+          </a:blip>
+          <a:srcRect/>
+          <a:stretch>
+            <a:fillRect/>
+          </a:stretch>
+        </p:blipFill>
+        <p:spPr bwMode="auto">
+          <a:xfrm>
+            <a:off x="4202300" y="1088967"/>
+            <a:ext cx="2044929" cy="2044930"/>
+          </a:xfrm>
+          <a:prstGeom prst="rect">
+            <a:avLst/>
+          </a:prstGeom>
+          <a:noFill/>
+          <a:extLst>
+            <a:ext uri="{909E8E84-426E-40DD-AFC4-6F175D3DCCD1}">
+              <a14:hiddenFill xmlns:a14="http://schemas.microsoft.com/office/drawing/2010/main">
+                <a:solidFill>
+                  <a:srgbClr val="FFFFFF"/>
+                </a:solidFill>
+              </a14:hiddenFill>
+            </a:ext>
+          </a:extLst>
+        </p:spPr>
+      </p:pic>
     </p:spTree>
     <p:extLst>
       <p:ext uri="{BB962C8B-B14F-4D97-AF65-F5344CB8AC3E}">
@@ -6822,6 +6899,552 @@
 </p:sld>
 </file>
 
+<file path=ppt/slides/slide12.xml><?xml version="1.0" encoding="utf-8"?>
+<p:sld xmlns:a="http://schemas.openxmlformats.org/drawingml/2006/main" xmlns:r="http://schemas.openxmlformats.org/officeDocument/2006/relationships" xmlns:p="http://schemas.openxmlformats.org/presentationml/2006/main">
+  <p:cSld>
+    <p:spTree>
+      <p:nvGrpSpPr>
+        <p:cNvPr id="1" name=""/>
+        <p:cNvGrpSpPr/>
+        <p:nvPr/>
+      </p:nvGrpSpPr>
+      <p:grpSpPr>
+        <a:xfrm>
+          <a:off x="0" y="0"/>
+          <a:ext cx="0" cy="0"/>
+          <a:chOff x="0" y="0"/>
+          <a:chExt cx="0" cy="0"/>
+        </a:xfrm>
+      </p:grpSpPr>
+      <p:sp>
+        <p:nvSpPr>
+          <p:cNvPr id="2" name="Titel 1"/>
+          <p:cNvSpPr>
+            <a:spLocks noGrp="1"/>
+          </p:cNvSpPr>
+          <p:nvPr>
+            <p:ph type="title"/>
+          </p:nvPr>
+        </p:nvSpPr>
+        <p:spPr>
+          <a:xfrm>
+            <a:off x="1484311" y="-4155"/>
+            <a:ext cx="10018713" cy="1752599"/>
+          </a:xfrm>
+        </p:spPr>
+        <p:txBody>
+          <a:bodyPr/>
+          <a:lstStyle/>
+          <a:p>
+            <a:r>
+              <a:rPr lang="de-CH" dirty="0"/>
+              <a:t>Technische </a:t>
+            </a:r>
+            <a:r>
+              <a:rPr lang="de-CH" dirty="0" smtClean="0"/>
+              <a:t>Anforderungen</a:t>
+            </a:r>
+            <a:endParaRPr lang="en-US" dirty="0"/>
+          </a:p>
+        </p:txBody>
+      </p:sp>
+      <p:sp>
+        <p:nvSpPr>
+          <p:cNvPr id="3" name="Inhaltsplatzhalter 2"/>
+          <p:cNvSpPr>
+            <a:spLocks noGrp="1"/>
+          </p:cNvSpPr>
+          <p:nvPr>
+            <p:ph idx="1"/>
+          </p:nvPr>
+        </p:nvSpPr>
+        <p:spPr>
+          <a:xfrm>
+            <a:off x="1384557" y="2151610"/>
+            <a:ext cx="6712039" cy="1771997"/>
+          </a:xfrm>
+        </p:spPr>
+        <p:txBody>
+          <a:bodyPr>
+            <a:normAutofit/>
+          </a:bodyPr>
+          <a:lstStyle/>
+          <a:p>
+            <a:r>
+              <a:rPr lang="de-CH" sz="2000" dirty="0" smtClean="0"/>
+              <a:t>Nebenläufigkeit mit </a:t>
+            </a:r>
+            <a:r>
+              <a:rPr lang="de-CH" sz="2000" dirty="0" err="1" smtClean="0"/>
+              <a:t>AsyncTaks</a:t>
+            </a:r>
+            <a:endParaRPr lang="de-CH" sz="2000" dirty="0" smtClean="0"/>
+          </a:p>
+          <a:p>
+            <a:r>
+              <a:rPr lang="de-CH" sz="2000" dirty="0" smtClean="0"/>
+              <a:t>Lädt Datenbank von Server </a:t>
+            </a:r>
+          </a:p>
+          <a:p>
+            <a:r>
+              <a:rPr lang="de-CH" sz="2000" dirty="0" smtClean="0"/>
+              <a:t>Speichert eigene Position auf Server</a:t>
+            </a:r>
+            <a:endParaRPr lang="en-US" sz="2000" dirty="0"/>
+          </a:p>
+        </p:txBody>
+      </p:sp>
+    </p:spTree>
+    <p:extLst>
+      <p:ext uri="{BB962C8B-B14F-4D97-AF65-F5344CB8AC3E}">
+        <p14:creationId xmlns:p14="http://schemas.microsoft.com/office/powerpoint/2010/main" val="2331494565"/>
+      </p:ext>
+    </p:extLst>
+  </p:cSld>
+  <p:clrMapOvr>
+    <a:masterClrMapping/>
+  </p:clrMapOvr>
+  <p:timing>
+    <p:tnLst>
+      <p:par>
+        <p:cTn id="1" dur="indefinite" restart="never" nodeType="tmRoot"/>
+      </p:par>
+    </p:tnLst>
+  </p:timing>
+</p:sld>
+</file>
+
+<file path=ppt/slides/slide13.xml><?xml version="1.0" encoding="utf-8"?>
+<p:sld xmlns:a="http://schemas.openxmlformats.org/drawingml/2006/main" xmlns:r="http://schemas.openxmlformats.org/officeDocument/2006/relationships" xmlns:p="http://schemas.openxmlformats.org/presentationml/2006/main">
+  <p:cSld>
+    <p:spTree>
+      <p:nvGrpSpPr>
+        <p:cNvPr id="1" name=""/>
+        <p:cNvGrpSpPr/>
+        <p:nvPr/>
+      </p:nvGrpSpPr>
+      <p:grpSpPr>
+        <a:xfrm>
+          <a:off x="0" y="0"/>
+          <a:ext cx="0" cy="0"/>
+          <a:chOff x="0" y="0"/>
+          <a:chExt cx="0" cy="0"/>
+        </a:xfrm>
+      </p:grpSpPr>
+      <p:sp>
+        <p:nvSpPr>
+          <p:cNvPr id="2" name="Titel 1"/>
+          <p:cNvSpPr>
+            <a:spLocks noGrp="1"/>
+          </p:cNvSpPr>
+          <p:nvPr>
+            <p:ph type="title"/>
+          </p:nvPr>
+        </p:nvSpPr>
+        <p:spPr>
+          <a:xfrm>
+            <a:off x="1484311" y="-4155"/>
+            <a:ext cx="10018713" cy="1752599"/>
+          </a:xfrm>
+        </p:spPr>
+        <p:txBody>
+          <a:bodyPr/>
+          <a:lstStyle/>
+          <a:p>
+            <a:r>
+              <a:rPr lang="de-CH" dirty="0"/>
+              <a:t>Technische </a:t>
+            </a:r>
+            <a:r>
+              <a:rPr lang="de-CH" dirty="0" smtClean="0"/>
+              <a:t>Anforderungen</a:t>
+            </a:r>
+            <a:endParaRPr lang="en-US" dirty="0"/>
+          </a:p>
+        </p:txBody>
+      </p:sp>
+      <p:sp>
+        <p:nvSpPr>
+          <p:cNvPr id="3" name="Inhaltsplatzhalter 2"/>
+          <p:cNvSpPr>
+            <a:spLocks noGrp="1"/>
+          </p:cNvSpPr>
+          <p:nvPr>
+            <p:ph idx="1"/>
+          </p:nvPr>
+        </p:nvSpPr>
+        <p:spPr>
+          <a:xfrm>
+            <a:off x="1384557" y="2151610"/>
+            <a:ext cx="6712039" cy="1771997"/>
+          </a:xfrm>
+        </p:spPr>
+        <p:txBody>
+          <a:bodyPr>
+            <a:normAutofit/>
+          </a:bodyPr>
+          <a:lstStyle/>
+          <a:p>
+            <a:r>
+              <a:rPr lang="de-CH" sz="2000" dirty="0" err="1" smtClean="0"/>
+              <a:t>Canvas</a:t>
+            </a:r>
+            <a:r>
+              <a:rPr lang="de-CH" sz="2000" dirty="0" smtClean="0"/>
+              <a:t> Element für Mensa Karte</a:t>
+            </a:r>
+          </a:p>
+          <a:p>
+            <a:endParaRPr lang="en-US" sz="2000" dirty="0"/>
+          </a:p>
+        </p:txBody>
+      </p:sp>
+      <p:pic>
+        <p:nvPicPr>
+          <p:cNvPr id="5" name="Grafik 4"/>
+          <p:cNvPicPr>
+            <a:picLocks noChangeAspect="1"/>
+          </p:cNvPicPr>
+          <p:nvPr/>
+        </p:nvPicPr>
+        <p:blipFill>
+          <a:blip r:embed="rId2">
+            <a:extLst>
+              <a:ext uri="{28A0092B-C50C-407E-A947-70E740481C1C}">
+                <a14:useLocalDpi xmlns:a14="http://schemas.microsoft.com/office/drawing/2010/main" val="0"/>
+              </a:ext>
+            </a:extLst>
+          </a:blip>
+          <a:stretch>
+            <a:fillRect/>
+          </a:stretch>
+        </p:blipFill>
+        <p:spPr>
+          <a:xfrm>
+            <a:off x="6391569" y="1341611"/>
+            <a:ext cx="4074155" cy="5163991"/>
+          </a:xfrm>
+          <a:prstGeom prst="rect">
+            <a:avLst/>
+          </a:prstGeom>
+        </p:spPr>
+      </p:pic>
+    </p:spTree>
+    <p:extLst>
+      <p:ext uri="{BB962C8B-B14F-4D97-AF65-F5344CB8AC3E}">
+        <p14:creationId xmlns:p14="http://schemas.microsoft.com/office/powerpoint/2010/main" val="1460786785"/>
+      </p:ext>
+    </p:extLst>
+  </p:cSld>
+  <p:clrMapOvr>
+    <a:masterClrMapping/>
+  </p:clrMapOvr>
+  <p:timing>
+    <p:tnLst>
+      <p:par>
+        <p:cTn id="1" dur="indefinite" restart="never" nodeType="tmRoot"/>
+      </p:par>
+    </p:tnLst>
+  </p:timing>
+</p:sld>
+</file>
+
+<file path=ppt/slides/slide14.xml><?xml version="1.0" encoding="utf-8"?>
+<p:sld xmlns:a="http://schemas.openxmlformats.org/drawingml/2006/main" xmlns:r="http://schemas.openxmlformats.org/officeDocument/2006/relationships" xmlns:p="http://schemas.openxmlformats.org/presentationml/2006/main">
+  <p:cSld>
+    <p:spTree>
+      <p:nvGrpSpPr>
+        <p:cNvPr id="1" name=""/>
+        <p:cNvGrpSpPr/>
+        <p:nvPr/>
+      </p:nvGrpSpPr>
+      <p:grpSpPr>
+        <a:xfrm>
+          <a:off x="0" y="0"/>
+          <a:ext cx="0" cy="0"/>
+          <a:chOff x="0" y="0"/>
+          <a:chExt cx="0" cy="0"/>
+        </a:xfrm>
+      </p:grpSpPr>
+      <p:sp>
+        <p:nvSpPr>
+          <p:cNvPr id="2" name="Titel 1"/>
+          <p:cNvSpPr>
+            <a:spLocks noGrp="1"/>
+          </p:cNvSpPr>
+          <p:nvPr>
+            <p:ph type="title"/>
+          </p:nvPr>
+        </p:nvSpPr>
+        <p:spPr>
+          <a:xfrm>
+            <a:off x="1484311" y="-4155"/>
+            <a:ext cx="10018713" cy="1752599"/>
+          </a:xfrm>
+        </p:spPr>
+        <p:txBody>
+          <a:bodyPr/>
+          <a:lstStyle/>
+          <a:p>
+            <a:r>
+              <a:rPr lang="de-CH" dirty="0" smtClean="0"/>
+              <a:t>Probleme</a:t>
+            </a:r>
+            <a:endParaRPr lang="en-US" dirty="0"/>
+          </a:p>
+        </p:txBody>
+      </p:sp>
+      <p:sp>
+        <p:nvSpPr>
+          <p:cNvPr id="3" name="Inhaltsplatzhalter 2"/>
+          <p:cNvSpPr>
+            <a:spLocks noGrp="1"/>
+          </p:cNvSpPr>
+          <p:nvPr>
+            <p:ph idx="1"/>
+          </p:nvPr>
+        </p:nvSpPr>
+        <p:spPr>
+          <a:xfrm>
+            <a:off x="1384557" y="2151610"/>
+            <a:ext cx="9322236" cy="2586645"/>
+          </a:xfrm>
+        </p:spPr>
+        <p:txBody>
+          <a:bodyPr>
+            <a:normAutofit/>
+          </a:bodyPr>
+          <a:lstStyle/>
+          <a:p>
+            <a:r>
+              <a:rPr lang="de-CH" sz="2000" dirty="0" smtClean="0"/>
+              <a:t>Serverkommunikation anfangs mit JSON Textfile, danach </a:t>
+            </a:r>
+            <a:r>
+              <a:rPr lang="de-CH" sz="2000" dirty="0" err="1" smtClean="0"/>
+              <a:t>serialized</a:t>
+            </a:r>
+            <a:r>
+              <a:rPr lang="de-CH" sz="2000" dirty="0" smtClean="0"/>
+              <a:t> Objekte</a:t>
+            </a:r>
+          </a:p>
+          <a:p>
+            <a:r>
+              <a:rPr lang="de-CH" sz="2000" dirty="0" err="1" smtClean="0"/>
+              <a:t>ListView</a:t>
+            </a:r>
+            <a:r>
+              <a:rPr lang="de-CH" sz="2000" dirty="0" smtClean="0"/>
+              <a:t> mit Checkbox</a:t>
+            </a:r>
+          </a:p>
+          <a:p>
+            <a:r>
+              <a:rPr lang="de-CH" sz="2000" dirty="0" err="1" smtClean="0"/>
+              <a:t>ColorPicker</a:t>
+            </a:r>
+            <a:r>
+              <a:rPr lang="de-CH" sz="2000" dirty="0" smtClean="0"/>
+              <a:t> Library einbinden</a:t>
+            </a:r>
+          </a:p>
+          <a:p>
+            <a:r>
+              <a:rPr lang="de-CH" sz="2000" dirty="0" err="1" smtClean="0"/>
+              <a:t>ArrayList</a:t>
+            </a:r>
+            <a:r>
+              <a:rPr lang="de-CH" sz="2000" dirty="0" smtClean="0"/>
+              <a:t> «</a:t>
+            </a:r>
+            <a:r>
+              <a:rPr lang="de-CH" sz="2000" dirty="0" err="1" smtClean="0"/>
+              <a:t>synchronisation</a:t>
+            </a:r>
+            <a:r>
+              <a:rPr lang="de-CH" sz="2000" dirty="0" smtClean="0"/>
+              <a:t>»</a:t>
+            </a:r>
+            <a:endParaRPr lang="en-US" sz="2000" dirty="0"/>
+          </a:p>
+        </p:txBody>
+      </p:sp>
+    </p:spTree>
+    <p:extLst>
+      <p:ext uri="{BB962C8B-B14F-4D97-AF65-F5344CB8AC3E}">
+        <p14:creationId xmlns:p14="http://schemas.microsoft.com/office/powerpoint/2010/main" val="450098327"/>
+      </p:ext>
+    </p:extLst>
+  </p:cSld>
+  <p:clrMapOvr>
+    <a:masterClrMapping/>
+  </p:clrMapOvr>
+  <p:timing>
+    <p:tnLst>
+      <p:par>
+        <p:cTn id="1" dur="indefinite" restart="never" nodeType="tmRoot"/>
+      </p:par>
+    </p:tnLst>
+  </p:timing>
+</p:sld>
+</file>
+
+<file path=ppt/slides/slide15.xml><?xml version="1.0" encoding="utf-8"?>
+<p:sld xmlns:a="http://schemas.openxmlformats.org/drawingml/2006/main" xmlns:r="http://schemas.openxmlformats.org/officeDocument/2006/relationships" xmlns:p="http://schemas.openxmlformats.org/presentationml/2006/main">
+  <p:cSld>
+    <p:spTree>
+      <p:nvGrpSpPr>
+        <p:cNvPr id="1" name=""/>
+        <p:cNvGrpSpPr/>
+        <p:nvPr/>
+      </p:nvGrpSpPr>
+      <p:grpSpPr>
+        <a:xfrm>
+          <a:off x="0" y="0"/>
+          <a:ext cx="0" cy="0"/>
+          <a:chOff x="0" y="0"/>
+          <a:chExt cx="0" cy="0"/>
+        </a:xfrm>
+      </p:grpSpPr>
+      <p:sp>
+        <p:nvSpPr>
+          <p:cNvPr id="2" name="Titel 1"/>
+          <p:cNvSpPr>
+            <a:spLocks noGrp="1"/>
+          </p:cNvSpPr>
+          <p:nvPr>
+            <p:ph type="title"/>
+          </p:nvPr>
+        </p:nvSpPr>
+        <p:spPr>
+          <a:xfrm>
+            <a:off x="1484311" y="-4155"/>
+            <a:ext cx="10018713" cy="1752599"/>
+          </a:xfrm>
+        </p:spPr>
+        <p:txBody>
+          <a:bodyPr/>
+          <a:lstStyle/>
+          <a:p>
+            <a:r>
+              <a:rPr lang="de-CH" dirty="0" smtClean="0"/>
+              <a:t>Demo</a:t>
+            </a:r>
+            <a:endParaRPr lang="en-US" dirty="0"/>
+          </a:p>
+        </p:txBody>
+      </p:sp>
+      <p:pic>
+        <p:nvPicPr>
+          <p:cNvPr id="5" name="Grafik 4"/>
+          <p:cNvPicPr>
+            <a:picLocks noChangeAspect="1"/>
+          </p:cNvPicPr>
+          <p:nvPr/>
+        </p:nvPicPr>
+        <p:blipFill>
+          <a:blip r:embed="rId2"/>
+          <a:stretch>
+            <a:fillRect/>
+          </a:stretch>
+        </p:blipFill>
+        <p:spPr>
+          <a:xfrm>
+            <a:off x="5227853" y="1363287"/>
+            <a:ext cx="2531628" cy="4501255"/>
+          </a:xfrm>
+          <a:prstGeom prst="rect">
+            <a:avLst/>
+          </a:prstGeom>
+        </p:spPr>
+      </p:pic>
+    </p:spTree>
+    <p:extLst>
+      <p:ext uri="{BB962C8B-B14F-4D97-AF65-F5344CB8AC3E}">
+        <p14:creationId xmlns:p14="http://schemas.microsoft.com/office/powerpoint/2010/main" val="3453406292"/>
+      </p:ext>
+    </p:extLst>
+  </p:cSld>
+  <p:clrMapOvr>
+    <a:masterClrMapping/>
+  </p:clrMapOvr>
+  <p:timing>
+    <p:tnLst>
+      <p:par>
+        <p:cTn id="1" dur="indefinite" restart="never" nodeType="tmRoot"/>
+      </p:par>
+    </p:tnLst>
+  </p:timing>
+</p:sld>
+</file>
+
+<file path=ppt/slides/slide16.xml><?xml version="1.0" encoding="utf-8"?>
+<p:sld xmlns:a="http://schemas.openxmlformats.org/drawingml/2006/main" xmlns:r="http://schemas.openxmlformats.org/officeDocument/2006/relationships" xmlns:p="http://schemas.openxmlformats.org/presentationml/2006/main">
+  <p:cSld>
+    <p:spTree>
+      <p:nvGrpSpPr>
+        <p:cNvPr id="1" name=""/>
+        <p:cNvGrpSpPr/>
+        <p:nvPr/>
+      </p:nvGrpSpPr>
+      <p:grpSpPr>
+        <a:xfrm>
+          <a:off x="0" y="0"/>
+          <a:ext cx="0" cy="0"/>
+          <a:chOff x="0" y="0"/>
+          <a:chExt cx="0" cy="0"/>
+        </a:xfrm>
+      </p:grpSpPr>
+      <p:sp>
+        <p:nvSpPr>
+          <p:cNvPr id="2" name="Titel 1"/>
+          <p:cNvSpPr>
+            <a:spLocks noGrp="1"/>
+          </p:cNvSpPr>
+          <p:nvPr>
+            <p:ph type="title"/>
+          </p:nvPr>
+        </p:nvSpPr>
+        <p:spPr>
+          <a:xfrm>
+            <a:off x="1417809" y="2581103"/>
+            <a:ext cx="10018713" cy="1752599"/>
+          </a:xfrm>
+        </p:spPr>
+        <p:txBody>
+          <a:bodyPr/>
+          <a:lstStyle/>
+          <a:p>
+            <a:r>
+              <a:rPr lang="de-CH" dirty="0" smtClean="0"/>
+              <a:t>Fragen?</a:t>
+            </a:r>
+            <a:endParaRPr lang="en-US" dirty="0"/>
+          </a:p>
+        </p:txBody>
+      </p:sp>
+    </p:spTree>
+    <p:extLst>
+      <p:ext uri="{BB962C8B-B14F-4D97-AF65-F5344CB8AC3E}">
+        <p14:creationId xmlns:p14="http://schemas.microsoft.com/office/powerpoint/2010/main" val="2468017964"/>
+      </p:ext>
+    </p:extLst>
+  </p:cSld>
+  <p:clrMapOvr>
+    <a:masterClrMapping/>
+  </p:clrMapOvr>
+  <p:timing>
+    <p:tnLst>
+      <p:par>
+        <p:cTn id="1" dur="indefinite" restart="never" nodeType="tmRoot"/>
+      </p:par>
+    </p:tnLst>
+  </p:timing>
+</p:sld>
+</file>
+
 <file path=ppt/slides/slide2.xml><?xml version="1.0" encoding="utf-8"?>
 <p:sld xmlns:a="http://schemas.openxmlformats.org/drawingml/2006/main" xmlns:r="http://schemas.openxmlformats.org/officeDocument/2006/relationships" xmlns:p="http://schemas.openxmlformats.org/presentationml/2006/main">
   <p:cSld>
@@ -6920,6 +7543,73 @@
           </a:p>
         </p:txBody>
       </p:sp>
+      <p:pic>
+        <p:nvPicPr>
+          <p:cNvPr id="4" name="Picture 2" descr="http://theshellfishpig.co.uk/wp-content/uploads/2015/03/Find-me-graphic.jpg"/>
+          <p:cNvPicPr>
+            <a:picLocks noChangeAspect="1" noChangeArrowheads="1"/>
+          </p:cNvPicPr>
+          <p:nvPr/>
+        </p:nvPicPr>
+        <p:blipFill>
+          <a:blip r:embed="rId2">
+            <a:extLst>
+              <a:ext uri="{BEBA8EAE-BF5A-486C-A8C5-ECC9F3942E4B}">
+                <a14:imgProps xmlns:a14="http://schemas.microsoft.com/office/drawing/2010/main">
+                  <a14:imgLayer r:embed="rId3">
+                    <a14:imgEffect>
+                      <a14:backgroundRemoval t="0" b="100000" l="0" r="100000">
+                        <a14:foregroundMark x1="20339" y1="25424" x2="20339" y2="25424"/>
+                        <a14:foregroundMark x1="36271" y1="25424" x2="37627" y2="43390"/>
+                        <a14:foregroundMark x1="46441" y1="22034" x2="46102" y2="46780"/>
+                        <a14:foregroundMark x1="49153" y1="25085" x2="61017" y2="42373"/>
+                        <a14:foregroundMark x1="57288" y1="17627" x2="57627" y2="33559"/>
+                        <a14:foregroundMark x1="65763" y1="19661" x2="70847" y2="37627"/>
+                        <a14:foregroundMark x1="71525" y1="22373" x2="67797" y2="38305"/>
+                        <a14:foregroundMark x1="23390" y1="22034" x2="31525" y2="17288"/>
+                        <a14:foregroundMark x1="21356" y1="33220" x2="27119" y2="47797"/>
+                        <a14:foregroundMark x1="25763" y1="46102" x2="22034" y2="56271"/>
+                        <a14:foregroundMark x1="32203" y1="69831" x2="76271" y2="59661"/>
+                        <a14:foregroundMark x1="62712" y1="52881" x2="67797" y2="82712"/>
+                        <a14:foregroundMark x1="38983" y1="82373" x2="52881" y2="68475"/>
+                        <a14:foregroundMark x1="73559" y1="76949" x2="73559" y2="76949"/>
+                        <a14:foregroundMark x1="55254" y1="73559" x2="55254" y2="73559"/>
+                        <a14:foregroundMark x1="73559" y1="32542" x2="73559" y2="32542"/>
+                      </a14:backgroundRemoval>
+                    </a14:imgEffect>
+                  </a14:imgLayer>
+                </a14:imgProps>
+              </a:ext>
+              <a:ext uri="{28A0092B-C50C-407E-A947-70E740481C1C}">
+                <a14:useLocalDpi xmlns:a14="http://schemas.microsoft.com/office/drawing/2010/main" val="0"/>
+              </a:ext>
+            </a:extLst>
+          </a:blip>
+          <a:srcRect/>
+          <a:stretch>
+            <a:fillRect/>
+          </a:stretch>
+        </p:blipFill>
+        <p:spPr bwMode="auto">
+          <a:xfrm>
+            <a:off x="7834962" y="2784763"/>
+            <a:ext cx="2044929" cy="2044930"/>
+          </a:xfrm>
+          <a:prstGeom prst="rect">
+            <a:avLst/>
+          </a:prstGeom>
+          <a:noFill/>
+          <a:extLst>
+            <a:ext uri="{909E8E84-426E-40DD-AFC4-6F175D3DCCD1}">
+              <a14:hiddenFill xmlns:a14="http://schemas.microsoft.com/office/drawing/2010/main">
+                <a:solidFill>
+                  <a:srgbClr val="FFFFFF"/>
+                </a:solidFill>
+              </a14:hiddenFill>
+            </a:ext>
+          </a:extLst>
+        </p:spPr>
+      </p:pic>
     </p:spTree>
     <p:extLst>
       <p:ext uri="{BB962C8B-B14F-4D97-AF65-F5344CB8AC3E}">
@@ -7666,11 +8356,7 @@
             <a:pPr lvl="1"/>
             <a:r>
               <a:rPr lang="de-CH" sz="1600" b="1" dirty="0"/>
-              <a:t>Suche von </a:t>
-            </a:r>
-            <a:r>
-              <a:rPr lang="de-CH" sz="1600" b="1" dirty="0"/>
-              <a:t>Freunden</a:t>
+              <a:t>Suche von Freunden</a:t>
             </a:r>
           </a:p>
           <a:p>

--- a/FindMe.pptx
+++ b/FindMe.pptx
@@ -7,19 +7,19 @@
   <p:sldIdLst>
     <p:sldId id="256" r:id="rId2"/>
     <p:sldId id="257" r:id="rId3"/>
-    <p:sldId id="258" r:id="rId4"/>
-    <p:sldId id="259" r:id="rId5"/>
-    <p:sldId id="261" r:id="rId6"/>
-    <p:sldId id="260" r:id="rId7"/>
-    <p:sldId id="262" r:id="rId8"/>
-    <p:sldId id="263" r:id="rId9"/>
-    <p:sldId id="264" r:id="rId10"/>
-    <p:sldId id="265" r:id="rId11"/>
-    <p:sldId id="266" r:id="rId12"/>
-    <p:sldId id="267" r:id="rId13"/>
-    <p:sldId id="268" r:id="rId14"/>
-    <p:sldId id="269" r:id="rId15"/>
-    <p:sldId id="270" r:id="rId16"/>
+    <p:sldId id="270" r:id="rId4"/>
+    <p:sldId id="258" r:id="rId5"/>
+    <p:sldId id="259" r:id="rId6"/>
+    <p:sldId id="261" r:id="rId7"/>
+    <p:sldId id="260" r:id="rId8"/>
+    <p:sldId id="262" r:id="rId9"/>
+    <p:sldId id="263" r:id="rId10"/>
+    <p:sldId id="264" r:id="rId11"/>
+    <p:sldId id="265" r:id="rId12"/>
+    <p:sldId id="266" r:id="rId13"/>
+    <p:sldId id="267" r:id="rId14"/>
+    <p:sldId id="268" r:id="rId15"/>
+    <p:sldId id="269" r:id="rId16"/>
     <p:sldId id="271" r:id="rId17"/>
   </p:sldIdLst>
   <p:sldSz cx="12192000" cy="6858000"/>
@@ -630,7 +630,7 @@
             <a:fld id="{B61BEF0D-F0BB-DE4B-95CE-6DB70DBA9567}" type="datetimeFigureOut">
               <a:rPr lang="en-US" dirty="0"/>
               <a:pPr/>
-              <a:t>5/21/2016</a:t>
+              <a:t>5/23/2016</a:t>
             </a:fld>
             <a:endParaRPr lang="en-US" dirty="0"/>
           </a:p>
@@ -923,7 +923,7 @@
             <a:fld id="{B61BEF0D-F0BB-DE4B-95CE-6DB70DBA9567}" type="datetimeFigureOut">
               <a:rPr lang="en-US" dirty="0"/>
               <a:pPr/>
-              <a:t>5/21/2016</a:t>
+              <a:t>5/23/2016</a:t>
             </a:fld>
             <a:endParaRPr lang="en-US" dirty="0"/>
           </a:p>
@@ -1168,7 +1168,7 @@
             <a:fld id="{B61BEF0D-F0BB-DE4B-95CE-6DB70DBA9567}" type="datetimeFigureOut">
               <a:rPr lang="en-US" dirty="0"/>
               <a:pPr/>
-              <a:t>5/21/2016</a:t>
+              <a:t>5/23/2016</a:t>
             </a:fld>
             <a:endParaRPr lang="en-US" dirty="0"/>
           </a:p>
@@ -1705,7 +1705,7 @@
             <a:fld id="{B61BEF0D-F0BB-DE4B-95CE-6DB70DBA9567}" type="datetimeFigureOut">
               <a:rPr lang="en-US" dirty="0"/>
               <a:pPr/>
-              <a:t>5/21/2016</a:t>
+              <a:t>5/23/2016</a:t>
             </a:fld>
             <a:endParaRPr lang="en-US" dirty="0"/>
           </a:p>
@@ -1950,7 +1950,7 @@
             <a:fld id="{B61BEF0D-F0BB-DE4B-95CE-6DB70DBA9567}" type="datetimeFigureOut">
               <a:rPr lang="en-US" dirty="0"/>
               <a:pPr/>
-              <a:t>5/21/2016</a:t>
+              <a:t>5/23/2016</a:t>
             </a:fld>
             <a:endParaRPr lang="en-US" dirty="0"/>
           </a:p>
@@ -2479,7 +2479,7 @@
             <a:fld id="{B61BEF0D-F0BB-DE4B-95CE-6DB70DBA9567}" type="datetimeFigureOut">
               <a:rPr lang="en-US" dirty="0"/>
               <a:pPr/>
-              <a:t>5/21/2016</a:t>
+              <a:t>5/23/2016</a:t>
             </a:fld>
             <a:endParaRPr lang="en-US" dirty="0"/>
           </a:p>
@@ -2773,7 +2773,7 @@
             <a:fld id="{B61BEF0D-F0BB-DE4B-95CE-6DB70DBA9567}" type="datetimeFigureOut">
               <a:rPr lang="en-US" dirty="0"/>
               <a:pPr/>
-              <a:t>5/21/2016</a:t>
+              <a:t>5/23/2016</a:t>
             </a:fld>
             <a:endParaRPr lang="en-US" dirty="0"/>
           </a:p>
@@ -2944,7 +2944,7 @@
             <a:fld id="{B61BEF0D-F0BB-DE4B-95CE-6DB70DBA9567}" type="datetimeFigureOut">
               <a:rPr lang="en-US" dirty="0"/>
               <a:pPr/>
-              <a:t>5/21/2016</a:t>
+              <a:t>5/23/2016</a:t>
             </a:fld>
             <a:endParaRPr lang="en-US" dirty="0"/>
           </a:p>
@@ -3121,7 +3121,7 @@
             <a:fld id="{B61BEF0D-F0BB-DE4B-95CE-6DB70DBA9567}" type="datetimeFigureOut">
               <a:rPr lang="en-US" dirty="0"/>
               <a:pPr/>
-              <a:t>5/21/2016</a:t>
+              <a:t>5/23/2016</a:t>
             </a:fld>
             <a:endParaRPr lang="en-US" dirty="0"/>
           </a:p>
@@ -3288,7 +3288,7 @@
             <a:fld id="{B61BEF0D-F0BB-DE4B-95CE-6DB70DBA9567}" type="datetimeFigureOut">
               <a:rPr lang="en-US" dirty="0"/>
               <a:pPr/>
-              <a:t>5/21/2016</a:t>
+              <a:t>5/23/2016</a:t>
             </a:fld>
             <a:endParaRPr lang="en-US" dirty="0"/>
           </a:p>
@@ -3536,7 +3536,7 @@
             <a:fld id="{B61BEF0D-F0BB-DE4B-95CE-6DB70DBA9567}" type="datetimeFigureOut">
               <a:rPr lang="en-US" dirty="0"/>
               <a:pPr/>
-              <a:t>5/21/2016</a:t>
+              <a:t>5/23/2016</a:t>
             </a:fld>
             <a:endParaRPr lang="en-US" dirty="0"/>
           </a:p>
@@ -3830,7 +3830,7 @@
             <a:fld id="{B61BEF0D-F0BB-DE4B-95CE-6DB70DBA9567}" type="datetimeFigureOut">
               <a:rPr lang="en-US" dirty="0"/>
               <a:pPr/>
-              <a:t>5/21/2016</a:t>
+              <a:t>5/23/2016</a:t>
             </a:fld>
             <a:endParaRPr lang="en-US" dirty="0"/>
           </a:p>
@@ -4269,7 +4269,7 @@
             <a:fld id="{B61BEF0D-F0BB-DE4B-95CE-6DB70DBA9567}" type="datetimeFigureOut">
               <a:rPr lang="en-US" dirty="0"/>
               <a:pPr/>
-              <a:t>5/21/2016</a:t>
+              <a:t>5/23/2016</a:t>
             </a:fld>
             <a:endParaRPr lang="en-US" dirty="0"/>
           </a:p>
@@ -4384,7 +4384,7 @@
             <a:fld id="{B61BEF0D-F0BB-DE4B-95CE-6DB70DBA9567}" type="datetimeFigureOut">
               <a:rPr lang="en-US" dirty="0"/>
               <a:pPr/>
-              <a:t>5/21/2016</a:t>
+              <a:t>5/23/2016</a:t>
             </a:fld>
             <a:endParaRPr lang="en-US" dirty="0"/>
           </a:p>
@@ -4476,7 +4476,7 @@
             <a:fld id="{B61BEF0D-F0BB-DE4B-95CE-6DB70DBA9567}" type="datetimeFigureOut">
               <a:rPr lang="en-US" dirty="0"/>
               <a:pPr/>
-              <a:t>5/21/2016</a:t>
+              <a:t>5/23/2016</a:t>
             </a:fld>
             <a:endParaRPr lang="en-US" dirty="0"/>
           </a:p>
@@ -4756,7 +4756,7 @@
             <a:fld id="{B61BEF0D-F0BB-DE4B-95CE-6DB70DBA9567}" type="datetimeFigureOut">
               <a:rPr lang="en-US" dirty="0"/>
               <a:pPr/>
-              <a:t>5/21/2016</a:t>
+              <a:t>5/23/2016</a:t>
             </a:fld>
             <a:endParaRPr lang="en-US" dirty="0"/>
           </a:p>
@@ -5044,7 +5044,7 @@
             <a:fld id="{B61BEF0D-F0BB-DE4B-95CE-6DB70DBA9567}" type="datetimeFigureOut">
               <a:rPr lang="en-US" dirty="0"/>
               <a:pPr/>
-              <a:t>5/21/2016</a:t>
+              <a:t>5/23/2016</a:t>
             </a:fld>
             <a:endParaRPr lang="en-US" dirty="0"/>
           </a:p>
@@ -5571,7 +5571,7 @@
             <a:fld id="{B61BEF0D-F0BB-DE4B-95CE-6DB70DBA9567}" type="datetimeFigureOut">
               <a:rPr lang="en-US" dirty="0"/>
               <a:pPr/>
-              <a:t>5/21/2016</a:t>
+              <a:t>5/23/2016</a:t>
             </a:fld>
             <a:endParaRPr lang="en-US" dirty="0"/>
           </a:p>
@@ -6258,6 +6258,107 @@
             <p:ph type="title"/>
           </p:nvPr>
         </p:nvSpPr>
+        <p:spPr/>
+        <p:txBody>
+          <a:bodyPr/>
+          <a:lstStyle/>
+          <a:p>
+            <a:r>
+              <a:rPr lang="de-CH" dirty="0" smtClean="0"/>
+              <a:t>Zielpublikum</a:t>
+            </a:r>
+            <a:endParaRPr lang="en-US" dirty="0"/>
+          </a:p>
+        </p:txBody>
+      </p:sp>
+      <p:pic>
+        <p:nvPicPr>
+          <p:cNvPr id="7170" name="Picture 2" descr="http://first-togetherness.com/wp-content/uploads/2015/04/du.png"/>
+          <p:cNvPicPr>
+            <a:picLocks noChangeAspect="1" noChangeArrowheads="1"/>
+          </p:cNvPicPr>
+          <p:nvPr/>
+        </p:nvPicPr>
+        <p:blipFill>
+          <a:blip r:embed="rId2">
+            <a:extLst>
+              <a:ext uri="{28A0092B-C50C-407E-A947-70E740481C1C}">
+                <a14:useLocalDpi xmlns:a14="http://schemas.microsoft.com/office/drawing/2010/main" val="0"/>
+              </a:ext>
+            </a:extLst>
+          </a:blip>
+          <a:srcRect/>
+          <a:stretch>
+            <a:fillRect/>
+          </a:stretch>
+        </p:blipFill>
+        <p:spPr bwMode="auto">
+          <a:xfrm>
+            <a:off x="4892520" y="2334172"/>
+            <a:ext cx="3202294" cy="3202296"/>
+          </a:xfrm>
+          <a:prstGeom prst="rect">
+            <a:avLst/>
+          </a:prstGeom>
+          <a:noFill/>
+          <a:extLst>
+            <a:ext uri="{909E8E84-426E-40DD-AFC4-6F175D3DCCD1}">
+              <a14:hiddenFill xmlns:a14="http://schemas.microsoft.com/office/drawing/2010/main">
+                <a:solidFill>
+                  <a:srgbClr val="FFFFFF"/>
+                </a:solidFill>
+              </a14:hiddenFill>
+            </a:ext>
+          </a:extLst>
+        </p:spPr>
+      </p:pic>
+    </p:spTree>
+    <p:extLst>
+      <p:ext uri="{BB962C8B-B14F-4D97-AF65-F5344CB8AC3E}">
+        <p14:creationId xmlns:p14="http://schemas.microsoft.com/office/powerpoint/2010/main" val="3552013470"/>
+      </p:ext>
+    </p:extLst>
+  </p:cSld>
+  <p:clrMapOvr>
+    <a:masterClrMapping/>
+  </p:clrMapOvr>
+  <p:timing>
+    <p:tnLst>
+      <p:par>
+        <p:cTn id="1" dur="indefinite" restart="never" nodeType="tmRoot"/>
+      </p:par>
+    </p:tnLst>
+  </p:timing>
+</p:sld>
+</file>
+
+<file path=ppt/slides/slide11.xml><?xml version="1.0" encoding="utf-8"?>
+<p:sld xmlns:a="http://schemas.openxmlformats.org/drawingml/2006/main" xmlns:r="http://schemas.openxmlformats.org/officeDocument/2006/relationships" xmlns:p="http://schemas.openxmlformats.org/presentationml/2006/main">
+  <p:cSld>
+    <p:spTree>
+      <p:nvGrpSpPr>
+        <p:cNvPr id="1" name=""/>
+        <p:cNvGrpSpPr/>
+        <p:nvPr/>
+      </p:nvGrpSpPr>
+      <p:grpSpPr>
+        <a:xfrm>
+          <a:off x="0" y="0"/>
+          <a:ext cx="0" cy="0"/>
+          <a:chOff x="0" y="0"/>
+          <a:chExt cx="0" cy="0"/>
+        </a:xfrm>
+      </p:grpSpPr>
+      <p:sp>
+        <p:nvSpPr>
+          <p:cNvPr id="2" name="Titel 1"/>
+          <p:cNvSpPr>
+            <a:spLocks noGrp="1"/>
+          </p:cNvSpPr>
+          <p:nvPr>
+            <p:ph type="title"/>
+          </p:nvPr>
+        </p:nvSpPr>
         <p:spPr>
           <a:xfrm>
             <a:off x="1484311" y="-4155"/>
@@ -6318,34 +6419,43 @@
           <a:p>
             <a:r>
               <a:rPr lang="de-CH" sz="2000" dirty="0" smtClean="0"/>
-              <a:t>Server mit JSON Datenbank</a:t>
-            </a:r>
+              <a:t>Server mit JSON </a:t>
+            </a:r>
+            <a:r>
+              <a:rPr lang="de-CH" sz="2000" dirty="0" smtClean="0"/>
+              <a:t>Datei</a:t>
+            </a:r>
+            <a:endParaRPr lang="de-CH" sz="2000" dirty="0" smtClean="0"/>
           </a:p>
           <a:p>
             <a:r>
               <a:rPr lang="de-CH" sz="2000" dirty="0" err="1" smtClean="0"/>
-              <a:t>Serialized</a:t>
+              <a:t>serialisiertes</a:t>
             </a:r>
             <a:r>
               <a:rPr lang="de-CH" sz="2000" dirty="0" smtClean="0"/>
-              <a:t> </a:t>
-            </a:r>
-            <a:r>
-              <a:rPr lang="de-CH" sz="2000" dirty="0" err="1" smtClean="0"/>
-              <a:t>Object</a:t>
+              <a:t> Objekt </a:t>
             </a:r>
             <a:r>
               <a:rPr lang="de-CH" sz="2000" dirty="0" smtClean="0"/>
-              <a:t> vom Typ Benutzer Class an Server</a:t>
-            </a:r>
-          </a:p>
-          <a:p>
-            <a:r>
-              <a:rPr lang="de-CH" sz="2000" dirty="0" err="1" smtClean="0"/>
-              <a:t>Serialized</a:t>
+              <a:t>vom Typ </a:t>
             </a:r>
             <a:r>
               <a:rPr lang="de-CH" sz="2000" dirty="0" smtClean="0"/>
+              <a:t>User an </a:t>
+            </a:r>
+            <a:r>
+              <a:rPr lang="de-CH" sz="2000" dirty="0" smtClean="0"/>
+              <a:t>Server</a:t>
+            </a:r>
+          </a:p>
+          <a:p>
+            <a:r>
+              <a:rPr lang="de-CH" sz="2000" dirty="0" err="1"/>
+              <a:t>serialisiertes</a:t>
+            </a:r>
+            <a:r>
+              <a:rPr lang="de-CH" sz="2000" dirty="0"/>
               <a:t> </a:t>
             </a:r>
             <a:r>
@@ -6354,7 +6464,11 @@
             </a:r>
             <a:r>
               <a:rPr lang="de-CH" sz="2000" dirty="0" smtClean="0"/>
-              <a:t>&lt;Benutzer&gt; an Handy</a:t>
+              <a:t>&lt;User&gt; </a:t>
+            </a:r>
+            <a:r>
+              <a:rPr lang="de-CH" sz="2000" dirty="0" smtClean="0"/>
+              <a:t>an Handy</a:t>
             </a:r>
           </a:p>
           <a:p>
@@ -6666,11 +6780,7 @@
           <a:p>
             <a:r>
               <a:rPr lang="de-CH" sz="1400" dirty="0" smtClean="0"/>
-              <a:t>Benutzer </a:t>
-            </a:r>
-            <a:r>
-              <a:rPr lang="de-CH" sz="1400" dirty="0" err="1" smtClean="0"/>
-              <a:t>class</a:t>
+              <a:t>User Klasse</a:t>
             </a:r>
             <a:endParaRPr lang="en-US" sz="1400" dirty="0"/>
           </a:p>
@@ -6699,12 +6809,12 @@
           <a:lstStyle/>
           <a:p>
             <a:r>
-              <a:rPr lang="de-CH" sz="1400" dirty="0" err="1"/>
+              <a:rPr lang="de-CH" sz="1400" dirty="0" err="1" smtClean="0"/>
               <a:t>ArrayList</a:t>
             </a:r>
             <a:r>
-              <a:rPr lang="de-CH" sz="1400" dirty="0"/>
-              <a:t>&lt;Benutzer&gt;</a:t>
+              <a:rPr lang="de-CH" sz="1400" dirty="0" smtClean="0"/>
+              <a:t>&lt;User&gt;</a:t>
             </a:r>
             <a:endParaRPr lang="en-US" sz="1400" dirty="0"/>
           </a:p>
@@ -6730,7 +6840,7 @@
 </p:sld>
 </file>
 
-<file path=ppt/slides/slide11.xml><?xml version="1.0" encoding="utf-8"?>
+<file path=ppt/slides/slide12.xml><?xml version="1.0" encoding="utf-8"?>
 <p:sld xmlns:a="http://schemas.openxmlformats.org/drawingml/2006/main" xmlns:r="http://schemas.openxmlformats.org/officeDocument/2006/relationships" xmlns:p="http://schemas.openxmlformats.org/presentationml/2006/main">
   <p:cSld>
     <p:spTree>
@@ -6809,7 +6919,15 @@
           <a:p>
             <a:r>
               <a:rPr lang="de-CH" sz="2000" dirty="0" smtClean="0"/>
-              <a:t>JSON File für Freunde und eigene Benutzerdaten</a:t>
+              <a:t>JSON </a:t>
+            </a:r>
+            <a:r>
+              <a:rPr lang="de-CH" sz="2000" dirty="0" smtClean="0"/>
+              <a:t>Datei </a:t>
+            </a:r>
+            <a:r>
+              <a:rPr lang="de-CH" sz="2000" dirty="0" smtClean="0"/>
+              <a:t>für Freunde und eigene Benutzerdaten</a:t>
             </a:r>
             <a:endParaRPr lang="en-US" sz="2000" dirty="0"/>
           </a:p>
@@ -6899,122 +7017,6 @@
 </p:sld>
 </file>
 
-<file path=ppt/slides/slide12.xml><?xml version="1.0" encoding="utf-8"?>
-<p:sld xmlns:a="http://schemas.openxmlformats.org/drawingml/2006/main" xmlns:r="http://schemas.openxmlformats.org/officeDocument/2006/relationships" xmlns:p="http://schemas.openxmlformats.org/presentationml/2006/main">
-  <p:cSld>
-    <p:spTree>
-      <p:nvGrpSpPr>
-        <p:cNvPr id="1" name=""/>
-        <p:cNvGrpSpPr/>
-        <p:nvPr/>
-      </p:nvGrpSpPr>
-      <p:grpSpPr>
-        <a:xfrm>
-          <a:off x="0" y="0"/>
-          <a:ext cx="0" cy="0"/>
-          <a:chOff x="0" y="0"/>
-          <a:chExt cx="0" cy="0"/>
-        </a:xfrm>
-      </p:grpSpPr>
-      <p:sp>
-        <p:nvSpPr>
-          <p:cNvPr id="2" name="Titel 1"/>
-          <p:cNvSpPr>
-            <a:spLocks noGrp="1"/>
-          </p:cNvSpPr>
-          <p:nvPr>
-            <p:ph type="title"/>
-          </p:nvPr>
-        </p:nvSpPr>
-        <p:spPr>
-          <a:xfrm>
-            <a:off x="1484311" y="-4155"/>
-            <a:ext cx="10018713" cy="1752599"/>
-          </a:xfrm>
-        </p:spPr>
-        <p:txBody>
-          <a:bodyPr/>
-          <a:lstStyle/>
-          <a:p>
-            <a:r>
-              <a:rPr lang="de-CH" dirty="0"/>
-              <a:t>Technische </a:t>
-            </a:r>
-            <a:r>
-              <a:rPr lang="de-CH" dirty="0" smtClean="0"/>
-              <a:t>Anforderungen</a:t>
-            </a:r>
-            <a:endParaRPr lang="en-US" dirty="0"/>
-          </a:p>
-        </p:txBody>
-      </p:sp>
-      <p:sp>
-        <p:nvSpPr>
-          <p:cNvPr id="3" name="Inhaltsplatzhalter 2"/>
-          <p:cNvSpPr>
-            <a:spLocks noGrp="1"/>
-          </p:cNvSpPr>
-          <p:nvPr>
-            <p:ph idx="1"/>
-          </p:nvPr>
-        </p:nvSpPr>
-        <p:spPr>
-          <a:xfrm>
-            <a:off x="1384557" y="2151610"/>
-            <a:ext cx="6712039" cy="1771997"/>
-          </a:xfrm>
-        </p:spPr>
-        <p:txBody>
-          <a:bodyPr>
-            <a:normAutofit/>
-          </a:bodyPr>
-          <a:lstStyle/>
-          <a:p>
-            <a:r>
-              <a:rPr lang="de-CH" sz="2000" dirty="0" smtClean="0"/>
-              <a:t>Nebenläufigkeit mit </a:t>
-            </a:r>
-            <a:r>
-              <a:rPr lang="de-CH" sz="2000" dirty="0" err="1" smtClean="0"/>
-              <a:t>AsyncTaks</a:t>
-            </a:r>
-            <a:endParaRPr lang="de-CH" sz="2000" dirty="0" smtClean="0"/>
-          </a:p>
-          <a:p>
-            <a:r>
-              <a:rPr lang="de-CH" sz="2000" dirty="0" smtClean="0"/>
-              <a:t>Lädt Datenbank von Server </a:t>
-            </a:r>
-          </a:p>
-          <a:p>
-            <a:r>
-              <a:rPr lang="de-CH" sz="2000" dirty="0" smtClean="0"/>
-              <a:t>Speichert eigene Position auf Server</a:t>
-            </a:r>
-            <a:endParaRPr lang="en-US" sz="2000" dirty="0"/>
-          </a:p>
-        </p:txBody>
-      </p:sp>
-    </p:spTree>
-    <p:extLst>
-      <p:ext uri="{BB962C8B-B14F-4D97-AF65-F5344CB8AC3E}">
-        <p14:creationId xmlns:p14="http://schemas.microsoft.com/office/powerpoint/2010/main" val="2331494565"/>
-      </p:ext>
-    </p:extLst>
-  </p:cSld>
-  <p:clrMapOvr>
-    <a:masterClrMapping/>
-  </p:clrMapOvr>
-  <p:timing>
-    <p:tnLst>
-      <p:par>
-        <p:cTn id="1" dur="indefinite" restart="never" nodeType="tmRoot"/>
-      </p:par>
-    </p:tnLst>
-  </p:timing>
-</p:sld>
-</file>
-
 <file path=ppt/slides/slide13.xml><?xml version="1.0" encoding="utf-8"?>
 <p:sld xmlns:a="http://schemas.openxmlformats.org/drawingml/2006/main" xmlns:r="http://schemas.openxmlformats.org/officeDocument/2006/relationships" xmlns:p="http://schemas.openxmlformats.org/presentationml/2006/main">
   <p:cSld>
@@ -7087,53 +7089,224 @@
           <a:lstStyle/>
           <a:p>
             <a:r>
+              <a:rPr lang="de-CH" sz="2000" dirty="0" smtClean="0"/>
+              <a:t>Nebenläufigkeit mit </a:t>
+            </a:r>
+            <a:r>
               <a:rPr lang="de-CH" sz="2000" dirty="0" err="1" smtClean="0"/>
-              <a:t>Canvas</a:t>
-            </a:r>
+              <a:t>AsyncTaks</a:t>
+            </a:r>
+            <a:endParaRPr lang="de-CH" sz="2000" dirty="0" smtClean="0"/>
+          </a:p>
+          <a:p>
             <a:r>
               <a:rPr lang="de-CH" sz="2000" dirty="0" smtClean="0"/>
-              <a:t> Element für Mensa Karte</a:t>
-            </a:r>
-          </a:p>
-          <a:p>
+              <a:t>Lädt </a:t>
+            </a:r>
+            <a:r>
+              <a:rPr lang="de-CH" sz="2000" dirty="0" smtClean="0"/>
+              <a:t>Datei </a:t>
+            </a:r>
+            <a:r>
+              <a:rPr lang="de-CH" sz="2000" dirty="0" smtClean="0"/>
+              <a:t>von Server </a:t>
+            </a:r>
+          </a:p>
+          <a:p>
+            <a:r>
+              <a:rPr lang="de-CH" sz="2000" dirty="0" smtClean="0"/>
+              <a:t>Speichert eigene Position auf Server</a:t>
+            </a:r>
             <a:endParaRPr lang="en-US" sz="2000" dirty="0"/>
           </a:p>
         </p:txBody>
       </p:sp>
-      <p:pic>
-        <p:nvPicPr>
-          <p:cNvPr id="5" name="Grafik 4"/>
-          <p:cNvPicPr>
-            <a:picLocks noChangeAspect="1"/>
-          </p:cNvPicPr>
+      <p:sp>
+        <p:nvSpPr>
+          <p:cNvPr id="5" name="Rectangle 1"/>
+          <p:cNvSpPr>
+            <a:spLocks noChangeArrowheads="1"/>
+          </p:cNvSpPr>
           <p:nvPr/>
-        </p:nvPicPr>
-        <p:blipFill>
-          <a:blip r:embed="rId2">
-            <a:extLst>
-              <a:ext uri="{28A0092B-C50C-407E-A947-70E740481C1C}">
-                <a14:useLocalDpi xmlns:a14="http://schemas.microsoft.com/office/drawing/2010/main" val="0"/>
-              </a:ext>
-            </a:extLst>
-          </a:blip>
-          <a:stretch>
-            <a:fillRect/>
-          </a:stretch>
-        </p:blipFill>
-        <p:spPr>
+        </p:nvSpPr>
+        <p:spPr bwMode="auto">
           <a:xfrm>
-            <a:off x="6391569" y="1341611"/>
-            <a:ext cx="4074155" cy="5163991"/>
+            <a:off x="2114050" y="4142107"/>
+            <a:ext cx="8957272" cy="369332"/>
           </a:xfrm>
           <a:prstGeom prst="rect">
             <a:avLst/>
           </a:prstGeom>
+          <a:noFill/>
+          <a:ln>
+            <a:noFill/>
+          </a:ln>
+          <a:effectLst/>
         </p:spPr>
-      </p:pic>
+        <p:txBody>
+          <a:bodyPr vert="horz" wrap="square" lIns="91440" tIns="45720" rIns="91440" bIns="45720" numCol="1" anchor="ctr" anchorCtr="0" compatLnSpc="1">
+            <a:prstTxWarp prst="textNoShape">
+              <a:avLst/>
+            </a:prstTxWarp>
+            <a:spAutoFit/>
+          </a:bodyPr>
+          <a:lstStyle/>
+          <a:p>
+            <a:pPr marL="0" marR="0" lvl="0" indent="0" algn="l" defTabSz="914400" rtl="0" eaLnBrk="0" fontAlgn="base" latinLnBrk="0" hangingPunct="0">
+              <a:lnSpc>
+                <a:spcPct val="100000"/>
+              </a:lnSpc>
+              <a:spcBef>
+                <a:spcPct val="0"/>
+              </a:spcBef>
+              <a:spcAft>
+                <a:spcPct val="0"/>
+              </a:spcAft>
+              <a:buClrTx/>
+              <a:buSzTx/>
+              <a:buFontTx/>
+              <a:buNone/>
+              <a:tabLst/>
+            </a:pPr>
+            <a:r>
+              <a:rPr kumimoji="0" lang="en-US" altLang="en-US" b="1" i="0" u="none" strike="noStrike" cap="none" normalizeH="0" baseline="0" dirty="0" smtClean="0">
+                <a:ln>
+                  <a:noFill/>
+                </a:ln>
+                <a:solidFill>
+                  <a:srgbClr val="000080"/>
+                </a:solidFill>
+                <a:effectLst/>
+                <a:latin typeface="Courier New" panose="02070309020205020404" pitchFamily="49" charset="0"/>
+                <a:cs typeface="Courier New" panose="02070309020205020404" pitchFamily="49" charset="0"/>
+              </a:rPr>
+              <a:t>class </a:t>
+            </a:r>
+            <a:r>
+              <a:rPr kumimoji="0" lang="en-US" altLang="en-US" b="0" i="0" u="none" strike="noStrike" cap="none" normalizeH="0" baseline="0" dirty="0" err="1" smtClean="0">
+                <a:ln>
+                  <a:noFill/>
+                </a:ln>
+                <a:solidFill>
+                  <a:srgbClr val="000000"/>
+                </a:solidFill>
+                <a:effectLst/>
+                <a:latin typeface="Courier New" panose="02070309020205020404" pitchFamily="49" charset="0"/>
+                <a:cs typeface="Courier New" panose="02070309020205020404" pitchFamily="49" charset="0"/>
+              </a:rPr>
+              <a:t>DataLoader</a:t>
+            </a:r>
+            <a:r>
+              <a:rPr kumimoji="0" lang="en-US" altLang="en-US" b="0" i="0" u="none" strike="noStrike" cap="none" normalizeH="0" baseline="0" dirty="0" smtClean="0">
+                <a:ln>
+                  <a:noFill/>
+                </a:ln>
+                <a:solidFill>
+                  <a:srgbClr val="000000"/>
+                </a:solidFill>
+                <a:effectLst/>
+                <a:latin typeface="Courier New" panose="02070309020205020404" pitchFamily="49" charset="0"/>
+                <a:cs typeface="Courier New" panose="02070309020205020404" pitchFamily="49" charset="0"/>
+              </a:rPr>
+              <a:t> </a:t>
+            </a:r>
+            <a:r>
+              <a:rPr kumimoji="0" lang="en-US" altLang="en-US" b="1" i="0" u="none" strike="noStrike" cap="none" normalizeH="0" baseline="0" dirty="0" smtClean="0">
+                <a:ln>
+                  <a:noFill/>
+                </a:ln>
+                <a:solidFill>
+                  <a:srgbClr val="000080"/>
+                </a:solidFill>
+                <a:effectLst/>
+                <a:latin typeface="Courier New" panose="02070309020205020404" pitchFamily="49" charset="0"/>
+                <a:cs typeface="Courier New" panose="02070309020205020404" pitchFamily="49" charset="0"/>
+              </a:rPr>
+              <a:t>extends </a:t>
+            </a:r>
+            <a:r>
+              <a:rPr kumimoji="0" lang="en-US" altLang="en-US" b="0" i="0" u="none" strike="noStrike" cap="none" normalizeH="0" baseline="0" dirty="0" err="1" smtClean="0">
+                <a:ln>
+                  <a:noFill/>
+                </a:ln>
+                <a:solidFill>
+                  <a:srgbClr val="000000"/>
+                </a:solidFill>
+                <a:effectLst/>
+                <a:latin typeface="Courier New" panose="02070309020205020404" pitchFamily="49" charset="0"/>
+                <a:cs typeface="Courier New" panose="02070309020205020404" pitchFamily="49" charset="0"/>
+              </a:rPr>
+              <a:t>AsyncTask</a:t>
+            </a:r>
+            <a:r>
+              <a:rPr kumimoji="0" lang="en-US" altLang="en-US" b="0" i="0" u="none" strike="noStrike" cap="none" normalizeH="0" baseline="0" dirty="0" smtClean="0">
+                <a:ln>
+                  <a:noFill/>
+                </a:ln>
+                <a:solidFill>
+                  <a:srgbClr val="000000"/>
+                </a:solidFill>
+                <a:effectLst/>
+                <a:latin typeface="Courier New" panose="02070309020205020404" pitchFamily="49" charset="0"/>
+                <a:cs typeface="Courier New" panose="02070309020205020404" pitchFamily="49" charset="0"/>
+              </a:rPr>
+              <a:t>&lt;User, Void, </a:t>
+            </a:r>
+            <a:r>
+              <a:rPr kumimoji="0" lang="en-US" altLang="en-US" b="0" i="0" u="none" strike="noStrike" cap="none" normalizeH="0" baseline="0" dirty="0" err="1" smtClean="0">
+                <a:ln>
+                  <a:noFill/>
+                </a:ln>
+                <a:solidFill>
+                  <a:srgbClr val="000000"/>
+                </a:solidFill>
+                <a:effectLst/>
+                <a:latin typeface="Courier New" panose="02070309020205020404" pitchFamily="49" charset="0"/>
+                <a:cs typeface="Courier New" panose="02070309020205020404" pitchFamily="49" charset="0"/>
+              </a:rPr>
+              <a:t>ArrayList</a:t>
+            </a:r>
+            <a:r>
+              <a:rPr lang="en-US" altLang="en-US" dirty="0" smtClean="0">
+                <a:solidFill>
+                  <a:srgbClr val="000000"/>
+                </a:solidFill>
+                <a:latin typeface="Courier New" panose="02070309020205020404" pitchFamily="49" charset="0"/>
+                <a:cs typeface="Courier New" panose="02070309020205020404" pitchFamily="49" charset="0"/>
+              </a:rPr>
+              <a:t>&lt;User&gt; </a:t>
+            </a:r>
+            <a:r>
+              <a:rPr kumimoji="0" lang="en-US" altLang="en-US" b="0" i="0" u="none" strike="noStrike" cap="none" normalizeH="0" baseline="0" dirty="0" smtClean="0">
+                <a:ln>
+                  <a:noFill/>
+                </a:ln>
+                <a:solidFill>
+                  <a:srgbClr val="000000"/>
+                </a:solidFill>
+                <a:effectLst/>
+                <a:latin typeface="Courier New" panose="02070309020205020404" pitchFamily="49" charset="0"/>
+                <a:cs typeface="Courier New" panose="02070309020205020404" pitchFamily="49" charset="0"/>
+              </a:rPr>
+              <a:t>&gt;</a:t>
+            </a:r>
+            <a:endParaRPr kumimoji="0" lang="en-US" altLang="en-US" sz="4400" b="0" i="0" u="none" strike="noStrike" cap="none" normalizeH="0" baseline="0" dirty="0" smtClean="0">
+              <a:ln>
+                <a:noFill/>
+              </a:ln>
+              <a:solidFill>
+                <a:schemeClr val="tx1"/>
+              </a:solidFill>
+              <a:effectLst/>
+              <a:latin typeface="Arial" panose="020B0604020202020204" pitchFamily="34" charset="0"/>
+            </a:endParaRPr>
+          </a:p>
+        </p:txBody>
+      </p:sp>
     </p:spTree>
     <p:extLst>
       <p:ext uri="{BB962C8B-B14F-4D97-AF65-F5344CB8AC3E}">
-        <p14:creationId xmlns:p14="http://schemas.microsoft.com/office/powerpoint/2010/main" val="1460786785"/>
+        <p14:creationId xmlns:p14="http://schemas.microsoft.com/office/powerpoint/2010/main" val="2331494565"/>
       </p:ext>
     </p:extLst>
   </p:cSld>
@@ -7188,8 +7361,12 @@
           <a:lstStyle/>
           <a:p>
             <a:r>
+              <a:rPr lang="de-CH" dirty="0"/>
+              <a:t>Technische </a:t>
+            </a:r>
+            <a:r>
               <a:rPr lang="de-CH" dirty="0" smtClean="0"/>
-              <a:t>Probleme</a:t>
+              <a:t>Anforderungen</a:t>
             </a:r>
             <a:endParaRPr lang="en-US" dirty="0"/>
           </a:p>
@@ -7208,7 +7385,7 @@
         <p:spPr>
           <a:xfrm>
             <a:off x="1384557" y="2151610"/>
-            <a:ext cx="9322236" cy="2586645"/>
+            <a:ext cx="6712039" cy="1771997"/>
           </a:xfrm>
         </p:spPr>
         <p:txBody>
@@ -7218,63 +7395,710 @@
           <a:lstStyle/>
           <a:p>
             <a:r>
+              <a:rPr lang="de-CH" sz="2000" dirty="0" err="1" smtClean="0"/>
+              <a:t>Canvas</a:t>
+            </a:r>
+            <a:r>
               <a:rPr lang="de-CH" sz="2000" dirty="0" smtClean="0"/>
-              <a:t>Serverkommunikation anfangs mit JSON Textfile, danach </a:t>
-            </a:r>
-            <a:r>
-              <a:rPr lang="de-CH" sz="2000" dirty="0" err="1" smtClean="0"/>
-              <a:t>serialized</a:t>
-            </a:r>
-            <a:r>
-              <a:rPr lang="de-CH" sz="2000" dirty="0" smtClean="0"/>
-              <a:t> Objekte</a:t>
-            </a:r>
-          </a:p>
-          <a:p>
-            <a:r>
-              <a:rPr lang="de-CH" sz="2000" dirty="0" err="1" smtClean="0"/>
-              <a:t>ListView</a:t>
-            </a:r>
-            <a:r>
-              <a:rPr lang="de-CH" sz="2000" dirty="0" smtClean="0"/>
-              <a:t> mit Checkbox</a:t>
-            </a:r>
-          </a:p>
-          <a:p>
-            <a:r>
-              <a:rPr lang="de-CH" sz="2000" dirty="0" err="1" smtClean="0"/>
-              <a:t>ColorPicker</a:t>
-            </a:r>
-            <a:r>
-              <a:rPr lang="de-CH" sz="2000" dirty="0" smtClean="0"/>
-              <a:t> Library einbinden</a:t>
-            </a:r>
-          </a:p>
-          <a:p>
-            <a:r>
-              <a:rPr lang="de-CH" sz="2000" dirty="0" err="1" smtClean="0"/>
-              <a:t>ArrayList</a:t>
-            </a:r>
-            <a:r>
-              <a:rPr lang="de-CH" sz="2000" dirty="0" smtClean="0"/>
-              <a:t> «</a:t>
-            </a:r>
-            <a:r>
-              <a:rPr lang="de-CH" sz="2000" dirty="0" err="1" smtClean="0"/>
-              <a:t>synchronisation</a:t>
-            </a:r>
-            <a:r>
-              <a:rPr lang="de-CH" sz="2000" dirty="0" smtClean="0"/>
-              <a:t>»</a:t>
-            </a:r>
+              <a:t> Element für Mensa Karte</a:t>
+            </a:r>
+          </a:p>
+          <a:p>
             <a:endParaRPr lang="en-US" sz="2000" dirty="0"/>
+          </a:p>
+        </p:txBody>
+      </p:sp>
+      <p:pic>
+        <p:nvPicPr>
+          <p:cNvPr id="5" name="Grafik 4"/>
+          <p:cNvPicPr>
+            <a:picLocks noChangeAspect="1"/>
+          </p:cNvPicPr>
+          <p:nvPr/>
+        </p:nvPicPr>
+        <p:blipFill>
+          <a:blip r:embed="rId2">
+            <a:extLst>
+              <a:ext uri="{28A0092B-C50C-407E-A947-70E740481C1C}">
+                <a14:useLocalDpi xmlns:a14="http://schemas.microsoft.com/office/drawing/2010/main" val="0"/>
+              </a:ext>
+            </a:extLst>
+          </a:blip>
+          <a:stretch>
+            <a:fillRect/>
+          </a:stretch>
+        </p:blipFill>
+        <p:spPr>
+          <a:xfrm>
+            <a:off x="6391569" y="1341611"/>
+            <a:ext cx="4074155" cy="5163991"/>
+          </a:xfrm>
+          <a:prstGeom prst="rect">
+            <a:avLst/>
+          </a:prstGeom>
+        </p:spPr>
+      </p:pic>
+      <p:sp>
+        <p:nvSpPr>
+          <p:cNvPr id="4" name="Rectangle 1"/>
+          <p:cNvSpPr>
+            <a:spLocks noChangeArrowheads="1"/>
+          </p:cNvSpPr>
+          <p:nvPr/>
+        </p:nvSpPr>
+        <p:spPr bwMode="auto">
+          <a:xfrm>
+            <a:off x="1151466" y="3710905"/>
+            <a:ext cx="5071534" cy="1107996"/>
+          </a:xfrm>
+          <a:prstGeom prst="rect">
+            <a:avLst/>
+          </a:prstGeom>
+          <a:noFill/>
+          <a:ln>
+            <a:noFill/>
+          </a:ln>
+          <a:effectLst/>
+        </p:spPr>
+        <p:txBody>
+          <a:bodyPr vert="horz" wrap="square" lIns="91440" tIns="45720" rIns="91440" bIns="45720" numCol="1" anchor="ctr" anchorCtr="0" compatLnSpc="1">
+            <a:prstTxWarp prst="textNoShape">
+              <a:avLst/>
+            </a:prstTxWarp>
+            <a:spAutoFit/>
+          </a:bodyPr>
+          <a:lstStyle/>
+          <a:p>
+            <a:pPr marL="0" marR="0" lvl="0" indent="0" algn="l" defTabSz="914400" rtl="0" eaLnBrk="0" fontAlgn="base" latinLnBrk="0" hangingPunct="0">
+              <a:lnSpc>
+                <a:spcPct val="100000"/>
+              </a:lnSpc>
+              <a:spcBef>
+                <a:spcPct val="0"/>
+              </a:spcBef>
+              <a:spcAft>
+                <a:spcPct val="0"/>
+              </a:spcAft>
+              <a:buClrTx/>
+              <a:buSzTx/>
+              <a:buFontTx/>
+              <a:buNone/>
+              <a:tabLst/>
+            </a:pPr>
+            <a:r>
+              <a:rPr kumimoji="0" lang="en-US" altLang="en-US" sz="1100" b="0" i="0" u="none" strike="noStrike" cap="none" normalizeH="0" baseline="0" dirty="0" smtClean="0">
+                <a:ln>
+                  <a:noFill/>
+                </a:ln>
+                <a:solidFill>
+                  <a:srgbClr val="000000"/>
+                </a:solidFill>
+                <a:effectLst/>
+                <a:latin typeface="Courier New" panose="02070309020205020404" pitchFamily="49" charset="0"/>
+                <a:cs typeface="Courier New" panose="02070309020205020404" pitchFamily="49" charset="0"/>
+              </a:rPr>
+              <a:t>Canvas </a:t>
+            </a:r>
+            <a:r>
+              <a:rPr kumimoji="0" lang="en-US" altLang="en-US" sz="1100" b="0" i="0" u="none" strike="noStrike" cap="none" normalizeH="0" baseline="0" dirty="0" err="1" smtClean="0">
+                <a:ln>
+                  <a:noFill/>
+                </a:ln>
+                <a:solidFill>
+                  <a:srgbClr val="000000"/>
+                </a:solidFill>
+                <a:effectLst/>
+                <a:latin typeface="Courier New" panose="02070309020205020404" pitchFamily="49" charset="0"/>
+                <a:cs typeface="Courier New" panose="02070309020205020404" pitchFamily="49" charset="0"/>
+              </a:rPr>
+              <a:t>addNewMarker</a:t>
+            </a:r>
+            <a:r>
+              <a:rPr kumimoji="0" lang="en-US" altLang="en-US" sz="1100" b="0" i="0" u="none" strike="noStrike" cap="none" normalizeH="0" baseline="0" dirty="0" smtClean="0">
+                <a:ln>
+                  <a:noFill/>
+                </a:ln>
+                <a:solidFill>
+                  <a:srgbClr val="000000"/>
+                </a:solidFill>
+                <a:effectLst/>
+                <a:latin typeface="Courier New" panose="02070309020205020404" pitchFamily="49" charset="0"/>
+                <a:cs typeface="Courier New" panose="02070309020205020404" pitchFamily="49" charset="0"/>
+              </a:rPr>
+              <a:t>(Canvas </a:t>
+            </a:r>
+            <a:r>
+              <a:rPr kumimoji="0" lang="en-US" altLang="en-US" sz="1100" b="0" i="0" u="none" strike="noStrike" cap="none" normalizeH="0" baseline="0" dirty="0" err="1" smtClean="0">
+                <a:ln>
+                  <a:noFill/>
+                </a:ln>
+                <a:solidFill>
+                  <a:srgbClr val="000000"/>
+                </a:solidFill>
+                <a:effectLst/>
+                <a:latin typeface="Courier New" panose="02070309020205020404" pitchFamily="49" charset="0"/>
+                <a:cs typeface="Courier New" panose="02070309020205020404" pitchFamily="49" charset="0"/>
+              </a:rPr>
+              <a:t>canvas,</a:t>
+            </a:r>
+            <a:r>
+              <a:rPr kumimoji="0" lang="en-US" altLang="en-US" sz="1100" b="1" i="0" u="none" strike="noStrike" cap="none" normalizeH="0" baseline="0" dirty="0" err="1" smtClean="0">
+                <a:ln>
+                  <a:noFill/>
+                </a:ln>
+                <a:solidFill>
+                  <a:srgbClr val="000080"/>
+                </a:solidFill>
+                <a:effectLst/>
+                <a:latin typeface="Courier New" panose="02070309020205020404" pitchFamily="49" charset="0"/>
+                <a:cs typeface="Courier New" panose="02070309020205020404" pitchFamily="49" charset="0"/>
+              </a:rPr>
+              <a:t>int</a:t>
+            </a:r>
+            <a:r>
+              <a:rPr kumimoji="0" lang="en-US" altLang="en-US" sz="1100" b="1" i="0" u="none" strike="noStrike" cap="none" normalizeH="0" baseline="0" dirty="0" smtClean="0">
+                <a:ln>
+                  <a:noFill/>
+                </a:ln>
+                <a:solidFill>
+                  <a:srgbClr val="000080"/>
+                </a:solidFill>
+                <a:effectLst/>
+                <a:latin typeface="Courier New" panose="02070309020205020404" pitchFamily="49" charset="0"/>
+                <a:cs typeface="Courier New" panose="02070309020205020404" pitchFamily="49" charset="0"/>
+              </a:rPr>
+              <a:t> </a:t>
+            </a:r>
+            <a:r>
+              <a:rPr kumimoji="0" lang="en-US" altLang="en-US" sz="1100" b="0" i="0" u="none" strike="noStrike" cap="none" normalizeH="0" baseline="0" dirty="0" err="1" smtClean="0">
+                <a:ln>
+                  <a:noFill/>
+                </a:ln>
+                <a:solidFill>
+                  <a:srgbClr val="000000"/>
+                </a:solidFill>
+                <a:effectLst/>
+                <a:latin typeface="Courier New" panose="02070309020205020404" pitchFamily="49" charset="0"/>
+                <a:cs typeface="Courier New" panose="02070309020205020404" pitchFamily="49" charset="0"/>
+              </a:rPr>
+              <a:t>posX</a:t>
+            </a:r>
+            <a:r>
+              <a:rPr kumimoji="0" lang="en-US" altLang="en-US" sz="1100" b="0" i="0" u="none" strike="noStrike" cap="none" normalizeH="0" baseline="0" dirty="0" smtClean="0">
+                <a:ln>
+                  <a:noFill/>
+                </a:ln>
+                <a:solidFill>
+                  <a:srgbClr val="000000"/>
+                </a:solidFill>
+                <a:effectLst/>
+                <a:latin typeface="Courier New" panose="02070309020205020404" pitchFamily="49" charset="0"/>
+                <a:cs typeface="Courier New" panose="02070309020205020404" pitchFamily="49" charset="0"/>
+              </a:rPr>
+              <a:t>, </a:t>
+            </a:r>
+            <a:r>
+              <a:rPr kumimoji="0" lang="en-US" altLang="en-US" sz="1100" b="1" i="0" u="none" strike="noStrike" cap="none" normalizeH="0" baseline="0" dirty="0" err="1" smtClean="0">
+                <a:ln>
+                  <a:noFill/>
+                </a:ln>
+                <a:solidFill>
+                  <a:srgbClr val="000080"/>
+                </a:solidFill>
+                <a:effectLst/>
+                <a:latin typeface="Courier New" panose="02070309020205020404" pitchFamily="49" charset="0"/>
+                <a:cs typeface="Courier New" panose="02070309020205020404" pitchFamily="49" charset="0"/>
+              </a:rPr>
+              <a:t>int</a:t>
+            </a:r>
+            <a:r>
+              <a:rPr kumimoji="0" lang="en-US" altLang="en-US" sz="1100" b="1" i="0" u="none" strike="noStrike" cap="none" normalizeH="0" baseline="0" dirty="0" smtClean="0">
+                <a:ln>
+                  <a:noFill/>
+                </a:ln>
+                <a:solidFill>
+                  <a:srgbClr val="000080"/>
+                </a:solidFill>
+                <a:effectLst/>
+                <a:latin typeface="Courier New" panose="02070309020205020404" pitchFamily="49" charset="0"/>
+                <a:cs typeface="Courier New" panose="02070309020205020404" pitchFamily="49" charset="0"/>
+              </a:rPr>
+              <a:t> </a:t>
+            </a:r>
+            <a:r>
+              <a:rPr kumimoji="0" lang="en-US" altLang="en-US" sz="1100" b="0" i="0" u="none" strike="noStrike" cap="none" normalizeH="0" baseline="0" dirty="0" err="1" smtClean="0">
+                <a:ln>
+                  <a:noFill/>
+                </a:ln>
+                <a:solidFill>
+                  <a:srgbClr val="000000"/>
+                </a:solidFill>
+                <a:effectLst/>
+                <a:latin typeface="Courier New" panose="02070309020205020404" pitchFamily="49" charset="0"/>
+                <a:cs typeface="Courier New" panose="02070309020205020404" pitchFamily="49" charset="0"/>
+              </a:rPr>
+              <a:t>posY</a:t>
+            </a:r>
+            <a:r>
+              <a:rPr kumimoji="0" lang="en-US" altLang="en-US" sz="1100" b="0" i="0" u="none" strike="noStrike" cap="none" normalizeH="0" baseline="0" dirty="0" smtClean="0">
+                <a:ln>
+                  <a:noFill/>
+                </a:ln>
+                <a:solidFill>
+                  <a:srgbClr val="000000"/>
+                </a:solidFill>
+                <a:effectLst/>
+                <a:latin typeface="Courier New" panose="02070309020205020404" pitchFamily="49" charset="0"/>
+                <a:cs typeface="Courier New" panose="02070309020205020404" pitchFamily="49" charset="0"/>
+              </a:rPr>
+              <a:t>){</a:t>
+            </a:r>
+            <a:br>
+              <a:rPr kumimoji="0" lang="en-US" altLang="en-US" sz="1100" b="0" i="0" u="none" strike="noStrike" cap="none" normalizeH="0" baseline="0" dirty="0" smtClean="0">
+                <a:ln>
+                  <a:noFill/>
+                </a:ln>
+                <a:solidFill>
+                  <a:srgbClr val="000000"/>
+                </a:solidFill>
+                <a:effectLst/>
+                <a:latin typeface="Courier New" panose="02070309020205020404" pitchFamily="49" charset="0"/>
+                <a:cs typeface="Courier New" panose="02070309020205020404" pitchFamily="49" charset="0"/>
+              </a:rPr>
+            </a:br>
+            <a:r>
+              <a:rPr kumimoji="0" lang="en-US" altLang="en-US" sz="1100" b="0" i="0" u="none" strike="noStrike" cap="none" normalizeH="0" baseline="0" dirty="0" smtClean="0">
+                <a:ln>
+                  <a:noFill/>
+                </a:ln>
+                <a:solidFill>
+                  <a:srgbClr val="000000"/>
+                </a:solidFill>
+                <a:effectLst/>
+                <a:latin typeface="Courier New" panose="02070309020205020404" pitchFamily="49" charset="0"/>
+                <a:cs typeface="Courier New" panose="02070309020205020404" pitchFamily="49" charset="0"/>
+              </a:rPr>
+              <a:t>    Paint </a:t>
+            </a:r>
+            <a:r>
+              <a:rPr kumimoji="0" lang="en-US" altLang="en-US" sz="1100" b="0" i="0" u="none" strike="noStrike" cap="none" normalizeH="0" baseline="0" dirty="0" err="1" smtClean="0">
+                <a:ln>
+                  <a:noFill/>
+                </a:ln>
+                <a:solidFill>
+                  <a:srgbClr val="000000"/>
+                </a:solidFill>
+                <a:effectLst/>
+                <a:latin typeface="Courier New" panose="02070309020205020404" pitchFamily="49" charset="0"/>
+                <a:cs typeface="Courier New" panose="02070309020205020404" pitchFamily="49" charset="0"/>
+              </a:rPr>
+              <a:t>mPaint</a:t>
+            </a:r>
+            <a:r>
+              <a:rPr kumimoji="0" lang="en-US" altLang="en-US" sz="1100" b="0" i="0" u="none" strike="noStrike" cap="none" normalizeH="0" baseline="0" dirty="0" smtClean="0">
+                <a:ln>
+                  <a:noFill/>
+                </a:ln>
+                <a:solidFill>
+                  <a:srgbClr val="000000"/>
+                </a:solidFill>
+                <a:effectLst/>
+                <a:latin typeface="Courier New" panose="02070309020205020404" pitchFamily="49" charset="0"/>
+                <a:cs typeface="Courier New" panose="02070309020205020404" pitchFamily="49" charset="0"/>
+              </a:rPr>
+              <a:t> = </a:t>
+            </a:r>
+            <a:r>
+              <a:rPr kumimoji="0" lang="en-US" altLang="en-US" sz="1100" b="1" i="0" u="none" strike="noStrike" cap="none" normalizeH="0" baseline="0" dirty="0" smtClean="0">
+                <a:ln>
+                  <a:noFill/>
+                </a:ln>
+                <a:solidFill>
+                  <a:srgbClr val="000080"/>
+                </a:solidFill>
+                <a:effectLst/>
+                <a:latin typeface="Courier New" panose="02070309020205020404" pitchFamily="49" charset="0"/>
+                <a:cs typeface="Courier New" panose="02070309020205020404" pitchFamily="49" charset="0"/>
+              </a:rPr>
+              <a:t>new </a:t>
+            </a:r>
+            <a:r>
+              <a:rPr kumimoji="0" lang="en-US" altLang="en-US" sz="1100" b="0" i="0" u="none" strike="noStrike" cap="none" normalizeH="0" baseline="0" dirty="0" smtClean="0">
+                <a:ln>
+                  <a:noFill/>
+                </a:ln>
+                <a:solidFill>
+                  <a:srgbClr val="000000"/>
+                </a:solidFill>
+                <a:effectLst/>
+                <a:latin typeface="Courier New" panose="02070309020205020404" pitchFamily="49" charset="0"/>
+                <a:cs typeface="Courier New" panose="02070309020205020404" pitchFamily="49" charset="0"/>
+              </a:rPr>
+              <a:t>Paint();</a:t>
+            </a:r>
+            <a:br>
+              <a:rPr kumimoji="0" lang="en-US" altLang="en-US" sz="1100" b="0" i="0" u="none" strike="noStrike" cap="none" normalizeH="0" baseline="0" dirty="0" smtClean="0">
+                <a:ln>
+                  <a:noFill/>
+                </a:ln>
+                <a:solidFill>
+                  <a:srgbClr val="000000"/>
+                </a:solidFill>
+                <a:effectLst/>
+                <a:latin typeface="Courier New" panose="02070309020205020404" pitchFamily="49" charset="0"/>
+                <a:cs typeface="Courier New" panose="02070309020205020404" pitchFamily="49" charset="0"/>
+              </a:rPr>
+            </a:br>
+            <a:r>
+              <a:rPr kumimoji="0" lang="en-US" altLang="en-US" sz="1100" b="0" i="0" u="none" strike="noStrike" cap="none" normalizeH="0" baseline="0" dirty="0" smtClean="0">
+                <a:ln>
+                  <a:noFill/>
+                </a:ln>
+                <a:solidFill>
+                  <a:srgbClr val="000000"/>
+                </a:solidFill>
+                <a:effectLst/>
+                <a:latin typeface="Courier New" panose="02070309020205020404" pitchFamily="49" charset="0"/>
+                <a:cs typeface="Courier New" panose="02070309020205020404" pitchFamily="49" charset="0"/>
+              </a:rPr>
+              <a:t>    </a:t>
+            </a:r>
+            <a:r>
+              <a:rPr kumimoji="0" lang="en-US" altLang="en-US" sz="1100" b="0" i="0" u="none" strike="noStrike" cap="none" normalizeH="0" baseline="0" dirty="0" err="1" smtClean="0">
+                <a:ln>
+                  <a:noFill/>
+                </a:ln>
+                <a:solidFill>
+                  <a:srgbClr val="000000"/>
+                </a:solidFill>
+                <a:effectLst/>
+                <a:latin typeface="Courier New" panose="02070309020205020404" pitchFamily="49" charset="0"/>
+                <a:cs typeface="Courier New" panose="02070309020205020404" pitchFamily="49" charset="0"/>
+              </a:rPr>
+              <a:t>mPaint.setColor</a:t>
+            </a:r>
+            <a:r>
+              <a:rPr kumimoji="0" lang="en-US" altLang="en-US" sz="1100" b="0" i="0" u="none" strike="noStrike" cap="none" normalizeH="0" baseline="0" dirty="0" smtClean="0">
+                <a:ln>
+                  <a:noFill/>
+                </a:ln>
+                <a:solidFill>
+                  <a:srgbClr val="000000"/>
+                </a:solidFill>
+                <a:effectLst/>
+                <a:latin typeface="Courier New" panose="02070309020205020404" pitchFamily="49" charset="0"/>
+                <a:cs typeface="Courier New" panose="02070309020205020404" pitchFamily="49" charset="0"/>
+              </a:rPr>
+              <a:t>(</a:t>
+            </a:r>
+            <a:r>
+              <a:rPr kumimoji="0" lang="en-US" altLang="en-US" sz="1100" b="0" i="0" u="none" strike="noStrike" cap="none" normalizeH="0" baseline="0" dirty="0" err="1" smtClean="0">
+                <a:ln>
+                  <a:noFill/>
+                </a:ln>
+                <a:solidFill>
+                  <a:srgbClr val="000000"/>
+                </a:solidFill>
+                <a:effectLst/>
+                <a:latin typeface="Courier New" panose="02070309020205020404" pitchFamily="49" charset="0"/>
+                <a:cs typeface="Courier New" panose="02070309020205020404" pitchFamily="49" charset="0"/>
+              </a:rPr>
+              <a:t>Color.</a:t>
+            </a:r>
+            <a:r>
+              <a:rPr kumimoji="0" lang="en-US" altLang="en-US" sz="1100" b="1" i="1" u="none" strike="noStrike" cap="none" normalizeH="0" baseline="0" dirty="0" err="1" smtClean="0">
+                <a:ln>
+                  <a:noFill/>
+                </a:ln>
+                <a:solidFill>
+                  <a:srgbClr val="660E7A"/>
+                </a:solidFill>
+                <a:effectLst/>
+                <a:latin typeface="Courier New" panose="02070309020205020404" pitchFamily="49" charset="0"/>
+                <a:cs typeface="Courier New" panose="02070309020205020404" pitchFamily="49" charset="0"/>
+              </a:rPr>
+              <a:t>RED</a:t>
+            </a:r>
+            <a:r>
+              <a:rPr kumimoji="0" lang="en-US" altLang="en-US" sz="1100" b="0" i="0" u="none" strike="noStrike" cap="none" normalizeH="0" baseline="0" dirty="0" smtClean="0">
+                <a:ln>
+                  <a:noFill/>
+                </a:ln>
+                <a:solidFill>
+                  <a:srgbClr val="000000"/>
+                </a:solidFill>
+                <a:effectLst/>
+                <a:latin typeface="Courier New" panose="02070309020205020404" pitchFamily="49" charset="0"/>
+                <a:cs typeface="Courier New" panose="02070309020205020404" pitchFamily="49" charset="0"/>
+              </a:rPr>
+              <a:t>);</a:t>
+            </a:r>
+            <a:br>
+              <a:rPr kumimoji="0" lang="en-US" altLang="en-US" sz="1100" b="0" i="0" u="none" strike="noStrike" cap="none" normalizeH="0" baseline="0" dirty="0" smtClean="0">
+                <a:ln>
+                  <a:noFill/>
+                </a:ln>
+                <a:solidFill>
+                  <a:srgbClr val="000000"/>
+                </a:solidFill>
+                <a:effectLst/>
+                <a:latin typeface="Courier New" panose="02070309020205020404" pitchFamily="49" charset="0"/>
+                <a:cs typeface="Courier New" panose="02070309020205020404" pitchFamily="49" charset="0"/>
+              </a:rPr>
+            </a:br>
+            <a:r>
+              <a:rPr kumimoji="0" lang="en-US" altLang="en-US" sz="1100" b="0" i="0" u="none" strike="noStrike" cap="none" normalizeH="0" baseline="0" dirty="0" smtClean="0">
+                <a:ln>
+                  <a:noFill/>
+                </a:ln>
+                <a:solidFill>
+                  <a:srgbClr val="000000"/>
+                </a:solidFill>
+                <a:effectLst/>
+                <a:latin typeface="Courier New" panose="02070309020205020404" pitchFamily="49" charset="0"/>
+                <a:cs typeface="Courier New" panose="02070309020205020404" pitchFamily="49" charset="0"/>
+              </a:rPr>
+              <a:t>    </a:t>
+            </a:r>
+            <a:r>
+              <a:rPr kumimoji="0" lang="en-US" altLang="en-US" sz="1100" b="0" i="0" u="none" strike="noStrike" cap="none" normalizeH="0" baseline="0" dirty="0" err="1" smtClean="0">
+                <a:ln>
+                  <a:noFill/>
+                </a:ln>
+                <a:solidFill>
+                  <a:srgbClr val="000000"/>
+                </a:solidFill>
+                <a:effectLst/>
+                <a:latin typeface="Courier New" panose="02070309020205020404" pitchFamily="49" charset="0"/>
+                <a:cs typeface="Courier New" panose="02070309020205020404" pitchFamily="49" charset="0"/>
+              </a:rPr>
+              <a:t>canvas.drawCircle</a:t>
+            </a:r>
+            <a:r>
+              <a:rPr kumimoji="0" lang="en-US" altLang="en-US" sz="1100" b="0" i="0" u="none" strike="noStrike" cap="none" normalizeH="0" baseline="0" dirty="0" smtClean="0">
+                <a:ln>
+                  <a:noFill/>
+                </a:ln>
+                <a:solidFill>
+                  <a:srgbClr val="000000"/>
+                </a:solidFill>
+                <a:effectLst/>
+                <a:latin typeface="Courier New" panose="02070309020205020404" pitchFamily="49" charset="0"/>
+                <a:cs typeface="Courier New" panose="02070309020205020404" pitchFamily="49" charset="0"/>
+              </a:rPr>
+              <a:t>(</a:t>
+            </a:r>
+            <a:r>
+              <a:rPr kumimoji="0" lang="en-US" altLang="en-US" sz="1100" b="0" i="0" u="none" strike="noStrike" cap="none" normalizeH="0" baseline="0" dirty="0" err="1" smtClean="0">
+                <a:ln>
+                  <a:noFill/>
+                </a:ln>
+                <a:solidFill>
+                  <a:srgbClr val="000000"/>
+                </a:solidFill>
+                <a:effectLst/>
+                <a:latin typeface="Courier New" panose="02070309020205020404" pitchFamily="49" charset="0"/>
+                <a:cs typeface="Courier New" panose="02070309020205020404" pitchFamily="49" charset="0"/>
+              </a:rPr>
+              <a:t>posX</a:t>
+            </a:r>
+            <a:r>
+              <a:rPr kumimoji="0" lang="en-US" altLang="en-US" sz="1100" b="0" i="0" u="none" strike="noStrike" cap="none" normalizeH="0" baseline="0" dirty="0" smtClean="0">
+                <a:ln>
+                  <a:noFill/>
+                </a:ln>
+                <a:solidFill>
+                  <a:srgbClr val="000000"/>
+                </a:solidFill>
+                <a:effectLst/>
+                <a:latin typeface="Courier New" panose="02070309020205020404" pitchFamily="49" charset="0"/>
+                <a:cs typeface="Courier New" panose="02070309020205020404" pitchFamily="49" charset="0"/>
+              </a:rPr>
+              <a:t>, </a:t>
+            </a:r>
+            <a:r>
+              <a:rPr kumimoji="0" lang="en-US" altLang="en-US" sz="1100" b="0" i="0" u="none" strike="noStrike" cap="none" normalizeH="0" baseline="0" dirty="0" err="1" smtClean="0">
+                <a:ln>
+                  <a:noFill/>
+                </a:ln>
+                <a:solidFill>
+                  <a:srgbClr val="000000"/>
+                </a:solidFill>
+                <a:effectLst/>
+                <a:latin typeface="Courier New" panose="02070309020205020404" pitchFamily="49" charset="0"/>
+                <a:cs typeface="Courier New" panose="02070309020205020404" pitchFamily="49" charset="0"/>
+              </a:rPr>
+              <a:t>posY</a:t>
+            </a:r>
+            <a:r>
+              <a:rPr kumimoji="0" lang="en-US" altLang="en-US" sz="1100" b="0" i="0" u="none" strike="noStrike" cap="none" normalizeH="0" baseline="0" dirty="0" smtClean="0">
+                <a:ln>
+                  <a:noFill/>
+                </a:ln>
+                <a:solidFill>
+                  <a:srgbClr val="000000"/>
+                </a:solidFill>
+                <a:effectLst/>
+                <a:latin typeface="Courier New" panose="02070309020205020404" pitchFamily="49" charset="0"/>
+                <a:cs typeface="Courier New" panose="02070309020205020404" pitchFamily="49" charset="0"/>
+              </a:rPr>
+              <a:t>, </a:t>
+            </a:r>
+            <a:r>
+              <a:rPr kumimoji="0" lang="en-US" altLang="en-US" sz="1100" b="0" i="0" u="none" strike="noStrike" cap="none" normalizeH="0" baseline="0" dirty="0" smtClean="0">
+                <a:ln>
+                  <a:noFill/>
+                </a:ln>
+                <a:solidFill>
+                  <a:srgbClr val="0000FF"/>
+                </a:solidFill>
+                <a:effectLst/>
+                <a:latin typeface="Courier New" panose="02070309020205020404" pitchFamily="49" charset="0"/>
+                <a:cs typeface="Courier New" panose="02070309020205020404" pitchFamily="49" charset="0"/>
+              </a:rPr>
+              <a:t>15</a:t>
+            </a:r>
+            <a:r>
+              <a:rPr kumimoji="0" lang="en-US" altLang="en-US" sz="1100" b="0" i="0" u="none" strike="noStrike" cap="none" normalizeH="0" baseline="0" dirty="0" smtClean="0">
+                <a:ln>
+                  <a:noFill/>
+                </a:ln>
+                <a:solidFill>
+                  <a:srgbClr val="000000"/>
+                </a:solidFill>
+                <a:effectLst/>
+                <a:latin typeface="Courier New" panose="02070309020205020404" pitchFamily="49" charset="0"/>
+                <a:cs typeface="Courier New" panose="02070309020205020404" pitchFamily="49" charset="0"/>
+              </a:rPr>
+              <a:t>, </a:t>
+            </a:r>
+            <a:r>
+              <a:rPr kumimoji="0" lang="en-US" altLang="en-US" sz="1100" b="0" i="0" u="none" strike="noStrike" cap="none" normalizeH="0" baseline="0" dirty="0" err="1" smtClean="0">
+                <a:ln>
+                  <a:noFill/>
+                </a:ln>
+                <a:solidFill>
+                  <a:srgbClr val="000000"/>
+                </a:solidFill>
+                <a:effectLst/>
+                <a:latin typeface="Courier New" panose="02070309020205020404" pitchFamily="49" charset="0"/>
+                <a:cs typeface="Courier New" panose="02070309020205020404" pitchFamily="49" charset="0"/>
+              </a:rPr>
+              <a:t>mPaint</a:t>
+            </a:r>
+            <a:r>
+              <a:rPr kumimoji="0" lang="en-US" altLang="en-US" sz="1100" b="0" i="0" u="none" strike="noStrike" cap="none" normalizeH="0" baseline="0" dirty="0" smtClean="0">
+                <a:ln>
+                  <a:noFill/>
+                </a:ln>
+                <a:solidFill>
+                  <a:srgbClr val="000000"/>
+                </a:solidFill>
+                <a:effectLst/>
+                <a:latin typeface="Courier New" panose="02070309020205020404" pitchFamily="49" charset="0"/>
+                <a:cs typeface="Courier New" panose="02070309020205020404" pitchFamily="49" charset="0"/>
+              </a:rPr>
+              <a:t>);</a:t>
+            </a:r>
+            <a:br>
+              <a:rPr kumimoji="0" lang="en-US" altLang="en-US" sz="1100" b="0" i="0" u="none" strike="noStrike" cap="none" normalizeH="0" baseline="0" dirty="0" smtClean="0">
+                <a:ln>
+                  <a:noFill/>
+                </a:ln>
+                <a:solidFill>
+                  <a:srgbClr val="000000"/>
+                </a:solidFill>
+                <a:effectLst/>
+                <a:latin typeface="Courier New" panose="02070309020205020404" pitchFamily="49" charset="0"/>
+                <a:cs typeface="Courier New" panose="02070309020205020404" pitchFamily="49" charset="0"/>
+              </a:rPr>
+            </a:br>
+            <a:r>
+              <a:rPr kumimoji="0" lang="en-US" altLang="en-US" sz="1100" b="0" i="0" u="none" strike="noStrike" cap="none" normalizeH="0" baseline="0" dirty="0" smtClean="0">
+                <a:ln>
+                  <a:noFill/>
+                </a:ln>
+                <a:solidFill>
+                  <a:srgbClr val="000000"/>
+                </a:solidFill>
+                <a:effectLst/>
+                <a:latin typeface="Courier New" panose="02070309020205020404" pitchFamily="49" charset="0"/>
+                <a:cs typeface="Courier New" panose="02070309020205020404" pitchFamily="49" charset="0"/>
+              </a:rPr>
+              <a:t>    </a:t>
+            </a:r>
+            <a:r>
+              <a:rPr kumimoji="0" lang="en-US" altLang="en-US" sz="1100" b="1" i="0" u="none" strike="noStrike" cap="none" normalizeH="0" baseline="0" dirty="0" smtClean="0">
+                <a:ln>
+                  <a:noFill/>
+                </a:ln>
+                <a:solidFill>
+                  <a:srgbClr val="000080"/>
+                </a:solidFill>
+                <a:effectLst/>
+                <a:latin typeface="Courier New" panose="02070309020205020404" pitchFamily="49" charset="0"/>
+                <a:cs typeface="Courier New" panose="02070309020205020404" pitchFamily="49" charset="0"/>
+              </a:rPr>
+              <a:t>return </a:t>
+            </a:r>
+            <a:r>
+              <a:rPr kumimoji="0" lang="en-US" altLang="en-US" sz="1100" b="0" i="0" u="none" strike="noStrike" cap="none" normalizeH="0" baseline="0" dirty="0" smtClean="0">
+                <a:ln>
+                  <a:noFill/>
+                </a:ln>
+                <a:solidFill>
+                  <a:srgbClr val="000000"/>
+                </a:solidFill>
+                <a:effectLst/>
+                <a:latin typeface="Courier New" panose="02070309020205020404" pitchFamily="49" charset="0"/>
+                <a:cs typeface="Courier New" panose="02070309020205020404" pitchFamily="49" charset="0"/>
+              </a:rPr>
+              <a:t>canvas;</a:t>
+            </a:r>
+            <a:br>
+              <a:rPr kumimoji="0" lang="en-US" altLang="en-US" sz="1100" b="0" i="0" u="none" strike="noStrike" cap="none" normalizeH="0" baseline="0" dirty="0" smtClean="0">
+                <a:ln>
+                  <a:noFill/>
+                </a:ln>
+                <a:solidFill>
+                  <a:srgbClr val="000000"/>
+                </a:solidFill>
+                <a:effectLst/>
+                <a:latin typeface="Courier New" panose="02070309020205020404" pitchFamily="49" charset="0"/>
+                <a:cs typeface="Courier New" panose="02070309020205020404" pitchFamily="49" charset="0"/>
+              </a:rPr>
+            </a:br>
+            <a:r>
+              <a:rPr kumimoji="0" lang="en-US" altLang="en-US" sz="1100" b="0" i="0" u="none" strike="noStrike" cap="none" normalizeH="0" baseline="0" dirty="0" smtClean="0">
+                <a:ln>
+                  <a:noFill/>
+                </a:ln>
+                <a:solidFill>
+                  <a:srgbClr val="000000"/>
+                </a:solidFill>
+                <a:effectLst/>
+                <a:latin typeface="Courier New" panose="02070309020205020404" pitchFamily="49" charset="0"/>
+                <a:cs typeface="Courier New" panose="02070309020205020404" pitchFamily="49" charset="0"/>
+              </a:rPr>
+              <a:t>}</a:t>
+            </a:r>
+            <a:endParaRPr kumimoji="0" lang="en-US" altLang="en-US" sz="2800" b="0" i="0" u="none" strike="noStrike" cap="none" normalizeH="0" baseline="0" dirty="0" smtClean="0">
+              <a:ln>
+                <a:noFill/>
+              </a:ln>
+              <a:solidFill>
+                <a:schemeClr val="tx1"/>
+              </a:solidFill>
+              <a:effectLst/>
+              <a:latin typeface="Arial" panose="020B0604020202020204" pitchFamily="34" charset="0"/>
+            </a:endParaRPr>
           </a:p>
         </p:txBody>
       </p:sp>
     </p:spTree>
     <p:extLst>
       <p:ext uri="{BB962C8B-B14F-4D97-AF65-F5344CB8AC3E}">
-        <p14:creationId xmlns:p14="http://schemas.microsoft.com/office/powerpoint/2010/main" val="450098327"/>
+        <p14:creationId xmlns:p14="http://schemas.microsoft.com/office/powerpoint/2010/main" val="1460786785"/>
       </p:ext>
     </p:extLst>
   </p:cSld>
@@ -7330,40 +8154,101 @@
           <a:p>
             <a:r>
               <a:rPr lang="de-CH" dirty="0" smtClean="0"/>
-              <a:t>Demo</a:t>
+              <a:t>Probleme</a:t>
             </a:r>
             <a:endParaRPr lang="en-US" dirty="0"/>
           </a:p>
         </p:txBody>
       </p:sp>
-      <p:pic>
-        <p:nvPicPr>
-          <p:cNvPr id="5" name="Grafik 4"/>
-          <p:cNvPicPr>
-            <a:picLocks noChangeAspect="1"/>
-          </p:cNvPicPr>
-          <p:nvPr/>
-        </p:nvPicPr>
-        <p:blipFill>
-          <a:blip r:embed="rId2"/>
-          <a:stretch>
-            <a:fillRect/>
-          </a:stretch>
-        </p:blipFill>
+      <p:sp>
+        <p:nvSpPr>
+          <p:cNvPr id="3" name="Inhaltsplatzhalter 2"/>
+          <p:cNvSpPr>
+            <a:spLocks noGrp="1"/>
+          </p:cNvSpPr>
+          <p:nvPr>
+            <p:ph idx="1"/>
+          </p:nvPr>
+        </p:nvSpPr>
         <p:spPr>
           <a:xfrm>
-            <a:off x="5227853" y="1363287"/>
-            <a:ext cx="2531628" cy="4501255"/>
+            <a:off x="1384557" y="2151610"/>
+            <a:ext cx="9322236" cy="2586645"/>
           </a:xfrm>
-          <a:prstGeom prst="rect">
-            <a:avLst/>
-          </a:prstGeom>
         </p:spPr>
-      </p:pic>
+        <p:txBody>
+          <a:bodyPr>
+            <a:normAutofit/>
+          </a:bodyPr>
+          <a:lstStyle/>
+          <a:p>
+            <a:r>
+              <a:rPr lang="de-CH" sz="2000" dirty="0" smtClean="0"/>
+              <a:t>Serverkommunikation anfangs mit JSON </a:t>
+            </a:r>
+            <a:r>
+              <a:rPr lang="de-CH" sz="2000" dirty="0" smtClean="0"/>
+              <a:t>Datei, </a:t>
+            </a:r>
+            <a:r>
+              <a:rPr lang="de-CH" sz="2000" dirty="0" smtClean="0"/>
+              <a:t>danach </a:t>
+            </a:r>
+            <a:r>
+              <a:rPr lang="de-CH" sz="2000" dirty="0" err="1" smtClean="0"/>
+              <a:t>serialisierten</a:t>
+            </a:r>
+            <a:r>
+              <a:rPr lang="de-CH" sz="2000" dirty="0" smtClean="0"/>
+              <a:t> Objekten</a:t>
+            </a:r>
+            <a:endParaRPr lang="de-CH" sz="2000" dirty="0" smtClean="0"/>
+          </a:p>
+          <a:p>
+            <a:r>
+              <a:rPr lang="de-CH" sz="2000" dirty="0" err="1" smtClean="0"/>
+              <a:t>ListView</a:t>
+            </a:r>
+            <a:r>
+              <a:rPr lang="de-CH" sz="2000" dirty="0" smtClean="0"/>
+              <a:t> mit Checkbox</a:t>
+            </a:r>
+          </a:p>
+          <a:p>
+            <a:r>
+              <a:rPr lang="de-CH" sz="2000" dirty="0" err="1" smtClean="0"/>
+              <a:t>ColorPicker</a:t>
+            </a:r>
+            <a:r>
+              <a:rPr lang="de-CH" sz="2000" dirty="0" smtClean="0"/>
+              <a:t> Library einbinden</a:t>
+            </a:r>
+          </a:p>
+          <a:p>
+            <a:r>
+              <a:rPr lang="de-CH" sz="2000" dirty="0" err="1" smtClean="0"/>
+              <a:t>ArrayList</a:t>
+            </a:r>
+            <a:r>
+              <a:rPr lang="de-CH" sz="2000" dirty="0" smtClean="0"/>
+              <a:t> «</a:t>
+            </a:r>
+            <a:r>
+              <a:rPr lang="de-CH" sz="2000" dirty="0" err="1" smtClean="0"/>
+              <a:t>synchronisation</a:t>
+            </a:r>
+            <a:r>
+              <a:rPr lang="de-CH" sz="2000" dirty="0" smtClean="0"/>
+              <a:t>»</a:t>
+            </a:r>
+            <a:endParaRPr lang="en-US" sz="2000" dirty="0"/>
+          </a:p>
+        </p:txBody>
+      </p:sp>
     </p:spTree>
     <p:extLst>
       <p:ext uri="{BB962C8B-B14F-4D97-AF65-F5344CB8AC3E}">
-        <p14:creationId xmlns:p14="http://schemas.microsoft.com/office/powerpoint/2010/main" val="3453406292"/>
+        <p14:creationId xmlns:p14="http://schemas.microsoft.com/office/powerpoint/2010/main" val="450098327"/>
       </p:ext>
     </p:extLst>
   </p:cSld>
@@ -7502,8 +8387,9 @@
           <a:p>
             <a:r>
               <a:rPr lang="de-CH" dirty="0" smtClean="0"/>
-              <a:t>Begrüssung</a:t>
-            </a:r>
+              <a:t>Demo</a:t>
+            </a:r>
+            <a:endParaRPr lang="de-CH" dirty="0" smtClean="0"/>
           </a:p>
           <a:p>
             <a:r>
@@ -7533,13 +8419,7 @@
               <a:rPr lang="de-CH" dirty="0" smtClean="0"/>
               <a:t>Probleme</a:t>
             </a:r>
-          </a:p>
-          <a:p>
-            <a:r>
-              <a:rPr lang="de-CH" dirty="0" smtClean="0"/>
-              <a:t>Demo</a:t>
-            </a:r>
-            <a:endParaRPr lang="en-US" dirty="0"/>
+            <a:endParaRPr lang="de-CH" dirty="0" smtClean="0"/>
           </a:p>
         </p:txBody>
       </p:sp>
@@ -7659,6 +8539,95 @@
         </p:nvSpPr>
         <p:spPr>
           <a:xfrm>
+            <a:off x="1484311" y="-4155"/>
+            <a:ext cx="10018713" cy="1752599"/>
+          </a:xfrm>
+        </p:spPr>
+        <p:txBody>
+          <a:bodyPr/>
+          <a:lstStyle/>
+          <a:p>
+            <a:r>
+              <a:rPr lang="de-CH" dirty="0" smtClean="0"/>
+              <a:t>Demo</a:t>
+            </a:r>
+            <a:endParaRPr lang="en-US" dirty="0"/>
+          </a:p>
+        </p:txBody>
+      </p:sp>
+      <p:pic>
+        <p:nvPicPr>
+          <p:cNvPr id="5" name="Grafik 4"/>
+          <p:cNvPicPr>
+            <a:picLocks noChangeAspect="1"/>
+          </p:cNvPicPr>
+          <p:nvPr/>
+        </p:nvPicPr>
+        <p:blipFill>
+          <a:blip r:embed="rId2"/>
+          <a:stretch>
+            <a:fillRect/>
+          </a:stretch>
+        </p:blipFill>
+        <p:spPr>
+          <a:xfrm>
+            <a:off x="5227853" y="1363287"/>
+            <a:ext cx="2531628" cy="4501255"/>
+          </a:xfrm>
+          <a:prstGeom prst="rect">
+            <a:avLst/>
+          </a:prstGeom>
+        </p:spPr>
+      </p:pic>
+    </p:spTree>
+    <p:extLst>
+      <p:ext uri="{BB962C8B-B14F-4D97-AF65-F5344CB8AC3E}">
+        <p14:creationId xmlns:p14="http://schemas.microsoft.com/office/powerpoint/2010/main" val="3453406292"/>
+      </p:ext>
+    </p:extLst>
+  </p:cSld>
+  <p:clrMapOvr>
+    <a:masterClrMapping/>
+  </p:clrMapOvr>
+  <p:timing>
+    <p:tnLst>
+      <p:par>
+        <p:cTn id="1" dur="indefinite" restart="never" nodeType="tmRoot"/>
+      </p:par>
+    </p:tnLst>
+  </p:timing>
+</p:sld>
+</file>
+
+<file path=ppt/slides/slide4.xml><?xml version="1.0" encoding="utf-8"?>
+<p:sld xmlns:a="http://schemas.openxmlformats.org/drawingml/2006/main" xmlns:r="http://schemas.openxmlformats.org/officeDocument/2006/relationships" xmlns:p="http://schemas.openxmlformats.org/presentationml/2006/main">
+  <p:cSld>
+    <p:spTree>
+      <p:nvGrpSpPr>
+        <p:cNvPr id="1" name=""/>
+        <p:cNvGrpSpPr/>
+        <p:nvPr/>
+      </p:nvGrpSpPr>
+      <p:grpSpPr>
+        <a:xfrm>
+          <a:off x="0" y="0"/>
+          <a:ext cx="0" cy="0"/>
+          <a:chOff x="0" y="0"/>
+          <a:chExt cx="0" cy="0"/>
+        </a:xfrm>
+      </p:grpSpPr>
+      <p:sp>
+        <p:nvSpPr>
+          <p:cNvPr id="2" name="Titel 1"/>
+          <p:cNvSpPr>
+            <a:spLocks noGrp="1"/>
+          </p:cNvSpPr>
+          <p:nvPr>
+            <p:ph type="title"/>
+          </p:nvPr>
+        </p:nvSpPr>
+        <p:spPr>
+          <a:xfrm>
             <a:off x="1484310" y="0"/>
             <a:ext cx="5872453" cy="1008610"/>
           </a:xfrm>
@@ -7840,7 +8809,7 @@
 </p:sld>
 </file>
 
-<file path=ppt/slides/slide4.xml><?xml version="1.0" encoding="utf-8"?>
+<file path=ppt/slides/slide5.xml><?xml version="1.0" encoding="utf-8"?>
 <p:sld xmlns:a="http://schemas.openxmlformats.org/drawingml/2006/main" xmlns:r="http://schemas.openxmlformats.org/officeDocument/2006/relationships" xmlns:p="http://schemas.openxmlformats.org/presentationml/2006/main">
   <p:cSld>
     <p:spTree>
@@ -7949,8 +8918,12 @@
               <a:t>Persönliche </a:t>
             </a:r>
             <a:r>
-              <a:rPr lang="de-CH" sz="1200" dirty="0" err="1" smtClean="0"/>
-              <a:t>Friendslist</a:t>
+              <a:rPr lang="de-CH" sz="1200" dirty="0"/>
+              <a:t>Freunden </a:t>
+            </a:r>
+            <a:r>
+              <a:rPr lang="de-CH" sz="1200" dirty="0" smtClean="0"/>
+              <a:t>Liste</a:t>
             </a:r>
             <a:endParaRPr lang="de-CH" sz="1200" dirty="0" smtClean="0"/>
           </a:p>
@@ -8026,7 +8999,7 @@
 </p:sld>
 </file>
 
-<file path=ppt/slides/slide5.xml><?xml version="1.0" encoding="utf-8"?>
+<file path=ppt/slides/slide6.xml><?xml version="1.0" encoding="utf-8"?>
 <p:sld xmlns:a="http://schemas.openxmlformats.org/drawingml/2006/main" xmlns:r="http://schemas.openxmlformats.org/officeDocument/2006/relationships" xmlns:p="http://schemas.openxmlformats.org/presentationml/2006/main">
   <p:cSld>
     <p:spTree>
@@ -8181,8 +9154,12 @@
               <a:t>Persönliche </a:t>
             </a:r>
             <a:r>
-              <a:rPr lang="de-CH" sz="1200" dirty="0" err="1" smtClean="0"/>
-              <a:t>Friendslist</a:t>
+              <a:rPr lang="de-CH" sz="1200" dirty="0"/>
+              <a:t>Freunden </a:t>
+            </a:r>
+            <a:r>
+              <a:rPr lang="de-CH" sz="1200" dirty="0" smtClean="0"/>
+              <a:t>Liste</a:t>
             </a:r>
             <a:endParaRPr lang="de-CH" sz="1200" dirty="0" smtClean="0"/>
           </a:p>
@@ -8215,7 +9192,7 @@
 </p:sld>
 </file>
 
-<file path=ppt/slides/slide6.xml><?xml version="1.0" encoding="utf-8"?>
+<file path=ppt/slides/slide7.xml><?xml version="1.0" encoding="utf-8"?>
 <p:sld xmlns:a="http://schemas.openxmlformats.org/drawingml/2006/main" xmlns:r="http://schemas.openxmlformats.org/officeDocument/2006/relationships" xmlns:p="http://schemas.openxmlformats.org/presentationml/2006/main">
   <p:cSld>
     <p:spTree>
@@ -8366,8 +9343,12 @@
               <a:t>Persönliche </a:t>
             </a:r>
             <a:r>
-              <a:rPr lang="de-CH" sz="1200" dirty="0" err="1" smtClean="0"/>
-              <a:t>Friendslist</a:t>
+              <a:rPr lang="de-CH" sz="1200" dirty="0"/>
+              <a:t>Freunden </a:t>
+            </a:r>
+            <a:r>
+              <a:rPr lang="de-CH" sz="1200" dirty="0" smtClean="0"/>
+              <a:t>Liste</a:t>
             </a:r>
             <a:endParaRPr lang="de-CH" sz="1200" dirty="0" smtClean="0"/>
           </a:p>
@@ -8400,7 +9381,7 @@
 </p:sld>
 </file>
 
-<file path=ppt/slides/slide7.xml><?xml version="1.0" encoding="utf-8"?>
+<file path=ppt/slides/slide8.xml><?xml version="1.0" encoding="utf-8"?>
 <p:sld xmlns:a="http://schemas.openxmlformats.org/drawingml/2006/main" xmlns:r="http://schemas.openxmlformats.org/officeDocument/2006/relationships" xmlns:p="http://schemas.openxmlformats.org/presentationml/2006/main">
   <p:cSld>
     <p:spTree>
@@ -8549,8 +9530,12 @@
               <a:t>Persönliche </a:t>
             </a:r>
             <a:r>
-              <a:rPr lang="de-CH" sz="1600" b="1" dirty="0" err="1"/>
-              <a:t>Friendslist</a:t>
+              <a:rPr lang="de-CH" sz="1600" b="1" dirty="0"/>
+              <a:t>Freunden </a:t>
+            </a:r>
+            <a:r>
+              <a:rPr lang="de-CH" sz="1600" b="1" dirty="0"/>
+              <a:t>Liste</a:t>
             </a:r>
             <a:endParaRPr lang="de-CH" sz="1600" b="1" dirty="0"/>
           </a:p>
@@ -8583,7 +9568,7 @@
 </p:sld>
 </file>
 
-<file path=ppt/slides/slide8.xml><?xml version="1.0" encoding="utf-8"?>
+<file path=ppt/slides/slide9.xml><?xml version="1.0" encoding="utf-8"?>
 <p:sld xmlns:a="http://schemas.openxmlformats.org/drawingml/2006/main" xmlns:r="http://schemas.openxmlformats.org/officeDocument/2006/relationships" xmlns:p="http://schemas.openxmlformats.org/presentationml/2006/main">
   <p:cSld>
     <p:spTree>
@@ -8691,8 +9676,8 @@
               <a:t>Persönliche </a:t>
             </a:r>
             <a:r>
-              <a:rPr lang="de-CH" sz="1200" dirty="0" err="1"/>
-              <a:t>Friendslist</a:t>
+              <a:rPr lang="de-CH" sz="1200" dirty="0" smtClean="0"/>
+              <a:t>Freunden Liste</a:t>
             </a:r>
             <a:endParaRPr lang="de-CH" sz="1200" dirty="0"/>
           </a:p>
@@ -8773,107 +9758,6 @@
     <p:extLst>
       <p:ext uri="{BB962C8B-B14F-4D97-AF65-F5344CB8AC3E}">
         <p14:creationId xmlns:p14="http://schemas.microsoft.com/office/powerpoint/2010/main" val="2621571576"/>
-      </p:ext>
-    </p:extLst>
-  </p:cSld>
-  <p:clrMapOvr>
-    <a:masterClrMapping/>
-  </p:clrMapOvr>
-  <p:timing>
-    <p:tnLst>
-      <p:par>
-        <p:cTn id="1" dur="indefinite" restart="never" nodeType="tmRoot"/>
-      </p:par>
-    </p:tnLst>
-  </p:timing>
-</p:sld>
-</file>
-
-<file path=ppt/slides/slide9.xml><?xml version="1.0" encoding="utf-8"?>
-<p:sld xmlns:a="http://schemas.openxmlformats.org/drawingml/2006/main" xmlns:r="http://schemas.openxmlformats.org/officeDocument/2006/relationships" xmlns:p="http://schemas.openxmlformats.org/presentationml/2006/main">
-  <p:cSld>
-    <p:spTree>
-      <p:nvGrpSpPr>
-        <p:cNvPr id="1" name=""/>
-        <p:cNvGrpSpPr/>
-        <p:nvPr/>
-      </p:nvGrpSpPr>
-      <p:grpSpPr>
-        <a:xfrm>
-          <a:off x="0" y="0"/>
-          <a:ext cx="0" cy="0"/>
-          <a:chOff x="0" y="0"/>
-          <a:chExt cx="0" cy="0"/>
-        </a:xfrm>
-      </p:grpSpPr>
-      <p:sp>
-        <p:nvSpPr>
-          <p:cNvPr id="2" name="Titel 1"/>
-          <p:cNvSpPr>
-            <a:spLocks noGrp="1"/>
-          </p:cNvSpPr>
-          <p:nvPr>
-            <p:ph type="title"/>
-          </p:nvPr>
-        </p:nvSpPr>
-        <p:spPr/>
-        <p:txBody>
-          <a:bodyPr/>
-          <a:lstStyle/>
-          <a:p>
-            <a:r>
-              <a:rPr lang="de-CH" dirty="0" smtClean="0"/>
-              <a:t>Zielpublikum</a:t>
-            </a:r>
-            <a:endParaRPr lang="en-US" dirty="0"/>
-          </a:p>
-        </p:txBody>
-      </p:sp>
-      <p:pic>
-        <p:nvPicPr>
-          <p:cNvPr id="7170" name="Picture 2" descr="http://first-togetherness.com/wp-content/uploads/2015/04/du.png"/>
-          <p:cNvPicPr>
-            <a:picLocks noChangeAspect="1" noChangeArrowheads="1"/>
-          </p:cNvPicPr>
-          <p:nvPr/>
-        </p:nvPicPr>
-        <p:blipFill>
-          <a:blip r:embed="rId2">
-            <a:extLst>
-              <a:ext uri="{28A0092B-C50C-407E-A947-70E740481C1C}">
-                <a14:useLocalDpi xmlns:a14="http://schemas.microsoft.com/office/drawing/2010/main" val="0"/>
-              </a:ext>
-            </a:extLst>
-          </a:blip>
-          <a:srcRect/>
-          <a:stretch>
-            <a:fillRect/>
-          </a:stretch>
-        </p:blipFill>
-        <p:spPr bwMode="auto">
-          <a:xfrm>
-            <a:off x="4892520" y="2334172"/>
-            <a:ext cx="3202294" cy="3202296"/>
-          </a:xfrm>
-          <a:prstGeom prst="rect">
-            <a:avLst/>
-          </a:prstGeom>
-          <a:noFill/>
-          <a:extLst>
-            <a:ext uri="{909E8E84-426E-40DD-AFC4-6F175D3DCCD1}">
-              <a14:hiddenFill xmlns:a14="http://schemas.microsoft.com/office/drawing/2010/main">
-                <a:solidFill>
-                  <a:srgbClr val="FFFFFF"/>
-                </a:solidFill>
-              </a14:hiddenFill>
-            </a:ext>
-          </a:extLst>
-        </p:spPr>
-      </p:pic>
-    </p:spTree>
-    <p:extLst>
-      <p:ext uri="{BB962C8B-B14F-4D97-AF65-F5344CB8AC3E}">
-        <p14:creationId xmlns:p14="http://schemas.microsoft.com/office/powerpoint/2010/main" val="3552013470"/>
       </p:ext>
     </p:extLst>
   </p:cSld>

--- a/FindMe.pptx
+++ b/FindMe.pptx
@@ -6419,13 +6419,8 @@
           <a:p>
             <a:r>
               <a:rPr lang="de-CH" sz="2000" dirty="0" smtClean="0"/>
-              <a:t>Server mit JSON </a:t>
-            </a:r>
-            <a:r>
-              <a:rPr lang="de-CH" sz="2000" dirty="0" smtClean="0"/>
-              <a:t>Datei</a:t>
-            </a:r>
-            <a:endParaRPr lang="de-CH" sz="2000" dirty="0" smtClean="0"/>
+              <a:t>Server mit JSON Datei</a:t>
+            </a:r>
           </a:p>
           <a:p>
             <a:r>
@@ -6434,19 +6429,7 @@
             </a:r>
             <a:r>
               <a:rPr lang="de-CH" sz="2000" dirty="0" smtClean="0"/>
-              <a:t> Objekt </a:t>
-            </a:r>
-            <a:r>
-              <a:rPr lang="de-CH" sz="2000" dirty="0" smtClean="0"/>
-              <a:t>vom Typ </a:t>
-            </a:r>
-            <a:r>
-              <a:rPr lang="de-CH" sz="2000" dirty="0" smtClean="0"/>
-              <a:t>User an </a:t>
-            </a:r>
-            <a:r>
-              <a:rPr lang="de-CH" sz="2000" dirty="0" smtClean="0"/>
-              <a:t>Server</a:t>
+              <a:t> Objekt vom Typ User an Server</a:t>
             </a:r>
           </a:p>
           <a:p>
@@ -6464,11 +6447,7 @@
             </a:r>
             <a:r>
               <a:rPr lang="de-CH" sz="2000" dirty="0" smtClean="0"/>
-              <a:t>&lt;User&gt; </a:t>
-            </a:r>
-            <a:r>
-              <a:rPr lang="de-CH" sz="2000" dirty="0" smtClean="0"/>
-              <a:t>an Handy</a:t>
+              <a:t>&lt;User&gt; an Handy</a:t>
             </a:r>
           </a:p>
           <a:p>
@@ -6919,15 +6898,7 @@
           <a:p>
             <a:r>
               <a:rPr lang="de-CH" sz="2000" dirty="0" smtClean="0"/>
-              <a:t>JSON </a:t>
-            </a:r>
-            <a:r>
-              <a:rPr lang="de-CH" sz="2000" dirty="0" smtClean="0"/>
-              <a:t>Datei </a:t>
-            </a:r>
-            <a:r>
-              <a:rPr lang="de-CH" sz="2000" dirty="0" smtClean="0"/>
-              <a:t>für Freunde und eigene Benutzerdaten</a:t>
+              <a:t>JSON Datei für Freunde und eigene Benutzerdaten</a:t>
             </a:r>
             <a:endParaRPr lang="en-US" sz="2000" dirty="0"/>
           </a:p>
@@ -7101,15 +7072,7 @@
           <a:p>
             <a:r>
               <a:rPr lang="de-CH" sz="2000" dirty="0" smtClean="0"/>
-              <a:t>Lädt </a:t>
-            </a:r>
-            <a:r>
-              <a:rPr lang="de-CH" sz="2000" dirty="0" smtClean="0"/>
-              <a:t>Datei </a:t>
-            </a:r>
-            <a:r>
-              <a:rPr lang="de-CH" sz="2000" dirty="0" smtClean="0"/>
-              <a:t>von Server </a:t>
+              <a:t>Lädt Datei von Server </a:t>
             </a:r>
           </a:p>
           <a:p>
@@ -8184,15 +8147,7 @@
           <a:p>
             <a:r>
               <a:rPr lang="de-CH" sz="2000" dirty="0" smtClean="0"/>
-              <a:t>Serverkommunikation anfangs mit JSON </a:t>
-            </a:r>
-            <a:r>
-              <a:rPr lang="de-CH" sz="2000" dirty="0" smtClean="0"/>
-              <a:t>Datei, </a:t>
-            </a:r>
-            <a:r>
-              <a:rPr lang="de-CH" sz="2000" dirty="0" smtClean="0"/>
-              <a:t>danach </a:t>
+              <a:t>Serverkommunikation anfangs mit JSON Datei, danach </a:t>
             </a:r>
             <a:r>
               <a:rPr lang="de-CH" sz="2000" dirty="0" err="1" smtClean="0"/>
@@ -8202,7 +8157,6 @@
               <a:rPr lang="de-CH" sz="2000" dirty="0" smtClean="0"/>
               <a:t> Objekten</a:t>
             </a:r>
-            <a:endParaRPr lang="de-CH" sz="2000" dirty="0" smtClean="0"/>
           </a:p>
           <a:p>
             <a:r>
@@ -8389,7 +8343,6 @@
               <a:rPr lang="de-CH" dirty="0" smtClean="0"/>
               <a:t>Demo</a:t>
             </a:r>
-            <a:endParaRPr lang="de-CH" dirty="0" smtClean="0"/>
           </a:p>
           <a:p>
             <a:r>
@@ -8419,7 +8372,6 @@
               <a:rPr lang="de-CH" dirty="0" smtClean="0"/>
               <a:t>Probleme</a:t>
             </a:r>
-            <a:endParaRPr lang="de-CH" dirty="0" smtClean="0"/>
           </a:p>
         </p:txBody>
       </p:sp>
@@ -8925,7 +8877,6 @@
               <a:rPr lang="de-CH" sz="1200" dirty="0" smtClean="0"/>
               <a:t>Liste</a:t>
             </a:r>
-            <a:endParaRPr lang="de-CH" sz="1200" dirty="0" smtClean="0"/>
           </a:p>
           <a:p>
             <a:pPr lvl="1"/>
@@ -9161,7 +9112,6 @@
               <a:rPr lang="de-CH" sz="1200" dirty="0" smtClean="0"/>
               <a:t>Liste</a:t>
             </a:r>
-            <a:endParaRPr lang="de-CH" sz="1200" dirty="0" smtClean="0"/>
           </a:p>
           <a:p>
             <a:pPr lvl="1"/>
@@ -9211,7 +9161,7 @@
       </p:grpSpPr>
       <p:pic>
         <p:nvPicPr>
-          <p:cNvPr id="4" name="Grafik 3"/>
+          <p:cNvPr id="5" name="Grafik 4"/>
           <p:cNvPicPr>
             <a:picLocks noChangeAspect="1"/>
           </p:cNvPicPr>
@@ -9224,13 +9174,9 @@
                 <a14:imgProps xmlns:a14="http://schemas.microsoft.com/office/drawing/2010/main">
                   <a14:imgLayer r:embed="rId3">
                     <a14:imgEffect>
-                      <a14:backgroundRemoval t="2334" b="98600" l="5602" r="94191">
-                        <a14:foregroundMark x1="13693" y1="26721" x2="10581" y2="33022"/>
-                        <a14:backgroundMark x1="35685" y1="3617" x2="75104" y2="3967"/>
-                        <a14:backgroundMark x1="85062" y1="5134" x2="85062" y2="5134"/>
-                        <a14:backgroundMark x1="87759" y1="5134" x2="87759" y2="5134"/>
-                        <a14:backgroundMark x1="81743" y1="4901" x2="89834" y2="5951"/>
-                        <a14:backgroundMark x1="79668" y1="4667" x2="79668" y2="4667"/>
+                      <a14:backgroundRemoval t="3497" b="99068" l="5590" r="95445">
+                        <a14:foregroundMark x1="49482" y1="73543" x2="64803" y2="72844"/>
+                        <a14:foregroundMark x1="12836" y1="74709" x2="21739" y2="77506"/>
                       </a14:backgroundRemoval>
                     </a14:imgEffect>
                   </a14:imgLayer>
@@ -9245,7 +9191,7 @@
         <p:spPr>
           <a:xfrm>
             <a:off x="3758807" y="707273"/>
-            <a:ext cx="3403645" cy="6051709"/>
+            <a:ext cx="3403645" cy="6046226"/>
           </a:xfrm>
           <a:prstGeom prst="rect">
             <a:avLst/>
@@ -9350,7 +9296,6 @@
               <a:rPr lang="de-CH" sz="1200" dirty="0" smtClean="0"/>
               <a:t>Liste</a:t>
             </a:r>
-            <a:endParaRPr lang="de-CH" sz="1200" dirty="0" smtClean="0"/>
           </a:p>
           <a:p>
             <a:pPr lvl="1"/>
@@ -9400,7 +9345,7 @@
       </p:grpSpPr>
       <p:pic>
         <p:nvPicPr>
-          <p:cNvPr id="5" name="Grafik 4"/>
+          <p:cNvPr id="4" name="Grafik 3"/>
           <p:cNvPicPr>
             <a:picLocks noChangeAspect="1"/>
           </p:cNvPicPr>
@@ -9413,11 +9358,10 @@
                 <a14:imgProps xmlns:a14="http://schemas.microsoft.com/office/drawing/2010/main">
                   <a14:imgLayer r:embed="rId3">
                     <a14:imgEffect>
-                      <a14:backgroundRemoval t="2684" b="98600" l="6017" r="95228">
-                        <a14:foregroundMark x1="43776" y1="64644" x2="57676" y2="65111"/>
-                        <a14:foregroundMark x1="12241" y1="29288" x2="12448" y2="31272"/>
-                        <a14:backgroundMark x1="34025" y1="3734" x2="45228" y2="3501"/>
-                        <a14:backgroundMark x1="50830" y1="3734" x2="50830" y2="3734"/>
+                      <a14:backgroundRemoval t="1399" b="98718" l="6211" r="99172">
+                        <a14:backgroundMark x1="34369" y1="3497" x2="34369" y2="3497"/>
+                        <a14:backgroundMark x1="36646" y1="3497" x2="36646" y2="3497"/>
+                        <a14:backgroundMark x1="38302" y1="3497" x2="38302" y2="3497"/>
                       </a14:backgroundRemoval>
                     </a14:imgEffect>
                   </a14:imgLayer>
@@ -9432,7 +9376,7 @@
         <p:spPr>
           <a:xfrm>
             <a:off x="3758806" y="707271"/>
-            <a:ext cx="3403646" cy="6051711"/>
+            <a:ext cx="3403646" cy="6046229"/>
           </a:xfrm>
           <a:prstGeom prst="rect">
             <a:avLst/>
@@ -9527,17 +9471,8 @@
             <a:pPr lvl="1"/>
             <a:r>
               <a:rPr lang="de-CH" sz="1600" b="1" dirty="0"/>
-              <a:t>Persönliche </a:t>
-            </a:r>
-            <a:r>
-              <a:rPr lang="de-CH" sz="1600" b="1" dirty="0"/>
-              <a:t>Freunden </a:t>
-            </a:r>
-            <a:r>
-              <a:rPr lang="de-CH" sz="1600" b="1" dirty="0"/>
-              <a:t>Liste</a:t>
-            </a:r>
-            <a:endParaRPr lang="de-CH" sz="1600" b="1" dirty="0"/>
+              <a:t>Persönliche Freunden Liste</a:t>
+            </a:r>
           </a:p>
           <a:p>
             <a:pPr lvl="1"/>

--- a/FindMe.pptx
+++ b/FindMe.pptx
@@ -630,7 +630,7 @@
             <a:fld id="{B61BEF0D-F0BB-DE4B-95CE-6DB70DBA9567}" type="datetimeFigureOut">
               <a:rPr lang="en-US" dirty="0"/>
               <a:pPr/>
-              <a:t>5/23/2016</a:t>
+              <a:t>5/24/2016</a:t>
             </a:fld>
             <a:endParaRPr lang="en-US" dirty="0"/>
           </a:p>
@@ -923,7 +923,7 @@
             <a:fld id="{B61BEF0D-F0BB-DE4B-95CE-6DB70DBA9567}" type="datetimeFigureOut">
               <a:rPr lang="en-US" dirty="0"/>
               <a:pPr/>
-              <a:t>5/23/2016</a:t>
+              <a:t>5/24/2016</a:t>
             </a:fld>
             <a:endParaRPr lang="en-US" dirty="0"/>
           </a:p>
@@ -1168,7 +1168,7 @@
             <a:fld id="{B61BEF0D-F0BB-DE4B-95CE-6DB70DBA9567}" type="datetimeFigureOut">
               <a:rPr lang="en-US" dirty="0"/>
               <a:pPr/>
-              <a:t>5/23/2016</a:t>
+              <a:t>5/24/2016</a:t>
             </a:fld>
             <a:endParaRPr lang="en-US" dirty="0"/>
           </a:p>
@@ -1705,7 +1705,7 @@
             <a:fld id="{B61BEF0D-F0BB-DE4B-95CE-6DB70DBA9567}" type="datetimeFigureOut">
               <a:rPr lang="en-US" dirty="0"/>
               <a:pPr/>
-              <a:t>5/23/2016</a:t>
+              <a:t>5/24/2016</a:t>
             </a:fld>
             <a:endParaRPr lang="en-US" dirty="0"/>
           </a:p>
@@ -1950,7 +1950,7 @@
             <a:fld id="{B61BEF0D-F0BB-DE4B-95CE-6DB70DBA9567}" type="datetimeFigureOut">
               <a:rPr lang="en-US" dirty="0"/>
               <a:pPr/>
-              <a:t>5/23/2016</a:t>
+              <a:t>5/24/2016</a:t>
             </a:fld>
             <a:endParaRPr lang="en-US" dirty="0"/>
           </a:p>
@@ -2479,7 +2479,7 @@
             <a:fld id="{B61BEF0D-F0BB-DE4B-95CE-6DB70DBA9567}" type="datetimeFigureOut">
               <a:rPr lang="en-US" dirty="0"/>
               <a:pPr/>
-              <a:t>5/23/2016</a:t>
+              <a:t>5/24/2016</a:t>
             </a:fld>
             <a:endParaRPr lang="en-US" dirty="0"/>
           </a:p>
@@ -2773,7 +2773,7 @@
             <a:fld id="{B61BEF0D-F0BB-DE4B-95CE-6DB70DBA9567}" type="datetimeFigureOut">
               <a:rPr lang="en-US" dirty="0"/>
               <a:pPr/>
-              <a:t>5/23/2016</a:t>
+              <a:t>5/24/2016</a:t>
             </a:fld>
             <a:endParaRPr lang="en-US" dirty="0"/>
           </a:p>
@@ -2944,7 +2944,7 @@
             <a:fld id="{B61BEF0D-F0BB-DE4B-95CE-6DB70DBA9567}" type="datetimeFigureOut">
               <a:rPr lang="en-US" dirty="0"/>
               <a:pPr/>
-              <a:t>5/23/2016</a:t>
+              <a:t>5/24/2016</a:t>
             </a:fld>
             <a:endParaRPr lang="en-US" dirty="0"/>
           </a:p>
@@ -3121,7 +3121,7 @@
             <a:fld id="{B61BEF0D-F0BB-DE4B-95CE-6DB70DBA9567}" type="datetimeFigureOut">
               <a:rPr lang="en-US" dirty="0"/>
               <a:pPr/>
-              <a:t>5/23/2016</a:t>
+              <a:t>5/24/2016</a:t>
             </a:fld>
             <a:endParaRPr lang="en-US" dirty="0"/>
           </a:p>
@@ -3288,7 +3288,7 @@
             <a:fld id="{B61BEF0D-F0BB-DE4B-95CE-6DB70DBA9567}" type="datetimeFigureOut">
               <a:rPr lang="en-US" dirty="0"/>
               <a:pPr/>
-              <a:t>5/23/2016</a:t>
+              <a:t>5/24/2016</a:t>
             </a:fld>
             <a:endParaRPr lang="en-US" dirty="0"/>
           </a:p>
@@ -3536,7 +3536,7 @@
             <a:fld id="{B61BEF0D-F0BB-DE4B-95CE-6DB70DBA9567}" type="datetimeFigureOut">
               <a:rPr lang="en-US" dirty="0"/>
               <a:pPr/>
-              <a:t>5/23/2016</a:t>
+              <a:t>5/24/2016</a:t>
             </a:fld>
             <a:endParaRPr lang="en-US" dirty="0"/>
           </a:p>
@@ -3830,7 +3830,7 @@
             <a:fld id="{B61BEF0D-F0BB-DE4B-95CE-6DB70DBA9567}" type="datetimeFigureOut">
               <a:rPr lang="en-US" dirty="0"/>
               <a:pPr/>
-              <a:t>5/23/2016</a:t>
+              <a:t>5/24/2016</a:t>
             </a:fld>
             <a:endParaRPr lang="en-US" dirty="0"/>
           </a:p>
@@ -4269,7 +4269,7 @@
             <a:fld id="{B61BEF0D-F0BB-DE4B-95CE-6DB70DBA9567}" type="datetimeFigureOut">
               <a:rPr lang="en-US" dirty="0"/>
               <a:pPr/>
-              <a:t>5/23/2016</a:t>
+              <a:t>5/24/2016</a:t>
             </a:fld>
             <a:endParaRPr lang="en-US" dirty="0"/>
           </a:p>
@@ -4384,7 +4384,7 @@
             <a:fld id="{B61BEF0D-F0BB-DE4B-95CE-6DB70DBA9567}" type="datetimeFigureOut">
               <a:rPr lang="en-US" dirty="0"/>
               <a:pPr/>
-              <a:t>5/23/2016</a:t>
+              <a:t>5/24/2016</a:t>
             </a:fld>
             <a:endParaRPr lang="en-US" dirty="0"/>
           </a:p>
@@ -4476,7 +4476,7 @@
             <a:fld id="{B61BEF0D-F0BB-DE4B-95CE-6DB70DBA9567}" type="datetimeFigureOut">
               <a:rPr lang="en-US" dirty="0"/>
               <a:pPr/>
-              <a:t>5/23/2016</a:t>
+              <a:t>5/24/2016</a:t>
             </a:fld>
             <a:endParaRPr lang="en-US" dirty="0"/>
           </a:p>
@@ -4756,7 +4756,7 @@
             <a:fld id="{B61BEF0D-F0BB-DE4B-95CE-6DB70DBA9567}" type="datetimeFigureOut">
               <a:rPr lang="en-US" dirty="0"/>
               <a:pPr/>
-              <a:t>5/23/2016</a:t>
+              <a:t>5/24/2016</a:t>
             </a:fld>
             <a:endParaRPr lang="en-US" dirty="0"/>
           </a:p>
@@ -5044,7 +5044,7 @@
             <a:fld id="{B61BEF0D-F0BB-DE4B-95CE-6DB70DBA9567}" type="datetimeFigureOut">
               <a:rPr lang="en-US" dirty="0"/>
               <a:pPr/>
-              <a:t>5/23/2016</a:t>
+              <a:t>5/24/2016</a:t>
             </a:fld>
             <a:endParaRPr lang="en-US" dirty="0"/>
           </a:p>
@@ -5571,7 +5571,7 @@
             <a:fld id="{B61BEF0D-F0BB-DE4B-95CE-6DB70DBA9567}" type="datetimeFigureOut">
               <a:rPr lang="en-US" dirty="0"/>
               <a:pPr/>
-              <a:t>5/23/2016</a:t>
+              <a:t>5/24/2016</a:t>
             </a:fld>
             <a:endParaRPr lang="en-US" dirty="0"/>
           </a:p>
@@ -6434,11 +6434,11 @@
           </a:p>
           <a:p>
             <a:r>
-              <a:rPr lang="de-CH" sz="2000" dirty="0" err="1"/>
-              <a:t>serialisiertes</a:t>
-            </a:r>
-            <a:r>
-              <a:rPr lang="de-CH" sz="2000" dirty="0"/>
+              <a:rPr lang="de-CH" sz="2000" dirty="0" err="1" smtClean="0"/>
+              <a:t>serialisierte</a:t>
+            </a:r>
+            <a:r>
+              <a:rPr lang="de-CH" sz="2000" dirty="0" smtClean="0"/>
               <a:t> </a:t>
             </a:r>
             <a:r>
